--- a/발표.pptx
+++ b/발표.pptx
@@ -242,7 +242,7 @@
           <a:p>
             <a:fld id="{17FB36FB-C10C-479A-9DFD-15DEB134881C}" type="datetimeFigureOut">
               <a:rPr lang="ko-KR" altLang="en-US" smtClean="0"/>
-              <a:t>2023-06-12</a:t>
+              <a:t>2023-06-13</a:t>
             </a:fld>
             <a:endParaRPr lang="ko-KR" altLang="en-US"/>
           </a:p>
@@ -16952,36 +16952,6 @@
           </a:p>
         </p:txBody>
       </p:sp>
-      <p:pic>
-        <p:nvPicPr>
-          <p:cNvPr id="5" name="그림 4">
-            <a:extLst>
-              <a:ext uri="{FF2B5EF4-FFF2-40B4-BE49-F238E27FC236}">
-                <a16:creationId xmlns:a16="http://schemas.microsoft.com/office/drawing/2014/main" id="{571F2D31-5906-48B3-A9CE-1FA68849D56A}"/>
-              </a:ext>
-            </a:extLst>
-          </p:cNvPr>
-          <p:cNvPicPr>
-            <a:picLocks noChangeAspect="1"/>
-          </p:cNvPicPr>
-          <p:nvPr/>
-        </p:nvPicPr>
-        <p:blipFill>
-          <a:blip r:embed="rId2"/>
-          <a:stretch>
-            <a:fillRect/>
-          </a:stretch>
-        </p:blipFill>
-        <p:spPr>
-          <a:xfrm>
-            <a:off x="335982" y="1677593"/>
-            <a:ext cx="11520035" cy="1751407"/>
-          </a:xfrm>
-          <a:prstGeom prst="rect">
-            <a:avLst/>
-          </a:prstGeom>
-        </p:spPr>
-      </p:pic>
       <p:sp>
         <p:nvSpPr>
           <p:cNvPr id="6" name="TextBox 5">
@@ -17094,6 +17064,36 @@
           </a:p>
         </p:txBody>
       </p:sp>
+      <p:pic>
+        <p:nvPicPr>
+          <p:cNvPr id="3" name="그림 2">
+            <a:extLst>
+              <a:ext uri="{FF2B5EF4-FFF2-40B4-BE49-F238E27FC236}">
+                <a16:creationId xmlns:a16="http://schemas.microsoft.com/office/drawing/2014/main" id="{5FE1AC2E-AC0D-4346-19BD-121E3540C362}"/>
+              </a:ext>
+            </a:extLst>
+          </p:cNvPr>
+          <p:cNvPicPr>
+            <a:picLocks noChangeAspect="1"/>
+          </p:cNvPicPr>
+          <p:nvPr/>
+        </p:nvPicPr>
+        <p:blipFill>
+          <a:blip r:embed="rId2"/>
+          <a:stretch>
+            <a:fillRect/>
+          </a:stretch>
+        </p:blipFill>
+        <p:spPr>
+          <a:xfrm>
+            <a:off x="244506" y="1885652"/>
+            <a:ext cx="11702988" cy="1543348"/>
+          </a:xfrm>
+          <a:prstGeom prst="rect">
+            <a:avLst/>
+          </a:prstGeom>
+        </p:spPr>
+      </p:pic>
     </p:spTree>
     <p:extLst>
       <p:ext uri="{BB962C8B-B14F-4D97-AF65-F5344CB8AC3E}">
@@ -17459,36 +17459,6 @@
           </a:p>
         </p:txBody>
       </p:sp>
-      <p:pic>
-        <p:nvPicPr>
-          <p:cNvPr id="2" name="그림 1">
-            <a:extLst>
-              <a:ext uri="{FF2B5EF4-FFF2-40B4-BE49-F238E27FC236}">
-                <a16:creationId xmlns:a16="http://schemas.microsoft.com/office/drawing/2014/main" id="{C958CFE1-43D2-4227-AFB5-A82C07C878DF}"/>
-              </a:ext>
-            </a:extLst>
-          </p:cNvPr>
-          <p:cNvPicPr>
-            <a:picLocks noChangeAspect="1"/>
-          </p:cNvPicPr>
-          <p:nvPr/>
-        </p:nvPicPr>
-        <p:blipFill>
-          <a:blip r:embed="rId2"/>
-          <a:stretch>
-            <a:fillRect/>
-          </a:stretch>
-        </p:blipFill>
-        <p:spPr>
-          <a:xfrm>
-            <a:off x="339443" y="1735518"/>
-            <a:ext cx="11631648" cy="2133898"/>
-          </a:xfrm>
-          <a:prstGeom prst="rect">
-            <a:avLst/>
-          </a:prstGeom>
-        </p:spPr>
-      </p:pic>
       <p:sp>
         <p:nvSpPr>
           <p:cNvPr id="3" name="TextBox 2">
@@ -17503,8 +17473,8 @@
         </p:nvSpPr>
         <p:spPr>
           <a:xfrm>
-            <a:off x="1334073" y="4615785"/>
-            <a:ext cx="10637018" cy="1477328"/>
+            <a:off x="8182928" y="2797528"/>
+            <a:ext cx="3750174" cy="1477328"/>
           </a:xfrm>
           <a:prstGeom prst="rect">
             <a:avLst/>
@@ -17527,7 +17497,7 @@
             </a:r>
             <a:r>
               <a:rPr lang="ko-KR" altLang="en-US" dirty="0"/>
-              <a:t>과거 정부 시설에 대한 테러에서 현재는 일반 생활과 관련된 시설로의 테러 양상</a:t>
+              <a:t>민간에 대한 테러 양상</a:t>
             </a:r>
             <a:endParaRPr lang="en-US" altLang="ko-KR" dirty="0"/>
           </a:p>
@@ -17545,12 +17515,9 @@
             </a:r>
             <a:r>
               <a:rPr lang="ko-KR" altLang="en-US" dirty="0"/>
-              <a:t>유의미한 변화 </a:t>
-            </a:r>
-            <a:r>
-              <a:rPr lang="en-US" altLang="ko-KR" dirty="0"/>
-              <a:t>X</a:t>
-            </a:r>
+              <a:t>정부에 대한 테러 양상</a:t>
+            </a:r>
+            <a:endParaRPr lang="en-US" altLang="ko-KR" dirty="0"/>
           </a:p>
           <a:p>
             <a:endParaRPr lang="en-US" altLang="ko-KR" dirty="0"/>
@@ -17566,31 +17533,7 @@
             </a:r>
             <a:r>
               <a:rPr lang="ko-KR" altLang="en-US" dirty="0"/>
-              <a:t>과거 정부 시설</a:t>
-            </a:r>
-            <a:r>
-              <a:rPr lang="en-US" altLang="ko-KR" dirty="0"/>
-              <a:t>(</a:t>
-            </a:r>
-            <a:r>
-              <a:rPr lang="ko-KR" altLang="en-US" dirty="0"/>
-              <a:t>군</a:t>
-            </a:r>
-            <a:r>
-              <a:rPr lang="en-US" altLang="ko-KR" dirty="0"/>
-              <a:t>, </a:t>
-            </a:r>
-            <a:r>
-              <a:rPr lang="ko-KR" altLang="en-US" dirty="0"/>
-              <a:t>정부기구 등</a:t>
-            </a:r>
-            <a:r>
-              <a:rPr lang="en-US" altLang="ko-KR" dirty="0"/>
-              <a:t>)</a:t>
-            </a:r>
-            <a:r>
-              <a:rPr lang="ko-KR" altLang="en-US" dirty="0"/>
-              <a:t>에 대한 테러에서 현재는 생활과 관련된 시설로의 테러 양상</a:t>
+              <a:t>정부에 대한 테러 양상</a:t>
             </a:r>
             <a:endParaRPr lang="en-US" altLang="ko-KR" dirty="0"/>
           </a:p>
@@ -17610,7 +17553,7 @@
         </p:nvSpPr>
         <p:spPr>
           <a:xfrm>
-            <a:off x="273463" y="5112133"/>
+            <a:off x="7139509" y="3293876"/>
             <a:ext cx="978408" cy="484632"/>
           </a:xfrm>
           <a:prstGeom prst="rightArrow">
@@ -17647,6 +17590,230 @@
           <a:p>
             <a:pPr algn="ctr"/>
             <a:endParaRPr lang="ko-KR" altLang="en-US"/>
+          </a:p>
+        </p:txBody>
+      </p:sp>
+      <p:pic>
+        <p:nvPicPr>
+          <p:cNvPr id="5" name="그림 4">
+            <a:extLst>
+              <a:ext uri="{FF2B5EF4-FFF2-40B4-BE49-F238E27FC236}">
+                <a16:creationId xmlns:a16="http://schemas.microsoft.com/office/drawing/2014/main" id="{74DAB22C-921E-3E02-77E8-533A61D4B8AE}"/>
+              </a:ext>
+            </a:extLst>
+          </p:cNvPr>
+          <p:cNvPicPr>
+            <a:picLocks noChangeAspect="1"/>
+          </p:cNvPicPr>
+          <p:nvPr/>
+        </p:nvPicPr>
+        <p:blipFill>
+          <a:blip r:embed="rId2"/>
+          <a:stretch>
+            <a:fillRect/>
+          </a:stretch>
+        </p:blipFill>
+        <p:spPr>
+          <a:xfrm>
+            <a:off x="1010810" y="1691589"/>
+            <a:ext cx="982643" cy="4762038"/>
+          </a:xfrm>
+          <a:prstGeom prst="rect">
+            <a:avLst/>
+          </a:prstGeom>
+        </p:spPr>
+      </p:pic>
+      <p:sp>
+        <p:nvSpPr>
+          <p:cNvPr id="6" name="TextBox 5">
+            <a:extLst>
+              <a:ext uri="{FF2B5EF4-FFF2-40B4-BE49-F238E27FC236}">
+                <a16:creationId xmlns:a16="http://schemas.microsoft.com/office/drawing/2014/main" id="{A89FDDE6-6152-2B12-77F7-848B4F3A25EC}"/>
+              </a:ext>
+            </a:extLst>
+          </p:cNvPr>
+          <p:cNvSpPr txBox="1"/>
+          <p:nvPr/>
+        </p:nvSpPr>
+        <p:spPr>
+          <a:xfrm>
+            <a:off x="3362246" y="6268961"/>
+            <a:ext cx="1518249" cy="369332"/>
+          </a:xfrm>
+          <a:prstGeom prst="rect">
+            <a:avLst/>
+          </a:prstGeom>
+          <a:noFill/>
+        </p:spPr>
+        <p:txBody>
+          <a:bodyPr wrap="square" rtlCol="0">
+            <a:spAutoFit/>
+          </a:bodyPr>
+          <a:lstStyle/>
+          <a:p>
+            <a:r>
+              <a:rPr lang="ko-KR" altLang="en-US" dirty="0"/>
+              <a:t>아시아</a:t>
+            </a:r>
+          </a:p>
+        </p:txBody>
+      </p:sp>
+      <p:pic>
+        <p:nvPicPr>
+          <p:cNvPr id="8" name="그림 7">
+            <a:extLst>
+              <a:ext uri="{FF2B5EF4-FFF2-40B4-BE49-F238E27FC236}">
+                <a16:creationId xmlns:a16="http://schemas.microsoft.com/office/drawing/2014/main" id="{194463EE-67D4-0A6B-E54E-1347F26F41DB}"/>
+              </a:ext>
+            </a:extLst>
+          </p:cNvPr>
+          <p:cNvPicPr>
+            <a:picLocks noChangeAspect="1"/>
+          </p:cNvPicPr>
+          <p:nvPr/>
+        </p:nvPicPr>
+        <p:blipFill>
+          <a:blip r:embed="rId3"/>
+          <a:stretch>
+            <a:fillRect/>
+          </a:stretch>
+        </p:blipFill>
+        <p:spPr>
+          <a:xfrm>
+            <a:off x="3398589" y="811694"/>
+            <a:ext cx="878278" cy="4198890"/>
+          </a:xfrm>
+          <a:prstGeom prst="rect">
+            <a:avLst/>
+          </a:prstGeom>
+        </p:spPr>
+      </p:pic>
+      <p:pic>
+        <p:nvPicPr>
+          <p:cNvPr id="10" name="그림 9">
+            <a:extLst>
+              <a:ext uri="{FF2B5EF4-FFF2-40B4-BE49-F238E27FC236}">
+                <a16:creationId xmlns:a16="http://schemas.microsoft.com/office/drawing/2014/main" id="{988EE2C8-3ABD-93F5-1BAB-F401D2043412}"/>
+              </a:ext>
+            </a:extLst>
+          </p:cNvPr>
+          <p:cNvPicPr>
+            <a:picLocks noChangeAspect="1"/>
+          </p:cNvPicPr>
+          <p:nvPr/>
+        </p:nvPicPr>
+        <p:blipFill>
+          <a:blip r:embed="rId4"/>
+          <a:stretch>
+            <a:fillRect/>
+          </a:stretch>
+        </p:blipFill>
+        <p:spPr>
+          <a:xfrm>
+            <a:off x="3398588" y="4932269"/>
+            <a:ext cx="878278" cy="1229589"/>
+          </a:xfrm>
+          <a:prstGeom prst="rect">
+            <a:avLst/>
+          </a:prstGeom>
+        </p:spPr>
+      </p:pic>
+      <p:sp>
+        <p:nvSpPr>
+          <p:cNvPr id="11" name="TextBox 10">
+            <a:extLst>
+              <a:ext uri="{FF2B5EF4-FFF2-40B4-BE49-F238E27FC236}">
+                <a16:creationId xmlns:a16="http://schemas.microsoft.com/office/drawing/2014/main" id="{63FC3325-42BE-F683-B9C9-D2385A7892AE}"/>
+              </a:ext>
+            </a:extLst>
+          </p:cNvPr>
+          <p:cNvSpPr txBox="1"/>
+          <p:nvPr/>
+        </p:nvSpPr>
+        <p:spPr>
+          <a:xfrm>
+            <a:off x="1004080" y="6224931"/>
+            <a:ext cx="1518249" cy="369332"/>
+          </a:xfrm>
+          <a:prstGeom prst="rect">
+            <a:avLst/>
+          </a:prstGeom>
+          <a:noFill/>
+        </p:spPr>
+        <p:txBody>
+          <a:bodyPr wrap="square" rtlCol="0">
+            <a:spAutoFit/>
+          </a:bodyPr>
+          <a:lstStyle/>
+          <a:p>
+            <a:r>
+              <a:rPr lang="ko-KR" altLang="en-US" dirty="0"/>
+              <a:t>아프리카</a:t>
+            </a:r>
+          </a:p>
+        </p:txBody>
+      </p:sp>
+      <p:pic>
+        <p:nvPicPr>
+          <p:cNvPr id="21" name="그림 20">
+            <a:extLst>
+              <a:ext uri="{FF2B5EF4-FFF2-40B4-BE49-F238E27FC236}">
+                <a16:creationId xmlns:a16="http://schemas.microsoft.com/office/drawing/2014/main" id="{C6D16511-8039-F770-F2D8-5CC3A0F05A5F}"/>
+              </a:ext>
+            </a:extLst>
+          </p:cNvPr>
+          <p:cNvPicPr>
+            <a:picLocks noChangeAspect="1"/>
+          </p:cNvPicPr>
+          <p:nvPr/>
+        </p:nvPicPr>
+        <p:blipFill rotWithShape="1">
+          <a:blip r:embed="rId5"/>
+          <a:srcRect r="5699"/>
+          <a:stretch/>
+        </p:blipFill>
+        <p:spPr>
+          <a:xfrm>
+            <a:off x="4856096" y="1131547"/>
+            <a:ext cx="1449198" cy="5137414"/>
+          </a:xfrm>
+          <a:prstGeom prst="rect">
+            <a:avLst/>
+          </a:prstGeom>
+        </p:spPr>
+      </p:pic>
+      <p:sp>
+        <p:nvSpPr>
+          <p:cNvPr id="23" name="TextBox 22">
+            <a:extLst>
+              <a:ext uri="{FF2B5EF4-FFF2-40B4-BE49-F238E27FC236}">
+                <a16:creationId xmlns:a16="http://schemas.microsoft.com/office/drawing/2014/main" id="{5C48D748-8DBB-A24D-E498-B390228CA1AC}"/>
+              </a:ext>
+            </a:extLst>
+          </p:cNvPr>
+          <p:cNvSpPr txBox="1"/>
+          <p:nvPr/>
+        </p:nvSpPr>
+        <p:spPr>
+          <a:xfrm>
+            <a:off x="5228427" y="6268961"/>
+            <a:ext cx="1518249" cy="369332"/>
+          </a:xfrm>
+          <a:prstGeom prst="rect">
+            <a:avLst/>
+          </a:prstGeom>
+          <a:noFill/>
+        </p:spPr>
+        <p:txBody>
+          <a:bodyPr wrap="square" rtlCol="0">
+            <a:spAutoFit/>
+          </a:bodyPr>
+          <a:lstStyle/>
+          <a:p>
+            <a:r>
+              <a:rPr lang="ko-KR" altLang="en-US" dirty="0"/>
+              <a:t>유럽</a:t>
+            </a:r>
           </a:p>
         </p:txBody>
       </p:sp>

--- a/발표.pptx
+++ b/발표.pptx
@@ -5,7 +5,7 @@
     <p:sldMasterId id="2147483656" r:id="rId1"/>
   </p:sldMasterIdLst>
   <p:notesMasterIdLst>
-    <p:notesMasterId r:id="rId41"/>
+    <p:notesMasterId r:id="rId40"/>
   </p:notesMasterIdLst>
   <p:sldIdLst>
     <p:sldId id="257" r:id="rId2"/>
@@ -27,34 +27,33 @@
     <p:sldId id="294" r:id="rId18"/>
     <p:sldId id="296" r:id="rId19"/>
     <p:sldId id="297" r:id="rId20"/>
-    <p:sldId id="295" r:id="rId21"/>
-    <p:sldId id="314" r:id="rId22"/>
-    <p:sldId id="298" r:id="rId23"/>
-    <p:sldId id="301" r:id="rId24"/>
-    <p:sldId id="299" r:id="rId25"/>
-    <p:sldId id="302" r:id="rId26"/>
-    <p:sldId id="303" r:id="rId27"/>
-    <p:sldId id="304" r:id="rId28"/>
-    <p:sldId id="305" r:id="rId29"/>
-    <p:sldId id="306" r:id="rId30"/>
-    <p:sldId id="307" r:id="rId31"/>
-    <p:sldId id="309" r:id="rId32"/>
-    <p:sldId id="310" r:id="rId33"/>
-    <p:sldId id="308" r:id="rId34"/>
-    <p:sldId id="272" r:id="rId35"/>
-    <p:sldId id="275" r:id="rId36"/>
-    <p:sldId id="311" r:id="rId37"/>
-    <p:sldId id="312" r:id="rId38"/>
-    <p:sldId id="313" r:id="rId39"/>
-    <p:sldId id="269" r:id="rId40"/>
+    <p:sldId id="314" r:id="rId21"/>
+    <p:sldId id="298" r:id="rId22"/>
+    <p:sldId id="301" r:id="rId23"/>
+    <p:sldId id="299" r:id="rId24"/>
+    <p:sldId id="302" r:id="rId25"/>
+    <p:sldId id="303" r:id="rId26"/>
+    <p:sldId id="304" r:id="rId27"/>
+    <p:sldId id="305" r:id="rId28"/>
+    <p:sldId id="306" r:id="rId29"/>
+    <p:sldId id="307" r:id="rId30"/>
+    <p:sldId id="309" r:id="rId31"/>
+    <p:sldId id="310" r:id="rId32"/>
+    <p:sldId id="308" r:id="rId33"/>
+    <p:sldId id="272" r:id="rId34"/>
+    <p:sldId id="275" r:id="rId35"/>
+    <p:sldId id="311" r:id="rId36"/>
+    <p:sldId id="312" r:id="rId37"/>
+    <p:sldId id="313" r:id="rId38"/>
+    <p:sldId id="269" r:id="rId39"/>
   </p:sldIdLst>
   <p:sldSz cx="12192000" cy="6858000"/>
   <p:notesSz cx="6858000" cy="9144000"/>
   <p:embeddedFontLst>
     <p:embeddedFont>
       <p:font typeface="맑은 고딕" panose="020B0503020000020004" pitchFamily="50" charset="-127"/>
-      <p:regular r:id="rId42"/>
-      <p:bold r:id="rId43"/>
+      <p:regular r:id="rId41"/>
+      <p:bold r:id="rId42"/>
     </p:embeddedFont>
   </p:embeddedFontLst>
   <p:defaultTextStyle>
@@ -242,7 +241,7 @@
           <a:p>
             <a:fld id="{17FB36FB-C10C-479A-9DFD-15DEB134881C}" type="datetimeFigureOut">
               <a:rPr lang="ko-KR" altLang="en-US" smtClean="0"/>
-              <a:t>2023-06-13</a:t>
+              <a:t>2023-06-14</a:t>
             </a:fld>
             <a:endParaRPr lang="ko-KR" altLang="en-US"/>
           </a:p>
@@ -1098,15 +1097,9 @@
               <a:rPr lang="ko-KR" altLang="en-US" dirty="0">
                 <a:latin typeface="+mn-ea"/>
               </a:rPr>
-              <a:t> 통계와 수단에 집중하여</a:t>
-            </a:r>
-            <a:r>
-              <a:rPr lang="en-US" altLang="ko-KR" dirty="0">
-                <a:latin typeface="+mn-ea"/>
-              </a:rPr>
-              <a:t>…</a:t>
-            </a:r>
-            <a:endParaRPr lang="ko-KR" altLang="en-US" dirty="0">
+              <a:t> 통계와 수단에 집중해서</a:t>
+            </a:r>
+            <a:endParaRPr lang="en-US" altLang="ko-KR" dirty="0">
               <a:latin typeface="+mn-ea"/>
             </a:endParaRPr>
           </a:p>
@@ -7610,575 +7603,6 @@
           </a:p>
         </p:txBody>
       </p:sp>
-      <p:pic>
-        <p:nvPicPr>
-          <p:cNvPr id="2" name="그림 1">
-            <a:extLst>
-              <a:ext uri="{FF2B5EF4-FFF2-40B4-BE49-F238E27FC236}">
-                <a16:creationId xmlns:a16="http://schemas.microsoft.com/office/drawing/2014/main" id="{FA035CB8-6725-48F0-8081-6248A7FD0756}"/>
-              </a:ext>
-            </a:extLst>
-          </p:cNvPr>
-          <p:cNvPicPr>
-            <a:picLocks noChangeAspect="1"/>
-          </p:cNvPicPr>
-          <p:nvPr/>
-        </p:nvPicPr>
-        <p:blipFill>
-          <a:blip r:embed="rId2"/>
-          <a:stretch>
-            <a:fillRect/>
-          </a:stretch>
-        </p:blipFill>
-        <p:spPr>
-          <a:xfrm>
-            <a:off x="359642" y="1525954"/>
-            <a:ext cx="5759123" cy="4635120"/>
-          </a:xfrm>
-          <a:prstGeom prst="rect">
-            <a:avLst/>
-          </a:prstGeom>
-        </p:spPr>
-      </p:pic>
-      <p:sp>
-        <p:nvSpPr>
-          <p:cNvPr id="12" name="TextBox 11">
-            <a:extLst>
-              <a:ext uri="{FF2B5EF4-FFF2-40B4-BE49-F238E27FC236}">
-                <a16:creationId xmlns:a16="http://schemas.microsoft.com/office/drawing/2014/main" id="{D3587E3A-082F-4F87-9168-04802F3D5AC5}"/>
-              </a:ext>
-            </a:extLst>
-          </p:cNvPr>
-          <p:cNvSpPr txBox="1"/>
-          <p:nvPr/>
-        </p:nvSpPr>
-        <p:spPr>
-          <a:xfrm>
-            <a:off x="1026522" y="6174387"/>
-            <a:ext cx="4089400" cy="369332"/>
-          </a:xfrm>
-          <a:prstGeom prst="rect">
-            <a:avLst/>
-          </a:prstGeom>
-          <a:noFill/>
-        </p:spPr>
-        <p:txBody>
-          <a:bodyPr wrap="square" rtlCol="0">
-            <a:spAutoFit/>
-          </a:bodyPr>
-          <a:lstStyle/>
-          <a:p>
-            <a:pPr algn="ctr"/>
-            <a:r>
-              <a:rPr lang="ko-KR" altLang="en-US" dirty="0"/>
-              <a:t>대륙</a:t>
-            </a:r>
-            <a:r>
-              <a:rPr lang="en-US" altLang="ko-KR" dirty="0"/>
-              <a:t> – </a:t>
-            </a:r>
-            <a:r>
-              <a:rPr lang="ko-KR" altLang="en-US" dirty="0"/>
-              <a:t>집단 </a:t>
-            </a:r>
-            <a:r>
-              <a:rPr lang="en-US" altLang="ko-KR" dirty="0"/>
-              <a:t>– </a:t>
-            </a:r>
-            <a:r>
-              <a:rPr lang="ko-KR" altLang="en-US" dirty="0"/>
-              <a:t>테러 대상</a:t>
-            </a:r>
-          </a:p>
-        </p:txBody>
-      </p:sp>
-      <p:pic>
-        <p:nvPicPr>
-          <p:cNvPr id="3" name="그림 2">
-            <a:extLst>
-              <a:ext uri="{FF2B5EF4-FFF2-40B4-BE49-F238E27FC236}">
-                <a16:creationId xmlns:a16="http://schemas.microsoft.com/office/drawing/2014/main" id="{7F3D7DD1-790F-4FDD-B8ED-D33C52894794}"/>
-              </a:ext>
-            </a:extLst>
-          </p:cNvPr>
-          <p:cNvPicPr>
-            <a:picLocks noChangeAspect="1"/>
-          </p:cNvPicPr>
-          <p:nvPr/>
-        </p:nvPicPr>
-        <p:blipFill>
-          <a:blip r:embed="rId3"/>
-          <a:stretch>
-            <a:fillRect/>
-          </a:stretch>
-        </p:blipFill>
-        <p:spPr>
-          <a:xfrm>
-            <a:off x="6063719" y="1539279"/>
-            <a:ext cx="5582307" cy="4635108"/>
-          </a:xfrm>
-          <a:prstGeom prst="rect">
-            <a:avLst/>
-          </a:prstGeom>
-        </p:spPr>
-      </p:pic>
-      <p:sp>
-        <p:nvSpPr>
-          <p:cNvPr id="22" name="TextBox 21">
-            <a:extLst>
-              <a:ext uri="{FF2B5EF4-FFF2-40B4-BE49-F238E27FC236}">
-                <a16:creationId xmlns:a16="http://schemas.microsoft.com/office/drawing/2014/main" id="{DA119EB8-C558-4F9D-B7CE-488AB0EE9A9E}"/>
-              </a:ext>
-            </a:extLst>
-          </p:cNvPr>
-          <p:cNvSpPr txBox="1"/>
-          <p:nvPr/>
-        </p:nvSpPr>
-        <p:spPr>
-          <a:xfrm>
-            <a:off x="6701492" y="6197833"/>
-            <a:ext cx="4089400" cy="369332"/>
-          </a:xfrm>
-          <a:prstGeom prst="rect">
-            <a:avLst/>
-          </a:prstGeom>
-          <a:noFill/>
-        </p:spPr>
-        <p:txBody>
-          <a:bodyPr wrap="square" rtlCol="0">
-            <a:spAutoFit/>
-          </a:bodyPr>
-          <a:lstStyle/>
-          <a:p>
-            <a:pPr algn="ctr"/>
-            <a:r>
-              <a:rPr lang="ko-KR" altLang="en-US" dirty="0"/>
-              <a:t>집단 </a:t>
-            </a:r>
-            <a:r>
-              <a:rPr lang="en-US" altLang="ko-KR" dirty="0"/>
-              <a:t>– </a:t>
-            </a:r>
-            <a:r>
-              <a:rPr lang="ko-KR" altLang="en-US" dirty="0"/>
-              <a:t>수단</a:t>
-            </a:r>
-          </a:p>
-        </p:txBody>
-      </p:sp>
-      <p:sp>
-        <p:nvSpPr>
-          <p:cNvPr id="23" name="TextBox 22">
-            <a:extLst>
-              <a:ext uri="{FF2B5EF4-FFF2-40B4-BE49-F238E27FC236}">
-                <a16:creationId xmlns:a16="http://schemas.microsoft.com/office/drawing/2014/main" id="{873C82D3-F0FB-46D5-AC8B-E28EB5DDF599}"/>
-              </a:ext>
-            </a:extLst>
-          </p:cNvPr>
-          <p:cNvSpPr txBox="1"/>
-          <p:nvPr/>
-        </p:nvSpPr>
-        <p:spPr>
-          <a:xfrm>
-            <a:off x="906006" y="999932"/>
-            <a:ext cx="3762569" cy="369332"/>
-          </a:xfrm>
-          <a:prstGeom prst="rect">
-            <a:avLst/>
-          </a:prstGeom>
-          <a:noFill/>
-        </p:spPr>
-        <p:txBody>
-          <a:bodyPr wrap="none" rtlCol="0">
-            <a:spAutoFit/>
-          </a:bodyPr>
-          <a:lstStyle/>
-          <a:p>
-            <a:pPr algn="ctr"/>
-            <a:r>
-              <a:rPr lang="ko-KR" altLang="en-US" spc="-150" dirty="0">
-                <a:solidFill>
-                  <a:srgbClr val="00002F"/>
-                </a:solidFill>
-                <a:latin typeface="+mn-ea"/>
-              </a:rPr>
-              <a:t>상위 수단 </a:t>
-            </a:r>
-            <a:r>
-              <a:rPr lang="en-US" altLang="ko-KR" spc="-150" dirty="0">
-                <a:solidFill>
-                  <a:srgbClr val="00002F"/>
-                </a:solidFill>
-                <a:latin typeface="+mn-ea"/>
-              </a:rPr>
-              <a:t>3</a:t>
-            </a:r>
-            <a:r>
-              <a:rPr lang="ko-KR" altLang="en-US" spc="-150" dirty="0">
-                <a:solidFill>
-                  <a:srgbClr val="00002F"/>
-                </a:solidFill>
-                <a:latin typeface="+mn-ea"/>
-              </a:rPr>
-              <a:t>개 </a:t>
-            </a:r>
-            <a:r>
-              <a:rPr lang="ko-KR" altLang="en-US" spc="-150" dirty="0" err="1">
-                <a:solidFill>
-                  <a:srgbClr val="00002F"/>
-                </a:solidFill>
-                <a:latin typeface="+mn-ea"/>
-              </a:rPr>
-              <a:t>중심성</a:t>
-            </a:r>
-            <a:r>
-              <a:rPr lang="ko-KR" altLang="en-US" spc="-150" dirty="0">
-                <a:solidFill>
-                  <a:srgbClr val="00002F"/>
-                </a:solidFill>
-                <a:latin typeface="+mn-ea"/>
-              </a:rPr>
-              <a:t> 분석</a:t>
-            </a:r>
-            <a:r>
-              <a:rPr lang="en-US" altLang="ko-KR" spc="-150" dirty="0">
-                <a:solidFill>
-                  <a:srgbClr val="00002F"/>
-                </a:solidFill>
-                <a:latin typeface="+mn-ea"/>
-              </a:rPr>
-              <a:t>(2001~2005)</a:t>
-            </a:r>
-            <a:endParaRPr lang="ko-KR" altLang="en-US" spc="-150" dirty="0">
-              <a:solidFill>
-                <a:srgbClr val="00002F"/>
-              </a:solidFill>
-              <a:latin typeface="+mn-ea"/>
-            </a:endParaRPr>
-          </a:p>
-        </p:txBody>
-      </p:sp>
-    </p:spTree>
-    <p:extLst>
-      <p:ext uri="{BB962C8B-B14F-4D97-AF65-F5344CB8AC3E}">
-        <p14:creationId xmlns:p14="http://schemas.microsoft.com/office/powerpoint/2010/main" val="3313147898"/>
-      </p:ext>
-    </p:extLst>
-  </p:cSld>
-  <p:clrMapOvr>
-    <a:masterClrMapping/>
-  </p:clrMapOvr>
-</p:sld>
-</file>
-
-<file path=ppt/slides/slide21.xml><?xml version="1.0" encoding="utf-8"?>
-<p:sld xmlns:a="http://schemas.openxmlformats.org/drawingml/2006/main" xmlns:r="http://schemas.openxmlformats.org/officeDocument/2006/relationships" xmlns:p="http://schemas.openxmlformats.org/presentationml/2006/main">
-  <p:cSld>
-    <p:spTree>
-      <p:nvGrpSpPr>
-        <p:cNvPr id="1" name=""/>
-        <p:cNvGrpSpPr/>
-        <p:nvPr/>
-      </p:nvGrpSpPr>
-      <p:grpSpPr>
-        <a:xfrm>
-          <a:off x="0" y="0"/>
-          <a:ext cx="0" cy="0"/>
-          <a:chOff x="0" y="0"/>
-          <a:chExt cx="0" cy="0"/>
-        </a:xfrm>
-      </p:grpSpPr>
-      <p:cxnSp>
-        <p:nvCxnSpPr>
-          <p:cNvPr id="14" name="직선 연결선 13"/>
-          <p:cNvCxnSpPr/>
-          <p:nvPr/>
-        </p:nvCxnSpPr>
-        <p:spPr>
-          <a:xfrm>
-            <a:off x="10430892" y="144941"/>
-            <a:ext cx="360000" cy="0"/>
-          </a:xfrm>
-          <a:prstGeom prst="line">
-            <a:avLst/>
-          </a:prstGeom>
-          <a:ln w="44450" cap="rnd">
-            <a:solidFill>
-              <a:srgbClr val="D0CECE"/>
-            </a:solidFill>
-          </a:ln>
-          <a:effectLst>
-            <a:outerShdw blurRad="50800" dist="38100" dir="5400000" algn="t" rotWithShape="0">
-              <a:prstClr val="black">
-                <a:alpha val="40000"/>
-              </a:prstClr>
-            </a:outerShdw>
-          </a:effectLst>
-        </p:spPr>
-        <p:style>
-          <a:lnRef idx="1">
-            <a:schemeClr val="accent1"/>
-          </a:lnRef>
-          <a:fillRef idx="0">
-            <a:schemeClr val="accent1"/>
-          </a:fillRef>
-          <a:effectRef idx="0">
-            <a:schemeClr val="accent1"/>
-          </a:effectRef>
-          <a:fontRef idx="minor">
-            <a:schemeClr val="tx1"/>
-          </a:fontRef>
-        </p:style>
-      </p:cxnSp>
-      <p:cxnSp>
-        <p:nvCxnSpPr>
-          <p:cNvPr id="15" name="직선 연결선 14"/>
-          <p:cNvCxnSpPr/>
-          <p:nvPr/>
-        </p:nvCxnSpPr>
-        <p:spPr>
-          <a:xfrm>
-            <a:off x="10858459" y="144941"/>
-            <a:ext cx="360000" cy="0"/>
-          </a:xfrm>
-          <a:prstGeom prst="line">
-            <a:avLst/>
-          </a:prstGeom>
-          <a:ln w="44450" cap="rnd">
-            <a:solidFill>
-              <a:schemeClr val="bg2">
-                <a:lumMod val="90000"/>
-              </a:schemeClr>
-            </a:solidFill>
-          </a:ln>
-          <a:effectLst>
-            <a:outerShdw blurRad="50800" dist="38100" dir="5400000" algn="t" rotWithShape="0">
-              <a:prstClr val="black">
-                <a:alpha val="40000"/>
-              </a:prstClr>
-            </a:outerShdw>
-          </a:effectLst>
-        </p:spPr>
-        <p:style>
-          <a:lnRef idx="1">
-            <a:schemeClr val="accent1"/>
-          </a:lnRef>
-          <a:fillRef idx="0">
-            <a:schemeClr val="accent1"/>
-          </a:fillRef>
-          <a:effectRef idx="0">
-            <a:schemeClr val="accent1"/>
-          </a:effectRef>
-          <a:fontRef idx="minor">
-            <a:schemeClr val="tx1"/>
-          </a:fontRef>
-        </p:style>
-      </p:cxnSp>
-      <p:cxnSp>
-        <p:nvCxnSpPr>
-          <p:cNvPr id="16" name="직선 연결선 15"/>
-          <p:cNvCxnSpPr/>
-          <p:nvPr/>
-        </p:nvCxnSpPr>
-        <p:spPr>
-          <a:xfrm>
-            <a:off x="11286026" y="144941"/>
-            <a:ext cx="360000" cy="0"/>
-          </a:xfrm>
-          <a:prstGeom prst="line">
-            <a:avLst/>
-          </a:prstGeom>
-          <a:ln w="44450" cap="rnd">
-            <a:solidFill>
-              <a:srgbClr val="8DBABD"/>
-            </a:solidFill>
-          </a:ln>
-          <a:effectLst>
-            <a:outerShdw blurRad="50800" dist="38100" dir="5400000" algn="t" rotWithShape="0">
-              <a:prstClr val="black">
-                <a:alpha val="40000"/>
-              </a:prstClr>
-            </a:outerShdw>
-          </a:effectLst>
-        </p:spPr>
-        <p:style>
-          <a:lnRef idx="1">
-            <a:schemeClr val="accent1"/>
-          </a:lnRef>
-          <a:fillRef idx="0">
-            <a:schemeClr val="accent1"/>
-          </a:fillRef>
-          <a:effectRef idx="0">
-            <a:schemeClr val="accent1"/>
-          </a:effectRef>
-          <a:fontRef idx="minor">
-            <a:schemeClr val="tx1"/>
-          </a:fontRef>
-        </p:style>
-      </p:cxnSp>
-      <p:cxnSp>
-        <p:nvCxnSpPr>
-          <p:cNvPr id="17" name="직선 연결선 16"/>
-          <p:cNvCxnSpPr/>
-          <p:nvPr/>
-        </p:nvCxnSpPr>
-        <p:spPr>
-          <a:xfrm>
-            <a:off x="11713592" y="144941"/>
-            <a:ext cx="360000" cy="0"/>
-          </a:xfrm>
-          <a:prstGeom prst="line">
-            <a:avLst/>
-          </a:prstGeom>
-          <a:ln w="44450" cap="rnd">
-            <a:solidFill>
-              <a:schemeClr val="bg2">
-                <a:lumMod val="90000"/>
-              </a:schemeClr>
-            </a:solidFill>
-          </a:ln>
-          <a:effectLst>
-            <a:outerShdw blurRad="50800" dist="38100" dir="5400000" algn="t" rotWithShape="0">
-              <a:prstClr val="black">
-                <a:alpha val="40000"/>
-              </a:prstClr>
-            </a:outerShdw>
-          </a:effectLst>
-        </p:spPr>
-        <p:style>
-          <a:lnRef idx="1">
-            <a:schemeClr val="accent1"/>
-          </a:lnRef>
-          <a:fillRef idx="0">
-            <a:schemeClr val="accent1"/>
-          </a:fillRef>
-          <a:effectRef idx="0">
-            <a:schemeClr val="accent1"/>
-          </a:effectRef>
-          <a:fontRef idx="minor">
-            <a:schemeClr val="tx1"/>
-          </a:fontRef>
-        </p:style>
-      </p:cxnSp>
-      <p:cxnSp>
-        <p:nvCxnSpPr>
-          <p:cNvPr id="18" name="직선 연결선 17"/>
-          <p:cNvCxnSpPr/>
-          <p:nvPr/>
-        </p:nvCxnSpPr>
-        <p:spPr>
-          <a:xfrm>
-            <a:off x="1026522" y="989148"/>
-            <a:ext cx="2160000" cy="0"/>
-          </a:xfrm>
-          <a:prstGeom prst="line">
-            <a:avLst/>
-          </a:prstGeom>
-          <a:ln>
-            <a:solidFill>
-              <a:schemeClr val="bg1">
-                <a:lumMod val="50000"/>
-              </a:schemeClr>
-            </a:solidFill>
-          </a:ln>
-        </p:spPr>
-        <p:style>
-          <a:lnRef idx="1">
-            <a:schemeClr val="accent1"/>
-          </a:lnRef>
-          <a:fillRef idx="0">
-            <a:schemeClr val="accent1"/>
-          </a:fillRef>
-          <a:effectRef idx="0">
-            <a:schemeClr val="accent1"/>
-          </a:effectRef>
-          <a:fontRef idx="minor">
-            <a:schemeClr val="tx1"/>
-          </a:fontRef>
-        </p:style>
-      </p:cxnSp>
-      <p:sp>
-        <p:nvSpPr>
-          <p:cNvPr id="19" name="TextBox 18"/>
-          <p:cNvSpPr txBox="1"/>
-          <p:nvPr/>
-        </p:nvSpPr>
-        <p:spPr>
-          <a:xfrm>
-            <a:off x="973840" y="437391"/>
-            <a:ext cx="2265364" cy="584775"/>
-          </a:xfrm>
-          <a:prstGeom prst="rect">
-            <a:avLst/>
-          </a:prstGeom>
-          <a:noFill/>
-        </p:spPr>
-        <p:txBody>
-          <a:bodyPr wrap="none" rtlCol="0">
-            <a:spAutoFit/>
-          </a:bodyPr>
-          <a:lstStyle/>
-          <a:p>
-            <a:pPr algn="ctr"/>
-            <a:r>
-              <a:rPr lang="ko-KR" altLang="en-US" sz="3200" spc="-150">
-                <a:solidFill>
-                  <a:srgbClr val="00002F"/>
-                </a:solidFill>
-                <a:latin typeface="+mn-ea"/>
-              </a:rPr>
-              <a:t>연관성 분석</a:t>
-            </a:r>
-            <a:endParaRPr lang="ko-KR" altLang="en-US" sz="3200" spc="-150" dirty="0">
-              <a:solidFill>
-                <a:srgbClr val="00002F"/>
-              </a:solidFill>
-              <a:latin typeface="+mn-ea"/>
-            </a:endParaRPr>
-          </a:p>
-        </p:txBody>
-      </p:sp>
-      <p:sp>
-        <p:nvSpPr>
-          <p:cNvPr id="20" name="TextBox 19"/>
-          <p:cNvSpPr txBox="1"/>
-          <p:nvPr/>
-        </p:nvSpPr>
-        <p:spPr>
-          <a:xfrm>
-            <a:off x="495607" y="498947"/>
-            <a:ext cx="534121" cy="461665"/>
-          </a:xfrm>
-          <a:prstGeom prst="rect">
-            <a:avLst/>
-          </a:prstGeom>
-          <a:noFill/>
-        </p:spPr>
-        <p:txBody>
-          <a:bodyPr wrap="none" rtlCol="0">
-            <a:spAutoFit/>
-          </a:bodyPr>
-          <a:lstStyle/>
-          <a:p>
-            <a:pPr algn="ctr"/>
-            <a:r>
-              <a:rPr lang="en-US" altLang="ko-KR" sz="2400" spc="-150" dirty="0">
-                <a:solidFill>
-                  <a:srgbClr val="00002F"/>
-                </a:solidFill>
-                <a:latin typeface="+mn-ea"/>
-              </a:rPr>
-              <a:t>03.</a:t>
-            </a:r>
-            <a:endParaRPr lang="ko-KR" altLang="en-US" sz="2400" spc="-150" dirty="0">
-              <a:solidFill>
-                <a:srgbClr val="00002F"/>
-              </a:solidFill>
-              <a:latin typeface="+mn-ea"/>
-            </a:endParaRPr>
-          </a:p>
-        </p:txBody>
-      </p:sp>
       <p:sp>
         <p:nvSpPr>
           <p:cNvPr id="21" name="TextBox 20"/>
@@ -8302,7 +7726,7 @@
 </p:sld>
 </file>
 
-<file path=ppt/slides/slide22.xml><?xml version="1.0" encoding="utf-8"?>
+<file path=ppt/slides/slide21.xml><?xml version="1.0" encoding="utf-8"?>
 <p:sld xmlns:a="http://schemas.openxmlformats.org/drawingml/2006/main" xmlns:r="http://schemas.openxmlformats.org/officeDocument/2006/relationships" xmlns:p="http://schemas.openxmlformats.org/presentationml/2006/main">
   <p:cSld>
     <p:spTree>
@@ -8911,6 +8335,512 @@
 </p:sld>
 </file>
 
+<file path=ppt/slides/slide22.xml><?xml version="1.0" encoding="utf-8"?>
+<p:sld xmlns:a="http://schemas.openxmlformats.org/drawingml/2006/main" xmlns:r="http://schemas.openxmlformats.org/officeDocument/2006/relationships" xmlns:p="http://schemas.openxmlformats.org/presentationml/2006/main">
+  <p:cSld>
+    <p:spTree>
+      <p:nvGrpSpPr>
+        <p:cNvPr id="1" name=""/>
+        <p:cNvGrpSpPr/>
+        <p:nvPr/>
+      </p:nvGrpSpPr>
+      <p:grpSpPr>
+        <a:xfrm>
+          <a:off x="0" y="0"/>
+          <a:ext cx="0" cy="0"/>
+          <a:chOff x="0" y="0"/>
+          <a:chExt cx="0" cy="0"/>
+        </a:xfrm>
+      </p:grpSpPr>
+      <p:cxnSp>
+        <p:nvCxnSpPr>
+          <p:cNvPr id="14" name="직선 연결선 13"/>
+          <p:cNvCxnSpPr/>
+          <p:nvPr/>
+        </p:nvCxnSpPr>
+        <p:spPr>
+          <a:xfrm>
+            <a:off x="10430892" y="144941"/>
+            <a:ext cx="360000" cy="0"/>
+          </a:xfrm>
+          <a:prstGeom prst="line">
+            <a:avLst/>
+          </a:prstGeom>
+          <a:ln w="44450" cap="rnd">
+            <a:solidFill>
+              <a:srgbClr val="D0CECE"/>
+            </a:solidFill>
+          </a:ln>
+          <a:effectLst>
+            <a:outerShdw blurRad="50800" dist="38100" dir="5400000" algn="t" rotWithShape="0">
+              <a:prstClr val="black">
+                <a:alpha val="40000"/>
+              </a:prstClr>
+            </a:outerShdw>
+          </a:effectLst>
+        </p:spPr>
+        <p:style>
+          <a:lnRef idx="1">
+            <a:schemeClr val="accent1"/>
+          </a:lnRef>
+          <a:fillRef idx="0">
+            <a:schemeClr val="accent1"/>
+          </a:fillRef>
+          <a:effectRef idx="0">
+            <a:schemeClr val="accent1"/>
+          </a:effectRef>
+          <a:fontRef idx="minor">
+            <a:schemeClr val="tx1"/>
+          </a:fontRef>
+        </p:style>
+      </p:cxnSp>
+      <p:cxnSp>
+        <p:nvCxnSpPr>
+          <p:cNvPr id="15" name="직선 연결선 14"/>
+          <p:cNvCxnSpPr/>
+          <p:nvPr/>
+        </p:nvCxnSpPr>
+        <p:spPr>
+          <a:xfrm>
+            <a:off x="10858459" y="144941"/>
+            <a:ext cx="360000" cy="0"/>
+          </a:xfrm>
+          <a:prstGeom prst="line">
+            <a:avLst/>
+          </a:prstGeom>
+          <a:ln w="44450" cap="rnd">
+            <a:solidFill>
+              <a:schemeClr val="bg2">
+                <a:lumMod val="90000"/>
+              </a:schemeClr>
+            </a:solidFill>
+          </a:ln>
+          <a:effectLst>
+            <a:outerShdw blurRad="50800" dist="38100" dir="5400000" algn="t" rotWithShape="0">
+              <a:prstClr val="black">
+                <a:alpha val="40000"/>
+              </a:prstClr>
+            </a:outerShdw>
+          </a:effectLst>
+        </p:spPr>
+        <p:style>
+          <a:lnRef idx="1">
+            <a:schemeClr val="accent1"/>
+          </a:lnRef>
+          <a:fillRef idx="0">
+            <a:schemeClr val="accent1"/>
+          </a:fillRef>
+          <a:effectRef idx="0">
+            <a:schemeClr val="accent1"/>
+          </a:effectRef>
+          <a:fontRef idx="minor">
+            <a:schemeClr val="tx1"/>
+          </a:fontRef>
+        </p:style>
+      </p:cxnSp>
+      <p:cxnSp>
+        <p:nvCxnSpPr>
+          <p:cNvPr id="16" name="직선 연결선 15"/>
+          <p:cNvCxnSpPr/>
+          <p:nvPr/>
+        </p:nvCxnSpPr>
+        <p:spPr>
+          <a:xfrm>
+            <a:off x="11286026" y="144941"/>
+            <a:ext cx="360000" cy="0"/>
+          </a:xfrm>
+          <a:prstGeom prst="line">
+            <a:avLst/>
+          </a:prstGeom>
+          <a:ln w="44450" cap="rnd">
+            <a:solidFill>
+              <a:srgbClr val="8DBABD"/>
+            </a:solidFill>
+          </a:ln>
+          <a:effectLst>
+            <a:outerShdw blurRad="50800" dist="38100" dir="5400000" algn="t" rotWithShape="0">
+              <a:prstClr val="black">
+                <a:alpha val="40000"/>
+              </a:prstClr>
+            </a:outerShdw>
+          </a:effectLst>
+        </p:spPr>
+        <p:style>
+          <a:lnRef idx="1">
+            <a:schemeClr val="accent1"/>
+          </a:lnRef>
+          <a:fillRef idx="0">
+            <a:schemeClr val="accent1"/>
+          </a:fillRef>
+          <a:effectRef idx="0">
+            <a:schemeClr val="accent1"/>
+          </a:effectRef>
+          <a:fontRef idx="minor">
+            <a:schemeClr val="tx1"/>
+          </a:fontRef>
+        </p:style>
+      </p:cxnSp>
+      <p:cxnSp>
+        <p:nvCxnSpPr>
+          <p:cNvPr id="17" name="직선 연결선 16"/>
+          <p:cNvCxnSpPr/>
+          <p:nvPr/>
+        </p:nvCxnSpPr>
+        <p:spPr>
+          <a:xfrm>
+            <a:off x="11713592" y="144941"/>
+            <a:ext cx="360000" cy="0"/>
+          </a:xfrm>
+          <a:prstGeom prst="line">
+            <a:avLst/>
+          </a:prstGeom>
+          <a:ln w="44450" cap="rnd">
+            <a:solidFill>
+              <a:schemeClr val="bg2">
+                <a:lumMod val="90000"/>
+              </a:schemeClr>
+            </a:solidFill>
+          </a:ln>
+          <a:effectLst>
+            <a:outerShdw blurRad="50800" dist="38100" dir="5400000" algn="t" rotWithShape="0">
+              <a:prstClr val="black">
+                <a:alpha val="40000"/>
+              </a:prstClr>
+            </a:outerShdw>
+          </a:effectLst>
+        </p:spPr>
+        <p:style>
+          <a:lnRef idx="1">
+            <a:schemeClr val="accent1"/>
+          </a:lnRef>
+          <a:fillRef idx="0">
+            <a:schemeClr val="accent1"/>
+          </a:fillRef>
+          <a:effectRef idx="0">
+            <a:schemeClr val="accent1"/>
+          </a:effectRef>
+          <a:fontRef idx="minor">
+            <a:schemeClr val="tx1"/>
+          </a:fontRef>
+        </p:style>
+      </p:cxnSp>
+      <p:cxnSp>
+        <p:nvCxnSpPr>
+          <p:cNvPr id="18" name="직선 연결선 17"/>
+          <p:cNvCxnSpPr/>
+          <p:nvPr/>
+        </p:nvCxnSpPr>
+        <p:spPr>
+          <a:xfrm>
+            <a:off x="1026522" y="989148"/>
+            <a:ext cx="2160000" cy="0"/>
+          </a:xfrm>
+          <a:prstGeom prst="line">
+            <a:avLst/>
+          </a:prstGeom>
+          <a:ln>
+            <a:solidFill>
+              <a:schemeClr val="bg1">
+                <a:lumMod val="50000"/>
+              </a:schemeClr>
+            </a:solidFill>
+          </a:ln>
+        </p:spPr>
+        <p:style>
+          <a:lnRef idx="1">
+            <a:schemeClr val="accent1"/>
+          </a:lnRef>
+          <a:fillRef idx="0">
+            <a:schemeClr val="accent1"/>
+          </a:fillRef>
+          <a:effectRef idx="0">
+            <a:schemeClr val="accent1"/>
+          </a:effectRef>
+          <a:fontRef idx="minor">
+            <a:schemeClr val="tx1"/>
+          </a:fontRef>
+        </p:style>
+      </p:cxnSp>
+      <p:sp>
+        <p:nvSpPr>
+          <p:cNvPr id="19" name="TextBox 18"/>
+          <p:cNvSpPr txBox="1"/>
+          <p:nvPr/>
+        </p:nvSpPr>
+        <p:spPr>
+          <a:xfrm>
+            <a:off x="973840" y="437391"/>
+            <a:ext cx="2265364" cy="584775"/>
+          </a:xfrm>
+          <a:prstGeom prst="rect">
+            <a:avLst/>
+          </a:prstGeom>
+          <a:noFill/>
+        </p:spPr>
+        <p:txBody>
+          <a:bodyPr wrap="none" rtlCol="0">
+            <a:spAutoFit/>
+          </a:bodyPr>
+          <a:lstStyle/>
+          <a:p>
+            <a:pPr algn="ctr"/>
+            <a:r>
+              <a:rPr lang="ko-KR" altLang="en-US" sz="3200" spc="-150">
+                <a:solidFill>
+                  <a:srgbClr val="00002F"/>
+                </a:solidFill>
+                <a:latin typeface="+mn-ea"/>
+              </a:rPr>
+              <a:t>연관성 분석</a:t>
+            </a:r>
+            <a:endParaRPr lang="ko-KR" altLang="en-US" sz="3200" spc="-150" dirty="0">
+              <a:solidFill>
+                <a:srgbClr val="00002F"/>
+              </a:solidFill>
+              <a:latin typeface="+mn-ea"/>
+            </a:endParaRPr>
+          </a:p>
+        </p:txBody>
+      </p:sp>
+      <p:sp>
+        <p:nvSpPr>
+          <p:cNvPr id="20" name="TextBox 19"/>
+          <p:cNvSpPr txBox="1"/>
+          <p:nvPr/>
+        </p:nvSpPr>
+        <p:spPr>
+          <a:xfrm>
+            <a:off x="495607" y="498947"/>
+            <a:ext cx="534121" cy="461665"/>
+          </a:xfrm>
+          <a:prstGeom prst="rect">
+            <a:avLst/>
+          </a:prstGeom>
+          <a:noFill/>
+        </p:spPr>
+        <p:txBody>
+          <a:bodyPr wrap="none" rtlCol="0">
+            <a:spAutoFit/>
+          </a:bodyPr>
+          <a:lstStyle/>
+          <a:p>
+            <a:pPr algn="ctr"/>
+            <a:r>
+              <a:rPr lang="en-US" altLang="ko-KR" sz="2400" spc="-150" dirty="0">
+                <a:solidFill>
+                  <a:srgbClr val="00002F"/>
+                </a:solidFill>
+                <a:latin typeface="+mn-ea"/>
+              </a:rPr>
+              <a:t>03.</a:t>
+            </a:r>
+            <a:endParaRPr lang="ko-KR" altLang="en-US" sz="2400" spc="-150" dirty="0">
+              <a:solidFill>
+                <a:srgbClr val="00002F"/>
+              </a:solidFill>
+              <a:latin typeface="+mn-ea"/>
+            </a:endParaRPr>
+          </a:p>
+        </p:txBody>
+      </p:sp>
+      <p:sp>
+        <p:nvSpPr>
+          <p:cNvPr id="21" name="TextBox 20"/>
+          <p:cNvSpPr txBox="1"/>
+          <p:nvPr/>
+        </p:nvSpPr>
+        <p:spPr>
+          <a:xfrm>
+            <a:off x="973840" y="1017685"/>
+            <a:ext cx="4806124" cy="369332"/>
+          </a:xfrm>
+          <a:prstGeom prst="rect">
+            <a:avLst/>
+          </a:prstGeom>
+          <a:noFill/>
+        </p:spPr>
+        <p:txBody>
+          <a:bodyPr wrap="none" rtlCol="0">
+            <a:spAutoFit/>
+          </a:bodyPr>
+          <a:lstStyle/>
+          <a:p>
+            <a:pPr algn="ctr"/>
+            <a:r>
+              <a:rPr lang="ko-KR" altLang="en-US" spc="-150" dirty="0" err="1">
+                <a:solidFill>
+                  <a:srgbClr val="00002F"/>
+                </a:solidFill>
+                <a:latin typeface="+mn-ea"/>
+              </a:rPr>
+              <a:t>대륙별</a:t>
+            </a:r>
+            <a:r>
+              <a:rPr lang="ko-KR" altLang="en-US" spc="-150" dirty="0">
+                <a:solidFill>
+                  <a:srgbClr val="00002F"/>
+                </a:solidFill>
+                <a:latin typeface="+mn-ea"/>
+              </a:rPr>
+              <a:t> 상위 </a:t>
+            </a:r>
+            <a:r>
+              <a:rPr lang="en-US" altLang="ko-KR" spc="-150" dirty="0">
+                <a:solidFill>
+                  <a:srgbClr val="00002F"/>
+                </a:solidFill>
+                <a:latin typeface="+mn-ea"/>
+              </a:rPr>
+              <a:t>5</a:t>
+            </a:r>
+            <a:r>
+              <a:rPr lang="ko-KR" altLang="en-US" spc="-150" dirty="0">
+                <a:solidFill>
+                  <a:srgbClr val="00002F"/>
+                </a:solidFill>
+                <a:latin typeface="+mn-ea"/>
+              </a:rPr>
+              <a:t>개 집단 분석</a:t>
+            </a:r>
+            <a:r>
+              <a:rPr lang="en-US" altLang="ko-KR" spc="-150" dirty="0">
+                <a:solidFill>
+                  <a:srgbClr val="00002F"/>
+                </a:solidFill>
+                <a:latin typeface="+mn-ea"/>
+              </a:rPr>
+              <a:t>(2001~2005 / </a:t>
+            </a:r>
+            <a:r>
+              <a:rPr lang="ko-KR" altLang="en-US" spc="-150" dirty="0">
+                <a:solidFill>
+                  <a:srgbClr val="00002F"/>
+                </a:solidFill>
+                <a:latin typeface="+mn-ea"/>
+              </a:rPr>
+              <a:t>아프리카</a:t>
+            </a:r>
+            <a:r>
+              <a:rPr lang="en-US" altLang="ko-KR" spc="-150" dirty="0">
+                <a:solidFill>
+                  <a:srgbClr val="00002F"/>
+                </a:solidFill>
+                <a:latin typeface="+mn-ea"/>
+              </a:rPr>
+              <a:t>)</a:t>
+            </a:r>
+            <a:endParaRPr lang="ko-KR" altLang="en-US" spc="-150" dirty="0">
+              <a:solidFill>
+                <a:srgbClr val="00002F"/>
+              </a:solidFill>
+              <a:latin typeface="+mn-ea"/>
+            </a:endParaRPr>
+          </a:p>
+        </p:txBody>
+      </p:sp>
+      <p:pic>
+        <p:nvPicPr>
+          <p:cNvPr id="2" name="그림 1">
+            <a:extLst>
+              <a:ext uri="{FF2B5EF4-FFF2-40B4-BE49-F238E27FC236}">
+                <a16:creationId xmlns:a16="http://schemas.microsoft.com/office/drawing/2014/main" id="{6AD34755-C6BC-4875-8050-BC2FC898DA2A}"/>
+              </a:ext>
+            </a:extLst>
+          </p:cNvPr>
+          <p:cNvPicPr>
+            <a:picLocks noChangeAspect="1"/>
+          </p:cNvPicPr>
+          <p:nvPr/>
+        </p:nvPicPr>
+        <p:blipFill>
+          <a:blip r:embed="rId2"/>
+          <a:stretch>
+            <a:fillRect/>
+          </a:stretch>
+        </p:blipFill>
+        <p:spPr>
+          <a:xfrm>
+            <a:off x="746798" y="1444090"/>
+            <a:ext cx="4984811" cy="4850715"/>
+          </a:xfrm>
+          <a:prstGeom prst="rect">
+            <a:avLst/>
+          </a:prstGeom>
+        </p:spPr>
+      </p:pic>
+      <p:pic>
+        <p:nvPicPr>
+          <p:cNvPr id="3" name="그림 2">
+            <a:extLst>
+              <a:ext uri="{FF2B5EF4-FFF2-40B4-BE49-F238E27FC236}">
+                <a16:creationId xmlns:a16="http://schemas.microsoft.com/office/drawing/2014/main" id="{0D697D72-C261-413C-B4E4-DC3ED0AC026A}"/>
+              </a:ext>
+            </a:extLst>
+          </p:cNvPr>
+          <p:cNvPicPr>
+            <a:picLocks noChangeAspect="1"/>
+          </p:cNvPicPr>
+          <p:nvPr/>
+        </p:nvPicPr>
+        <p:blipFill>
+          <a:blip r:embed="rId3"/>
+          <a:stretch>
+            <a:fillRect/>
+          </a:stretch>
+        </p:blipFill>
+        <p:spPr>
+          <a:xfrm>
+            <a:off x="6232228" y="1868407"/>
+            <a:ext cx="5568197" cy="1560593"/>
+          </a:xfrm>
+          <a:prstGeom prst="rect">
+            <a:avLst/>
+          </a:prstGeom>
+        </p:spPr>
+      </p:pic>
+      <p:pic>
+        <p:nvPicPr>
+          <p:cNvPr id="4" name="그림 3">
+            <a:extLst>
+              <a:ext uri="{FF2B5EF4-FFF2-40B4-BE49-F238E27FC236}">
+                <a16:creationId xmlns:a16="http://schemas.microsoft.com/office/drawing/2014/main" id="{6BE09543-FE53-4076-A932-CF73AFBFD59B}"/>
+              </a:ext>
+            </a:extLst>
+          </p:cNvPr>
+          <p:cNvPicPr>
+            <a:picLocks noChangeAspect="1"/>
+          </p:cNvPicPr>
+          <p:nvPr/>
+        </p:nvPicPr>
+        <p:blipFill>
+          <a:blip r:embed="rId4"/>
+          <a:stretch>
+            <a:fillRect/>
+          </a:stretch>
+        </p:blipFill>
+        <p:spPr>
+          <a:xfrm>
+            <a:off x="6204033" y="3795080"/>
+            <a:ext cx="5441993" cy="1357385"/>
+          </a:xfrm>
+          <a:prstGeom prst="rect">
+            <a:avLst/>
+          </a:prstGeom>
+        </p:spPr>
+      </p:pic>
+    </p:spTree>
+    <p:extLst>
+      <p:ext uri="{BB962C8B-B14F-4D97-AF65-F5344CB8AC3E}">
+        <p14:creationId xmlns:p14="http://schemas.microsoft.com/office/powerpoint/2010/main" val="1475134039"/>
+      </p:ext>
+    </p:extLst>
+  </p:cSld>
+  <p:clrMapOvr>
+    <a:masterClrMapping/>
+  </p:clrMapOvr>
+</p:sld>
+</file>
+
 <file path=ppt/slides/slide23.xml><?xml version="1.0" encoding="utf-8"?>
 <p:sld xmlns:a="http://schemas.openxmlformats.org/drawingml/2006/main" xmlns:r="http://schemas.openxmlformats.org/officeDocument/2006/relationships" xmlns:p="http://schemas.openxmlformats.org/presentationml/2006/main">
   <p:cSld>
@@ -9221,14 +9151,20 @@
       </p:sp>
       <p:sp>
         <p:nvSpPr>
-          <p:cNvPr id="21" name="TextBox 20"/>
+          <p:cNvPr id="13" name="TextBox 12">
+            <a:extLst>
+              <a:ext uri="{FF2B5EF4-FFF2-40B4-BE49-F238E27FC236}">
+                <a16:creationId xmlns:a16="http://schemas.microsoft.com/office/drawing/2014/main" id="{C28DED71-4508-433D-AACB-C2323092EA00}"/>
+              </a:ext>
+            </a:extLst>
+          </p:cNvPr>
           <p:cNvSpPr txBox="1"/>
           <p:nvPr/>
         </p:nvSpPr>
         <p:spPr>
           <a:xfrm>
             <a:off x="973840" y="1017685"/>
-            <a:ext cx="4806124" cy="369332"/>
+            <a:ext cx="4532011" cy="369332"/>
           </a:xfrm>
           <a:prstGeom prst="rect">
             <a:avLst/>
@@ -9285,7 +9221,7 @@
                 </a:solidFill>
                 <a:latin typeface="+mn-ea"/>
               </a:rPr>
-              <a:t>(2001~2005 / </a:t>
+              <a:t>(2001~2005 /</a:t>
             </a:r>
             <a:r>
               <a:rPr lang="ko-KR" altLang="en-US" spc="-150" dirty="0">
@@ -9294,7 +9230,7 @@
                 </a:solidFill>
                 <a:latin typeface="+mn-ea"/>
               </a:rPr>
-              <a:t>아프리카</a:t>
+              <a:t>나머지</a:t>
             </a:r>
             <a:r>
               <a:rPr lang="en-US" altLang="ko-KR" spc="-150" dirty="0">
@@ -9316,10 +9252,10 @@
       </p:sp>
       <p:pic>
         <p:nvPicPr>
-          <p:cNvPr id="2" name="그림 1">
+          <p:cNvPr id="5" name="그림 4">
             <a:extLst>
               <a:ext uri="{FF2B5EF4-FFF2-40B4-BE49-F238E27FC236}">
-                <a16:creationId xmlns:a16="http://schemas.microsoft.com/office/drawing/2014/main" id="{6AD34755-C6BC-4875-8050-BC2FC898DA2A}"/>
+                <a16:creationId xmlns:a16="http://schemas.microsoft.com/office/drawing/2014/main" id="{6CAD96B2-E274-4F14-8246-AB8DC8BCB128}"/>
               </a:ext>
             </a:extLst>
           </p:cNvPr>
@@ -9336,20 +9272,92 @@
         </p:blipFill>
         <p:spPr>
           <a:xfrm>
-            <a:off x="746798" y="1444090"/>
-            <a:ext cx="4984811" cy="4850715"/>
+            <a:off x="1510175" y="1885337"/>
+            <a:ext cx="3458058" cy="1190791"/>
           </a:xfrm>
           <a:prstGeom prst="rect">
             <a:avLst/>
           </a:prstGeom>
         </p:spPr>
       </p:pic>
+      <p:sp>
+        <p:nvSpPr>
+          <p:cNvPr id="6" name="TextBox 5">
+            <a:extLst>
+              <a:ext uri="{FF2B5EF4-FFF2-40B4-BE49-F238E27FC236}">
+                <a16:creationId xmlns:a16="http://schemas.microsoft.com/office/drawing/2014/main" id="{01C3D8D6-8BE7-478F-AAE2-518A5D00E1A5}"/>
+              </a:ext>
+            </a:extLst>
+          </p:cNvPr>
+          <p:cNvSpPr txBox="1"/>
+          <p:nvPr/>
+        </p:nvSpPr>
+        <p:spPr>
+          <a:xfrm>
+            <a:off x="382684" y="2296066"/>
+            <a:ext cx="912366" cy="369332"/>
+          </a:xfrm>
+          <a:prstGeom prst="rect">
+            <a:avLst/>
+          </a:prstGeom>
+          <a:noFill/>
+        </p:spPr>
+        <p:txBody>
+          <a:bodyPr wrap="none" rtlCol="0">
+            <a:spAutoFit/>
+          </a:bodyPr>
+          <a:lstStyle/>
+          <a:p>
+            <a:r>
+              <a:rPr lang="en-US" altLang="ko-KR" dirty="0"/>
+              <a:t>degree</a:t>
+            </a:r>
+            <a:endParaRPr lang="ko-KR" altLang="en-US" dirty="0"/>
+          </a:p>
+        </p:txBody>
+      </p:sp>
+      <p:sp>
+        <p:nvSpPr>
+          <p:cNvPr id="22" name="TextBox 21">
+            <a:extLst>
+              <a:ext uri="{FF2B5EF4-FFF2-40B4-BE49-F238E27FC236}">
+                <a16:creationId xmlns:a16="http://schemas.microsoft.com/office/drawing/2014/main" id="{558A1490-49C0-4D2A-9950-E3205C3DDB9A}"/>
+              </a:ext>
+            </a:extLst>
+          </p:cNvPr>
+          <p:cNvSpPr txBox="1"/>
+          <p:nvPr/>
+        </p:nvSpPr>
+        <p:spPr>
+          <a:xfrm>
+            <a:off x="284869" y="4522799"/>
+            <a:ext cx="1107996" cy="369332"/>
+          </a:xfrm>
+          <a:prstGeom prst="rect">
+            <a:avLst/>
+          </a:prstGeom>
+          <a:noFill/>
+        </p:spPr>
+        <p:txBody>
+          <a:bodyPr wrap="none" rtlCol="0">
+            <a:spAutoFit/>
+          </a:bodyPr>
+          <a:lstStyle/>
+          <a:p>
+            <a:r>
+              <a:rPr lang="ko-KR" altLang="en-US"/>
+              <a:t>고유벡터</a:t>
+            </a:r>
+            <a:endParaRPr lang="ko-KR" altLang="en-US" dirty="0"/>
+          </a:p>
+        </p:txBody>
+      </p:sp>
       <p:pic>
         <p:nvPicPr>
-          <p:cNvPr id="3" name="그림 2">
+          <p:cNvPr id="7" name="그림 6">
             <a:extLst>
               <a:ext uri="{FF2B5EF4-FFF2-40B4-BE49-F238E27FC236}">
-                <a16:creationId xmlns:a16="http://schemas.microsoft.com/office/drawing/2014/main" id="{0D697D72-C261-413C-B4E4-DC3ED0AC026A}"/>
+                <a16:creationId xmlns:a16="http://schemas.microsoft.com/office/drawing/2014/main" id="{396C23C2-FF4A-4B82-865E-87817942B021}"/>
               </a:ext>
             </a:extLst>
           </p:cNvPr>
@@ -9366,20 +9374,56 @@
         </p:blipFill>
         <p:spPr>
           <a:xfrm>
-            <a:off x="6232228" y="1868407"/>
-            <a:ext cx="5568197" cy="1560593"/>
+            <a:off x="1510175" y="4010471"/>
+            <a:ext cx="3781953" cy="1190791"/>
           </a:xfrm>
           <a:prstGeom prst="rect">
             <a:avLst/>
           </a:prstGeom>
         </p:spPr>
       </p:pic>
+      <p:sp>
+        <p:nvSpPr>
+          <p:cNvPr id="23" name="TextBox 22">
+            <a:extLst>
+              <a:ext uri="{FF2B5EF4-FFF2-40B4-BE49-F238E27FC236}">
+                <a16:creationId xmlns:a16="http://schemas.microsoft.com/office/drawing/2014/main" id="{896BD98F-5956-4E3A-BC2E-5178FEA1E37A}"/>
+              </a:ext>
+            </a:extLst>
+          </p:cNvPr>
+          <p:cNvSpPr txBox="1"/>
+          <p:nvPr/>
+        </p:nvSpPr>
+        <p:spPr>
+          <a:xfrm>
+            <a:off x="2632524" y="5840315"/>
+            <a:ext cx="580608" cy="369332"/>
+          </a:xfrm>
+          <a:prstGeom prst="rect">
+            <a:avLst/>
+          </a:prstGeom>
+          <a:noFill/>
+        </p:spPr>
+        <p:txBody>
+          <a:bodyPr wrap="none" rtlCol="0">
+            <a:spAutoFit/>
+          </a:bodyPr>
+          <a:lstStyle/>
+          <a:p>
+            <a:r>
+              <a:rPr lang="en-US" altLang="ko-KR" dirty="0" err="1"/>
+              <a:t>asia</a:t>
+            </a:r>
+            <a:endParaRPr lang="ko-KR" altLang="en-US" dirty="0"/>
+          </a:p>
+        </p:txBody>
+      </p:sp>
       <p:pic>
         <p:nvPicPr>
-          <p:cNvPr id="4" name="그림 3">
+          <p:cNvPr id="8" name="그림 7">
             <a:extLst>
               <a:ext uri="{FF2B5EF4-FFF2-40B4-BE49-F238E27FC236}">
-                <a16:creationId xmlns:a16="http://schemas.microsoft.com/office/drawing/2014/main" id="{6BE09543-FE53-4076-A932-CF73AFBFD59B}"/>
+                <a16:creationId xmlns:a16="http://schemas.microsoft.com/office/drawing/2014/main" id="{D0CDEDB5-F29A-43DE-89D7-13EDF1A9EB01}"/>
               </a:ext>
             </a:extLst>
           </p:cNvPr>
@@ -9396,18 +9440,84 @@
         </p:blipFill>
         <p:spPr>
           <a:xfrm>
-            <a:off x="6204033" y="3795080"/>
-            <a:ext cx="5441993" cy="1357385"/>
+            <a:off x="6482556" y="4010470"/>
+            <a:ext cx="4502251" cy="1190772"/>
           </a:xfrm>
           <a:prstGeom prst="rect">
             <a:avLst/>
           </a:prstGeom>
         </p:spPr>
       </p:pic>
+      <p:pic>
+        <p:nvPicPr>
+          <p:cNvPr id="9" name="그림 8">
+            <a:extLst>
+              <a:ext uri="{FF2B5EF4-FFF2-40B4-BE49-F238E27FC236}">
+                <a16:creationId xmlns:a16="http://schemas.microsoft.com/office/drawing/2014/main" id="{62BF878B-827E-4E0E-A0D9-4401E0D66B73}"/>
+              </a:ext>
+            </a:extLst>
+          </p:cNvPr>
+          <p:cNvPicPr>
+            <a:picLocks noChangeAspect="1"/>
+          </p:cNvPicPr>
+          <p:nvPr/>
+        </p:nvPicPr>
+        <p:blipFill>
+          <a:blip r:embed="rId5"/>
+          <a:stretch>
+            <a:fillRect/>
+          </a:stretch>
+        </p:blipFill>
+        <p:spPr>
+          <a:xfrm>
+            <a:off x="6434326" y="1885336"/>
+            <a:ext cx="4463192" cy="1750755"/>
+          </a:xfrm>
+          <a:prstGeom prst="rect">
+            <a:avLst/>
+          </a:prstGeom>
+        </p:spPr>
+      </p:pic>
+      <p:sp>
+        <p:nvSpPr>
+          <p:cNvPr id="24" name="TextBox 23">
+            <a:extLst>
+              <a:ext uri="{FF2B5EF4-FFF2-40B4-BE49-F238E27FC236}">
+                <a16:creationId xmlns:a16="http://schemas.microsoft.com/office/drawing/2014/main" id="{4E671B5B-47CC-43D8-BEFB-3D48FCBEA96F}"/>
+              </a:ext>
+            </a:extLst>
+          </p:cNvPr>
+          <p:cNvSpPr txBox="1"/>
+          <p:nvPr/>
+        </p:nvSpPr>
+        <p:spPr>
+          <a:xfrm>
+            <a:off x="8443377" y="5840315"/>
+            <a:ext cx="918778" cy="369332"/>
+          </a:xfrm>
+          <a:prstGeom prst="rect">
+            <a:avLst/>
+          </a:prstGeom>
+          <a:noFill/>
+        </p:spPr>
+        <p:txBody>
+          <a:bodyPr wrap="none" rtlCol="0">
+            <a:spAutoFit/>
+          </a:bodyPr>
+          <a:lstStyle/>
+          <a:p>
+            <a:r>
+              <a:rPr lang="en-US" altLang="ko-KR" dirty="0" err="1"/>
+              <a:t>europe</a:t>
+            </a:r>
+            <a:endParaRPr lang="ko-KR" altLang="en-US" dirty="0"/>
+          </a:p>
+        </p:txBody>
+      </p:sp>
     </p:spTree>
     <p:extLst>
       <p:ext uri="{BB962C8B-B14F-4D97-AF65-F5344CB8AC3E}">
-        <p14:creationId xmlns:p14="http://schemas.microsoft.com/office/powerpoint/2010/main" val="1475134039"/>
+        <p14:creationId xmlns:p14="http://schemas.microsoft.com/office/powerpoint/2010/main" val="1017201344"/>
       </p:ext>
     </p:extLst>
   </p:cSld>
@@ -9739,8 +9849,8 @@
         </p:nvSpPr>
         <p:spPr>
           <a:xfrm>
-            <a:off x="973840" y="1017685"/>
-            <a:ext cx="4532011" cy="369332"/>
+            <a:off x="973840" y="1011813"/>
+            <a:ext cx="3762568" cy="369332"/>
           </a:xfrm>
           <a:prstGeom prst="rect">
             <a:avLst/>
@@ -9797,25 +9907,7 @@
                 </a:solidFill>
                 <a:latin typeface="+mn-ea"/>
               </a:rPr>
-              <a:t>(2001~2005 /</a:t>
-            </a:r>
-            <a:r>
-              <a:rPr lang="ko-KR" altLang="en-US" spc="-150" dirty="0">
-                <a:solidFill>
-                  <a:srgbClr val="00002F"/>
-                </a:solidFill>
-                <a:latin typeface="+mn-ea"/>
-              </a:rPr>
-              <a:t>나머지</a:t>
-            </a:r>
-            <a:r>
-              <a:rPr lang="en-US" altLang="ko-KR" spc="-150" dirty="0">
-                <a:solidFill>
-                  <a:srgbClr val="00002F"/>
-                </a:solidFill>
-                <a:latin typeface="+mn-ea"/>
-              </a:rPr>
-              <a:t>)</a:t>
+              <a:t>(2006~2010)</a:t>
             </a:r>
             <a:endParaRPr lang="ko-KR" altLang="en-US" spc="-150" dirty="0">
               <a:solidFill>
@@ -9826,36 +9918,6 @@
           </a:p>
         </p:txBody>
       </p:sp>
-      <p:pic>
-        <p:nvPicPr>
-          <p:cNvPr id="5" name="그림 4">
-            <a:extLst>
-              <a:ext uri="{FF2B5EF4-FFF2-40B4-BE49-F238E27FC236}">
-                <a16:creationId xmlns:a16="http://schemas.microsoft.com/office/drawing/2014/main" id="{6CAD96B2-E274-4F14-8246-AB8DC8BCB128}"/>
-              </a:ext>
-            </a:extLst>
-          </p:cNvPr>
-          <p:cNvPicPr>
-            <a:picLocks noChangeAspect="1"/>
-          </p:cNvPicPr>
-          <p:nvPr/>
-        </p:nvPicPr>
-        <p:blipFill>
-          <a:blip r:embed="rId2"/>
-          <a:stretch>
-            <a:fillRect/>
-          </a:stretch>
-        </p:blipFill>
-        <p:spPr>
-          <a:xfrm>
-            <a:off x="1510175" y="1885337"/>
-            <a:ext cx="3458058" cy="1190791"/>
-          </a:xfrm>
-          <a:prstGeom prst="rect">
-            <a:avLst/>
-          </a:prstGeom>
-        </p:spPr>
-      </p:pic>
       <p:sp>
         <p:nvSpPr>
           <p:cNvPr id="6" name="TextBox 5">
@@ -9870,7 +9932,7 @@
         </p:nvSpPr>
         <p:spPr>
           <a:xfrm>
-            <a:off x="382684" y="2296066"/>
+            <a:off x="114156" y="2249261"/>
             <a:ext cx="912366" cy="369332"/>
           </a:xfrm>
           <a:prstGeom prst="rect">
@@ -9906,7 +9968,7 @@
         </p:nvSpPr>
         <p:spPr>
           <a:xfrm>
-            <a:off x="284869" y="4522799"/>
+            <a:off x="114156" y="4497399"/>
             <a:ext cx="1107996" cy="369332"/>
           </a:xfrm>
           <a:prstGeom prst="rect">
@@ -9928,36 +9990,6 @@
           </a:p>
         </p:txBody>
       </p:sp>
-      <p:pic>
-        <p:nvPicPr>
-          <p:cNvPr id="7" name="그림 6">
-            <a:extLst>
-              <a:ext uri="{FF2B5EF4-FFF2-40B4-BE49-F238E27FC236}">
-                <a16:creationId xmlns:a16="http://schemas.microsoft.com/office/drawing/2014/main" id="{396C23C2-FF4A-4B82-865E-87817942B021}"/>
-              </a:ext>
-            </a:extLst>
-          </p:cNvPr>
-          <p:cNvPicPr>
-            <a:picLocks noChangeAspect="1"/>
-          </p:cNvPicPr>
-          <p:nvPr/>
-        </p:nvPicPr>
-        <p:blipFill>
-          <a:blip r:embed="rId3"/>
-          <a:stretch>
-            <a:fillRect/>
-          </a:stretch>
-        </p:blipFill>
-        <p:spPr>
-          <a:xfrm>
-            <a:off x="1510175" y="4010471"/>
-            <a:ext cx="3781953" cy="1190791"/>
-          </a:xfrm>
-          <a:prstGeom prst="rect">
-            <a:avLst/>
-          </a:prstGeom>
-        </p:spPr>
-      </p:pic>
       <p:sp>
         <p:nvSpPr>
           <p:cNvPr id="23" name="TextBox 22">
@@ -9972,7 +10004,7 @@
         </p:nvSpPr>
         <p:spPr>
           <a:xfrm>
-            <a:off x="2632524" y="5840315"/>
+            <a:off x="5805696" y="5771906"/>
             <a:ext cx="580608" cy="369332"/>
           </a:xfrm>
           <a:prstGeom prst="rect">
@@ -9994,66 +10026,6 @@
           </a:p>
         </p:txBody>
       </p:sp>
-      <p:pic>
-        <p:nvPicPr>
-          <p:cNvPr id="8" name="그림 7">
-            <a:extLst>
-              <a:ext uri="{FF2B5EF4-FFF2-40B4-BE49-F238E27FC236}">
-                <a16:creationId xmlns:a16="http://schemas.microsoft.com/office/drawing/2014/main" id="{D0CDEDB5-F29A-43DE-89D7-13EDF1A9EB01}"/>
-              </a:ext>
-            </a:extLst>
-          </p:cNvPr>
-          <p:cNvPicPr>
-            <a:picLocks noChangeAspect="1"/>
-          </p:cNvPicPr>
-          <p:nvPr/>
-        </p:nvPicPr>
-        <p:blipFill>
-          <a:blip r:embed="rId4"/>
-          <a:stretch>
-            <a:fillRect/>
-          </a:stretch>
-        </p:blipFill>
-        <p:spPr>
-          <a:xfrm>
-            <a:off x="6482556" y="4010470"/>
-            <a:ext cx="4502251" cy="1190772"/>
-          </a:xfrm>
-          <a:prstGeom prst="rect">
-            <a:avLst/>
-          </a:prstGeom>
-        </p:spPr>
-      </p:pic>
-      <p:pic>
-        <p:nvPicPr>
-          <p:cNvPr id="9" name="그림 8">
-            <a:extLst>
-              <a:ext uri="{FF2B5EF4-FFF2-40B4-BE49-F238E27FC236}">
-                <a16:creationId xmlns:a16="http://schemas.microsoft.com/office/drawing/2014/main" id="{62BF878B-827E-4E0E-A0D9-4401E0D66B73}"/>
-              </a:ext>
-            </a:extLst>
-          </p:cNvPr>
-          <p:cNvPicPr>
-            <a:picLocks noChangeAspect="1"/>
-          </p:cNvPicPr>
-          <p:nvPr/>
-        </p:nvPicPr>
-        <p:blipFill>
-          <a:blip r:embed="rId5"/>
-          <a:stretch>
-            <a:fillRect/>
-          </a:stretch>
-        </p:blipFill>
-        <p:spPr>
-          <a:xfrm>
-            <a:off x="6434326" y="1885336"/>
-            <a:ext cx="4463192" cy="1750755"/>
-          </a:xfrm>
-          <a:prstGeom prst="rect">
-            <a:avLst/>
-          </a:prstGeom>
-        </p:spPr>
-      </p:pic>
       <p:sp>
         <p:nvSpPr>
           <p:cNvPr id="24" name="TextBox 23">
@@ -10068,7 +10040,7 @@
         </p:nvSpPr>
         <p:spPr>
           <a:xfrm>
-            <a:off x="8443377" y="5840315"/>
+            <a:off x="9577911" y="5768853"/>
             <a:ext cx="918778" cy="369332"/>
           </a:xfrm>
           <a:prstGeom prst="rect">
@@ -10090,10 +10062,240 @@
           </a:p>
         </p:txBody>
       </p:sp>
+      <p:sp>
+        <p:nvSpPr>
+          <p:cNvPr id="21" name="TextBox 20">
+            <a:extLst>
+              <a:ext uri="{FF2B5EF4-FFF2-40B4-BE49-F238E27FC236}">
+                <a16:creationId xmlns:a16="http://schemas.microsoft.com/office/drawing/2014/main" id="{BD3C0F19-6B5E-4828-A6EA-D3D285D1A9FF}"/>
+              </a:ext>
+            </a:extLst>
+          </p:cNvPr>
+          <p:cNvSpPr txBox="1"/>
+          <p:nvPr/>
+        </p:nvSpPr>
+        <p:spPr>
+          <a:xfrm>
+            <a:off x="2440805" y="5768853"/>
+            <a:ext cx="745717" cy="369332"/>
+          </a:xfrm>
+          <a:prstGeom prst="rect">
+            <a:avLst/>
+          </a:prstGeom>
+          <a:noFill/>
+        </p:spPr>
+        <p:txBody>
+          <a:bodyPr wrap="none" rtlCol="0">
+            <a:spAutoFit/>
+          </a:bodyPr>
+          <a:lstStyle/>
+          <a:p>
+            <a:r>
+              <a:rPr lang="en-US" altLang="ko-KR" dirty="0" err="1"/>
+              <a:t>africa</a:t>
+            </a:r>
+            <a:endParaRPr lang="ko-KR" altLang="en-US" dirty="0"/>
+          </a:p>
+        </p:txBody>
+      </p:sp>
+      <p:sp>
+        <p:nvSpPr>
+          <p:cNvPr id="2" name="직사각형 1">
+            <a:extLst>
+              <a:ext uri="{FF2B5EF4-FFF2-40B4-BE49-F238E27FC236}">
+                <a16:creationId xmlns:a16="http://schemas.microsoft.com/office/drawing/2014/main" id="{C7F2440A-3A3F-4F63-993A-FE90C0CF9596}"/>
+              </a:ext>
+            </a:extLst>
+          </p:cNvPr>
+          <p:cNvSpPr/>
+          <p:nvPr/>
+        </p:nvSpPr>
+        <p:spPr>
+          <a:xfrm>
+            <a:off x="1701800" y="2249261"/>
+            <a:ext cx="2099733" cy="3237139"/>
+          </a:xfrm>
+          <a:prstGeom prst="rect">
+            <a:avLst/>
+          </a:prstGeom>
+          <a:solidFill>
+            <a:schemeClr val="tx1"/>
+          </a:solidFill>
+          <a:ln>
+            <a:noFill/>
+          </a:ln>
+        </p:spPr>
+        <p:style>
+          <a:lnRef idx="2">
+            <a:schemeClr val="accent1">
+              <a:shade val="50000"/>
+            </a:schemeClr>
+          </a:lnRef>
+          <a:fillRef idx="1">
+            <a:schemeClr val="accent1"/>
+          </a:fillRef>
+          <a:effectRef idx="0">
+            <a:schemeClr val="accent1"/>
+          </a:effectRef>
+          <a:fontRef idx="minor">
+            <a:schemeClr val="lt1"/>
+          </a:fontRef>
+        </p:style>
+        <p:txBody>
+          <a:bodyPr rtlCol="0" anchor="ctr"/>
+          <a:lstStyle/>
+          <a:p>
+            <a:pPr algn="ctr"/>
+            <a:r>
+              <a:rPr lang="ko-KR" altLang="en-US" dirty="0">
+                <a:solidFill>
+                  <a:schemeClr val="bg1"/>
+                </a:solidFill>
+              </a:rPr>
+              <a:t>유의미한 결과</a:t>
+            </a:r>
+            <a:br>
+              <a:rPr lang="en-US" altLang="ko-KR" dirty="0">
+                <a:solidFill>
+                  <a:schemeClr val="bg1"/>
+                </a:solidFill>
+              </a:rPr>
+            </a:br>
+            <a:r>
+              <a:rPr lang="ko-KR" altLang="en-US" dirty="0">
+                <a:solidFill>
+                  <a:schemeClr val="bg1"/>
+                </a:solidFill>
+              </a:rPr>
+              <a:t>없음</a:t>
+            </a:r>
+          </a:p>
+        </p:txBody>
+      </p:sp>
+      <p:pic>
+        <p:nvPicPr>
+          <p:cNvPr id="3" name="그림 2">
+            <a:extLst>
+              <a:ext uri="{FF2B5EF4-FFF2-40B4-BE49-F238E27FC236}">
+                <a16:creationId xmlns:a16="http://schemas.microsoft.com/office/drawing/2014/main" id="{4C00D946-7CB2-4CC0-B9C2-327498054D18}"/>
+              </a:ext>
+            </a:extLst>
+          </p:cNvPr>
+          <p:cNvPicPr>
+            <a:picLocks noChangeAspect="1"/>
+          </p:cNvPicPr>
+          <p:nvPr/>
+        </p:nvPicPr>
+        <p:blipFill>
+          <a:blip r:embed="rId2"/>
+          <a:stretch>
+            <a:fillRect/>
+          </a:stretch>
+        </p:blipFill>
+        <p:spPr>
+          <a:xfrm>
+            <a:off x="4343154" y="1551644"/>
+            <a:ext cx="3505689" cy="1758823"/>
+          </a:xfrm>
+          <a:prstGeom prst="rect">
+            <a:avLst/>
+          </a:prstGeom>
+        </p:spPr>
+      </p:pic>
+      <p:pic>
+        <p:nvPicPr>
+          <p:cNvPr id="4" name="그림 3">
+            <a:extLst>
+              <a:ext uri="{FF2B5EF4-FFF2-40B4-BE49-F238E27FC236}">
+                <a16:creationId xmlns:a16="http://schemas.microsoft.com/office/drawing/2014/main" id="{36E49628-FE31-41F7-852B-3F0D78BD38AE}"/>
+              </a:ext>
+            </a:extLst>
+          </p:cNvPr>
+          <p:cNvPicPr>
+            <a:picLocks noChangeAspect="1"/>
+          </p:cNvPicPr>
+          <p:nvPr/>
+        </p:nvPicPr>
+        <p:blipFill>
+          <a:blip r:embed="rId3"/>
+          <a:stretch>
+            <a:fillRect/>
+          </a:stretch>
+        </p:blipFill>
+        <p:spPr>
+          <a:xfrm>
+            <a:off x="4343154" y="3464330"/>
+            <a:ext cx="3505689" cy="1842026"/>
+          </a:xfrm>
+          <a:prstGeom prst="rect">
+            <a:avLst/>
+          </a:prstGeom>
+        </p:spPr>
+      </p:pic>
+      <p:pic>
+        <p:nvPicPr>
+          <p:cNvPr id="10" name="그림 9">
+            <a:extLst>
+              <a:ext uri="{FF2B5EF4-FFF2-40B4-BE49-F238E27FC236}">
+                <a16:creationId xmlns:a16="http://schemas.microsoft.com/office/drawing/2014/main" id="{5F2896CC-5341-48F2-8E2D-37F94A51F42B}"/>
+              </a:ext>
+            </a:extLst>
+          </p:cNvPr>
+          <p:cNvPicPr>
+            <a:picLocks noChangeAspect="1"/>
+          </p:cNvPicPr>
+          <p:nvPr/>
+        </p:nvPicPr>
+        <p:blipFill>
+          <a:blip r:embed="rId4"/>
+          <a:stretch>
+            <a:fillRect/>
+          </a:stretch>
+        </p:blipFill>
+        <p:spPr>
+          <a:xfrm>
+            <a:off x="8027193" y="3537499"/>
+            <a:ext cx="3791479" cy="1695687"/>
+          </a:xfrm>
+          <a:prstGeom prst="rect">
+            <a:avLst/>
+          </a:prstGeom>
+        </p:spPr>
+      </p:pic>
+      <p:pic>
+        <p:nvPicPr>
+          <p:cNvPr id="11" name="그림 10">
+            <a:extLst>
+              <a:ext uri="{FF2B5EF4-FFF2-40B4-BE49-F238E27FC236}">
+                <a16:creationId xmlns:a16="http://schemas.microsoft.com/office/drawing/2014/main" id="{EFB12B39-BC27-44A8-8BAB-278D7B0656D6}"/>
+              </a:ext>
+            </a:extLst>
+          </p:cNvPr>
+          <p:cNvPicPr>
+            <a:picLocks noChangeAspect="1"/>
+          </p:cNvPicPr>
+          <p:nvPr/>
+        </p:nvPicPr>
+        <p:blipFill>
+          <a:blip r:embed="rId5"/>
+          <a:stretch>
+            <a:fillRect/>
+          </a:stretch>
+        </p:blipFill>
+        <p:spPr>
+          <a:xfrm>
+            <a:off x="8043175" y="1763289"/>
+            <a:ext cx="3775497" cy="1467109"/>
+          </a:xfrm>
+          <a:prstGeom prst="rect">
+            <a:avLst/>
+          </a:prstGeom>
+        </p:spPr>
+      </p:pic>
     </p:spTree>
     <p:extLst>
       <p:ext uri="{BB962C8B-B14F-4D97-AF65-F5344CB8AC3E}">
-        <p14:creationId xmlns:p14="http://schemas.microsoft.com/office/powerpoint/2010/main" val="1017201344"/>
+        <p14:creationId xmlns:p14="http://schemas.microsoft.com/office/powerpoint/2010/main" val="1611999763"/>
       </p:ext>
     </p:extLst>
   </p:cSld>
@@ -10483,7 +10685,7 @@
                 </a:solidFill>
                 <a:latin typeface="+mn-ea"/>
               </a:rPr>
-              <a:t>(2006~2010)</a:t>
+              <a:t>(2011~2015)</a:t>
             </a:r>
             <a:endParaRPr lang="ko-KR" altLang="en-US" spc="-150" dirty="0">
               <a:solidFill>
@@ -10580,7 +10782,7 @@
         </p:nvSpPr>
         <p:spPr>
           <a:xfrm>
-            <a:off x="5805696" y="5771906"/>
+            <a:off x="6713458" y="5733346"/>
             <a:ext cx="580608" cy="369332"/>
           </a:xfrm>
           <a:prstGeom prst="rect">
@@ -10616,7 +10818,7 @@
         </p:nvSpPr>
         <p:spPr>
           <a:xfrm>
-            <a:off x="9577911" y="5768853"/>
+            <a:off x="10151503" y="5797306"/>
             <a:ext cx="918778" cy="369332"/>
           </a:xfrm>
           <a:prstGeom prst="rect">
@@ -10652,7 +10854,7 @@
         </p:nvSpPr>
         <p:spPr>
           <a:xfrm>
-            <a:off x="2440805" y="5768853"/>
+            <a:off x="2510998" y="5981972"/>
             <a:ext cx="745717" cy="369332"/>
           </a:xfrm>
           <a:prstGeom prst="rect">
@@ -10674,86 +10876,12 @@
           </a:p>
         </p:txBody>
       </p:sp>
-      <p:sp>
-        <p:nvSpPr>
-          <p:cNvPr id="2" name="직사각형 1">
+      <p:pic>
+        <p:nvPicPr>
+          <p:cNvPr id="5" name="그림 4">
             <a:extLst>
               <a:ext uri="{FF2B5EF4-FFF2-40B4-BE49-F238E27FC236}">
-                <a16:creationId xmlns:a16="http://schemas.microsoft.com/office/drawing/2014/main" id="{C7F2440A-3A3F-4F63-993A-FE90C0CF9596}"/>
-              </a:ext>
-            </a:extLst>
-          </p:cNvPr>
-          <p:cNvSpPr/>
-          <p:nvPr/>
-        </p:nvSpPr>
-        <p:spPr>
-          <a:xfrm>
-            <a:off x="1701800" y="2249261"/>
-            <a:ext cx="2099733" cy="3237139"/>
-          </a:xfrm>
-          <a:prstGeom prst="rect">
-            <a:avLst/>
-          </a:prstGeom>
-          <a:solidFill>
-            <a:schemeClr val="tx1"/>
-          </a:solidFill>
-          <a:ln>
-            <a:noFill/>
-          </a:ln>
-        </p:spPr>
-        <p:style>
-          <a:lnRef idx="2">
-            <a:schemeClr val="accent1">
-              <a:shade val="50000"/>
-            </a:schemeClr>
-          </a:lnRef>
-          <a:fillRef idx="1">
-            <a:schemeClr val="accent1"/>
-          </a:fillRef>
-          <a:effectRef idx="0">
-            <a:schemeClr val="accent1"/>
-          </a:effectRef>
-          <a:fontRef idx="minor">
-            <a:schemeClr val="lt1"/>
-          </a:fontRef>
-        </p:style>
-        <p:txBody>
-          <a:bodyPr rtlCol="0" anchor="ctr"/>
-          <a:lstStyle/>
-          <a:p>
-            <a:pPr algn="ctr"/>
-            <a:r>
-              <a:rPr lang="ko-KR" altLang="en-US" dirty="0">
-                <a:solidFill>
-                  <a:schemeClr val="bg1"/>
-                </a:solidFill>
-              </a:rPr>
-              <a:t>유의미한 결과</a:t>
-            </a:r>
-            <a:br>
-              <a:rPr lang="en-US" altLang="ko-KR" dirty="0">
-                <a:solidFill>
-                  <a:schemeClr val="bg1"/>
-                </a:solidFill>
-              </a:rPr>
-            </a:br>
-            <a:r>
-              <a:rPr lang="ko-KR" altLang="en-US" dirty="0">
-                <a:solidFill>
-                  <a:schemeClr val="bg1"/>
-                </a:solidFill>
-              </a:rPr>
-              <a:t>없음</a:t>
-            </a:r>
-          </a:p>
-        </p:txBody>
-      </p:sp>
-      <p:pic>
-        <p:nvPicPr>
-          <p:cNvPr id="3" name="그림 2">
-            <a:extLst>
-              <a:ext uri="{FF2B5EF4-FFF2-40B4-BE49-F238E27FC236}">
-                <a16:creationId xmlns:a16="http://schemas.microsoft.com/office/drawing/2014/main" id="{4C00D946-7CB2-4CC0-B9C2-327498054D18}"/>
+                <a16:creationId xmlns:a16="http://schemas.microsoft.com/office/drawing/2014/main" id="{A018DA2B-1DAE-463C-B0C1-9B76B6515B8C}"/>
               </a:ext>
             </a:extLst>
           </p:cNvPr>
@@ -10770,8 +10898,8 @@
         </p:blipFill>
         <p:spPr>
           <a:xfrm>
-            <a:off x="4343154" y="1551644"/>
-            <a:ext cx="3505689" cy="1758823"/>
+            <a:off x="1488829" y="1596611"/>
+            <a:ext cx="2790057" cy="1832389"/>
           </a:xfrm>
           <a:prstGeom prst="rect">
             <a:avLst/>
@@ -10780,10 +10908,10 @@
       </p:pic>
       <p:pic>
         <p:nvPicPr>
-          <p:cNvPr id="4" name="그림 3">
+          <p:cNvPr id="7" name="그림 6">
             <a:extLst>
               <a:ext uri="{FF2B5EF4-FFF2-40B4-BE49-F238E27FC236}">
-                <a16:creationId xmlns:a16="http://schemas.microsoft.com/office/drawing/2014/main" id="{36E49628-FE31-41F7-852B-3F0D78BD38AE}"/>
+                <a16:creationId xmlns:a16="http://schemas.microsoft.com/office/drawing/2014/main" id="{5BC86DEA-5D2D-454A-8686-1BFE82AD7FFC}"/>
               </a:ext>
             </a:extLst>
           </p:cNvPr>
@@ -10800,8 +10928,8 @@
         </p:blipFill>
         <p:spPr>
           <a:xfrm>
-            <a:off x="4343154" y="3464330"/>
-            <a:ext cx="3505689" cy="1842026"/>
+            <a:off x="1319361" y="3604211"/>
+            <a:ext cx="3734321" cy="2305372"/>
           </a:xfrm>
           <a:prstGeom prst="rect">
             <a:avLst/>
@@ -10810,10 +10938,10 @@
       </p:pic>
       <p:pic>
         <p:nvPicPr>
-          <p:cNvPr id="10" name="그림 9">
+          <p:cNvPr id="8" name="그림 7">
             <a:extLst>
               <a:ext uri="{FF2B5EF4-FFF2-40B4-BE49-F238E27FC236}">
-                <a16:creationId xmlns:a16="http://schemas.microsoft.com/office/drawing/2014/main" id="{5F2896CC-5341-48F2-8E2D-37F94A51F42B}"/>
+                <a16:creationId xmlns:a16="http://schemas.microsoft.com/office/drawing/2014/main" id="{959B99FB-9827-4A8F-B1A8-09E03B54FDD6}"/>
               </a:ext>
             </a:extLst>
           </p:cNvPr>
@@ -10830,8 +10958,8 @@
         </p:blipFill>
         <p:spPr>
           <a:xfrm>
-            <a:off x="8027193" y="3537499"/>
-            <a:ext cx="3791479" cy="1695687"/>
+            <a:off x="5150891" y="3780448"/>
+            <a:ext cx="3705742" cy="1952898"/>
           </a:xfrm>
           <a:prstGeom prst="rect">
             <a:avLst/>
@@ -10840,10 +10968,10 @@
       </p:pic>
       <p:pic>
         <p:nvPicPr>
-          <p:cNvPr id="11" name="그림 10">
+          <p:cNvPr id="9" name="그림 8">
             <a:extLst>
               <a:ext uri="{FF2B5EF4-FFF2-40B4-BE49-F238E27FC236}">
-                <a16:creationId xmlns:a16="http://schemas.microsoft.com/office/drawing/2014/main" id="{EFB12B39-BC27-44A8-8BAB-278D7B0656D6}"/>
+                <a16:creationId xmlns:a16="http://schemas.microsoft.com/office/drawing/2014/main" id="{10EBEA82-4945-4BB9-9418-33E545D4594F}"/>
               </a:ext>
             </a:extLst>
           </p:cNvPr>
@@ -10860,8 +10988,68 @@
         </p:blipFill>
         <p:spPr>
           <a:xfrm>
-            <a:off x="8043175" y="1763289"/>
-            <a:ext cx="3775497" cy="1467109"/>
+            <a:off x="5150891" y="1403956"/>
+            <a:ext cx="3732564" cy="2109711"/>
+          </a:xfrm>
+          <a:prstGeom prst="rect">
+            <a:avLst/>
+          </a:prstGeom>
+        </p:spPr>
+      </p:pic>
+      <p:pic>
+        <p:nvPicPr>
+          <p:cNvPr id="12" name="그림 11">
+            <a:extLst>
+              <a:ext uri="{FF2B5EF4-FFF2-40B4-BE49-F238E27FC236}">
+                <a16:creationId xmlns:a16="http://schemas.microsoft.com/office/drawing/2014/main" id="{3CC8CC4B-679D-4BBB-9038-24549101F6BE}"/>
+              </a:ext>
+            </a:extLst>
+          </p:cNvPr>
+          <p:cNvPicPr>
+            <a:picLocks noChangeAspect="1"/>
+          </p:cNvPicPr>
+          <p:nvPr/>
+        </p:nvPicPr>
+        <p:blipFill>
+          <a:blip r:embed="rId6"/>
+          <a:stretch>
+            <a:fillRect/>
+          </a:stretch>
+        </p:blipFill>
+        <p:spPr>
+          <a:xfrm>
+            <a:off x="9045498" y="1403956"/>
+            <a:ext cx="3028094" cy="2118011"/>
+          </a:xfrm>
+          <a:prstGeom prst="rect">
+            <a:avLst/>
+          </a:prstGeom>
+        </p:spPr>
+      </p:pic>
+      <p:pic>
+        <p:nvPicPr>
+          <p:cNvPr id="25" name="그림 24">
+            <a:extLst>
+              <a:ext uri="{FF2B5EF4-FFF2-40B4-BE49-F238E27FC236}">
+                <a16:creationId xmlns:a16="http://schemas.microsoft.com/office/drawing/2014/main" id="{CEF64255-1ECD-401C-818F-E9E1C8539C23}"/>
+              </a:ext>
+            </a:extLst>
+          </p:cNvPr>
+          <p:cNvPicPr>
+            <a:picLocks noChangeAspect="1"/>
+          </p:cNvPicPr>
+          <p:nvPr/>
+        </p:nvPicPr>
+        <p:blipFill>
+          <a:blip r:embed="rId7"/>
+          <a:stretch>
+            <a:fillRect/>
+          </a:stretch>
+        </p:blipFill>
+        <p:spPr>
+          <a:xfrm>
+            <a:off x="9043831" y="3703363"/>
+            <a:ext cx="3134122" cy="2065490"/>
           </a:xfrm>
           <a:prstGeom prst="rect">
             <a:avLst/>
@@ -10871,7 +11059,7 @@
     </p:spTree>
     <p:extLst>
       <p:ext uri="{BB962C8B-B14F-4D97-AF65-F5344CB8AC3E}">
-        <p14:creationId xmlns:p14="http://schemas.microsoft.com/office/powerpoint/2010/main" val="1611999763"/>
+        <p14:creationId xmlns:p14="http://schemas.microsoft.com/office/powerpoint/2010/main" val="1904992449"/>
       </p:ext>
     </p:extLst>
   </p:cSld>
@@ -11261,770 +11449,6 @@
                 </a:solidFill>
                 <a:latin typeface="+mn-ea"/>
               </a:rPr>
-              <a:t>(2011~2015)</a:t>
-            </a:r>
-            <a:endParaRPr lang="ko-KR" altLang="en-US" spc="-150" dirty="0">
-              <a:solidFill>
-                <a:srgbClr val="00002F"/>
-              </a:solidFill>
-              <a:latin typeface="+mn-ea"/>
-            </a:endParaRPr>
-          </a:p>
-        </p:txBody>
-      </p:sp>
-      <p:sp>
-        <p:nvSpPr>
-          <p:cNvPr id="6" name="TextBox 5">
-            <a:extLst>
-              <a:ext uri="{FF2B5EF4-FFF2-40B4-BE49-F238E27FC236}">
-                <a16:creationId xmlns:a16="http://schemas.microsoft.com/office/drawing/2014/main" id="{01C3D8D6-8BE7-478F-AAE2-518A5D00E1A5}"/>
-              </a:ext>
-            </a:extLst>
-          </p:cNvPr>
-          <p:cNvSpPr txBox="1"/>
-          <p:nvPr/>
-        </p:nvSpPr>
-        <p:spPr>
-          <a:xfrm>
-            <a:off x="114156" y="2249261"/>
-            <a:ext cx="912366" cy="369332"/>
-          </a:xfrm>
-          <a:prstGeom prst="rect">
-            <a:avLst/>
-          </a:prstGeom>
-          <a:noFill/>
-        </p:spPr>
-        <p:txBody>
-          <a:bodyPr wrap="none" rtlCol="0">
-            <a:spAutoFit/>
-          </a:bodyPr>
-          <a:lstStyle/>
-          <a:p>
-            <a:r>
-              <a:rPr lang="en-US" altLang="ko-KR" dirty="0"/>
-              <a:t>degree</a:t>
-            </a:r>
-            <a:endParaRPr lang="ko-KR" altLang="en-US" dirty="0"/>
-          </a:p>
-        </p:txBody>
-      </p:sp>
-      <p:sp>
-        <p:nvSpPr>
-          <p:cNvPr id="22" name="TextBox 21">
-            <a:extLst>
-              <a:ext uri="{FF2B5EF4-FFF2-40B4-BE49-F238E27FC236}">
-                <a16:creationId xmlns:a16="http://schemas.microsoft.com/office/drawing/2014/main" id="{558A1490-49C0-4D2A-9950-E3205C3DDB9A}"/>
-              </a:ext>
-            </a:extLst>
-          </p:cNvPr>
-          <p:cNvSpPr txBox="1"/>
-          <p:nvPr/>
-        </p:nvSpPr>
-        <p:spPr>
-          <a:xfrm>
-            <a:off x="114156" y="4497399"/>
-            <a:ext cx="1107996" cy="369332"/>
-          </a:xfrm>
-          <a:prstGeom prst="rect">
-            <a:avLst/>
-          </a:prstGeom>
-          <a:noFill/>
-        </p:spPr>
-        <p:txBody>
-          <a:bodyPr wrap="none" rtlCol="0">
-            <a:spAutoFit/>
-          </a:bodyPr>
-          <a:lstStyle/>
-          <a:p>
-            <a:r>
-              <a:rPr lang="ko-KR" altLang="en-US"/>
-              <a:t>고유벡터</a:t>
-            </a:r>
-            <a:endParaRPr lang="ko-KR" altLang="en-US" dirty="0"/>
-          </a:p>
-        </p:txBody>
-      </p:sp>
-      <p:sp>
-        <p:nvSpPr>
-          <p:cNvPr id="23" name="TextBox 22">
-            <a:extLst>
-              <a:ext uri="{FF2B5EF4-FFF2-40B4-BE49-F238E27FC236}">
-                <a16:creationId xmlns:a16="http://schemas.microsoft.com/office/drawing/2014/main" id="{896BD98F-5956-4E3A-BC2E-5178FEA1E37A}"/>
-              </a:ext>
-            </a:extLst>
-          </p:cNvPr>
-          <p:cNvSpPr txBox="1"/>
-          <p:nvPr/>
-        </p:nvSpPr>
-        <p:spPr>
-          <a:xfrm>
-            <a:off x="6713458" y="5733346"/>
-            <a:ext cx="580608" cy="369332"/>
-          </a:xfrm>
-          <a:prstGeom prst="rect">
-            <a:avLst/>
-          </a:prstGeom>
-          <a:noFill/>
-        </p:spPr>
-        <p:txBody>
-          <a:bodyPr wrap="none" rtlCol="0">
-            <a:spAutoFit/>
-          </a:bodyPr>
-          <a:lstStyle/>
-          <a:p>
-            <a:r>
-              <a:rPr lang="en-US" altLang="ko-KR" dirty="0" err="1"/>
-              <a:t>asia</a:t>
-            </a:r>
-            <a:endParaRPr lang="ko-KR" altLang="en-US" dirty="0"/>
-          </a:p>
-        </p:txBody>
-      </p:sp>
-      <p:sp>
-        <p:nvSpPr>
-          <p:cNvPr id="24" name="TextBox 23">
-            <a:extLst>
-              <a:ext uri="{FF2B5EF4-FFF2-40B4-BE49-F238E27FC236}">
-                <a16:creationId xmlns:a16="http://schemas.microsoft.com/office/drawing/2014/main" id="{4E671B5B-47CC-43D8-BEFB-3D48FCBEA96F}"/>
-              </a:ext>
-            </a:extLst>
-          </p:cNvPr>
-          <p:cNvSpPr txBox="1"/>
-          <p:nvPr/>
-        </p:nvSpPr>
-        <p:spPr>
-          <a:xfrm>
-            <a:off x="10151503" y="5797306"/>
-            <a:ext cx="918778" cy="369332"/>
-          </a:xfrm>
-          <a:prstGeom prst="rect">
-            <a:avLst/>
-          </a:prstGeom>
-          <a:noFill/>
-        </p:spPr>
-        <p:txBody>
-          <a:bodyPr wrap="none" rtlCol="0">
-            <a:spAutoFit/>
-          </a:bodyPr>
-          <a:lstStyle/>
-          <a:p>
-            <a:r>
-              <a:rPr lang="en-US" altLang="ko-KR" dirty="0" err="1"/>
-              <a:t>europe</a:t>
-            </a:r>
-            <a:endParaRPr lang="ko-KR" altLang="en-US" dirty="0"/>
-          </a:p>
-        </p:txBody>
-      </p:sp>
-      <p:sp>
-        <p:nvSpPr>
-          <p:cNvPr id="21" name="TextBox 20">
-            <a:extLst>
-              <a:ext uri="{FF2B5EF4-FFF2-40B4-BE49-F238E27FC236}">
-                <a16:creationId xmlns:a16="http://schemas.microsoft.com/office/drawing/2014/main" id="{BD3C0F19-6B5E-4828-A6EA-D3D285D1A9FF}"/>
-              </a:ext>
-            </a:extLst>
-          </p:cNvPr>
-          <p:cNvSpPr txBox="1"/>
-          <p:nvPr/>
-        </p:nvSpPr>
-        <p:spPr>
-          <a:xfrm>
-            <a:off x="2510998" y="5981972"/>
-            <a:ext cx="745717" cy="369332"/>
-          </a:xfrm>
-          <a:prstGeom prst="rect">
-            <a:avLst/>
-          </a:prstGeom>
-          <a:noFill/>
-        </p:spPr>
-        <p:txBody>
-          <a:bodyPr wrap="none" rtlCol="0">
-            <a:spAutoFit/>
-          </a:bodyPr>
-          <a:lstStyle/>
-          <a:p>
-            <a:r>
-              <a:rPr lang="en-US" altLang="ko-KR" dirty="0" err="1"/>
-              <a:t>africa</a:t>
-            </a:r>
-            <a:endParaRPr lang="ko-KR" altLang="en-US" dirty="0"/>
-          </a:p>
-        </p:txBody>
-      </p:sp>
-      <p:pic>
-        <p:nvPicPr>
-          <p:cNvPr id="5" name="그림 4">
-            <a:extLst>
-              <a:ext uri="{FF2B5EF4-FFF2-40B4-BE49-F238E27FC236}">
-                <a16:creationId xmlns:a16="http://schemas.microsoft.com/office/drawing/2014/main" id="{A018DA2B-1DAE-463C-B0C1-9B76B6515B8C}"/>
-              </a:ext>
-            </a:extLst>
-          </p:cNvPr>
-          <p:cNvPicPr>
-            <a:picLocks noChangeAspect="1"/>
-          </p:cNvPicPr>
-          <p:nvPr/>
-        </p:nvPicPr>
-        <p:blipFill>
-          <a:blip r:embed="rId2"/>
-          <a:stretch>
-            <a:fillRect/>
-          </a:stretch>
-        </p:blipFill>
-        <p:spPr>
-          <a:xfrm>
-            <a:off x="1488829" y="1596611"/>
-            <a:ext cx="2790057" cy="1832389"/>
-          </a:xfrm>
-          <a:prstGeom prst="rect">
-            <a:avLst/>
-          </a:prstGeom>
-        </p:spPr>
-      </p:pic>
-      <p:pic>
-        <p:nvPicPr>
-          <p:cNvPr id="7" name="그림 6">
-            <a:extLst>
-              <a:ext uri="{FF2B5EF4-FFF2-40B4-BE49-F238E27FC236}">
-                <a16:creationId xmlns:a16="http://schemas.microsoft.com/office/drawing/2014/main" id="{5BC86DEA-5D2D-454A-8686-1BFE82AD7FFC}"/>
-              </a:ext>
-            </a:extLst>
-          </p:cNvPr>
-          <p:cNvPicPr>
-            <a:picLocks noChangeAspect="1"/>
-          </p:cNvPicPr>
-          <p:nvPr/>
-        </p:nvPicPr>
-        <p:blipFill>
-          <a:blip r:embed="rId3"/>
-          <a:stretch>
-            <a:fillRect/>
-          </a:stretch>
-        </p:blipFill>
-        <p:spPr>
-          <a:xfrm>
-            <a:off x="1319361" y="3604211"/>
-            <a:ext cx="3734321" cy="2305372"/>
-          </a:xfrm>
-          <a:prstGeom prst="rect">
-            <a:avLst/>
-          </a:prstGeom>
-        </p:spPr>
-      </p:pic>
-      <p:pic>
-        <p:nvPicPr>
-          <p:cNvPr id="8" name="그림 7">
-            <a:extLst>
-              <a:ext uri="{FF2B5EF4-FFF2-40B4-BE49-F238E27FC236}">
-                <a16:creationId xmlns:a16="http://schemas.microsoft.com/office/drawing/2014/main" id="{959B99FB-9827-4A8F-B1A8-09E03B54FDD6}"/>
-              </a:ext>
-            </a:extLst>
-          </p:cNvPr>
-          <p:cNvPicPr>
-            <a:picLocks noChangeAspect="1"/>
-          </p:cNvPicPr>
-          <p:nvPr/>
-        </p:nvPicPr>
-        <p:blipFill>
-          <a:blip r:embed="rId4"/>
-          <a:stretch>
-            <a:fillRect/>
-          </a:stretch>
-        </p:blipFill>
-        <p:spPr>
-          <a:xfrm>
-            <a:off x="5150891" y="3780448"/>
-            <a:ext cx="3705742" cy="1952898"/>
-          </a:xfrm>
-          <a:prstGeom prst="rect">
-            <a:avLst/>
-          </a:prstGeom>
-        </p:spPr>
-      </p:pic>
-      <p:pic>
-        <p:nvPicPr>
-          <p:cNvPr id="9" name="그림 8">
-            <a:extLst>
-              <a:ext uri="{FF2B5EF4-FFF2-40B4-BE49-F238E27FC236}">
-                <a16:creationId xmlns:a16="http://schemas.microsoft.com/office/drawing/2014/main" id="{10EBEA82-4945-4BB9-9418-33E545D4594F}"/>
-              </a:ext>
-            </a:extLst>
-          </p:cNvPr>
-          <p:cNvPicPr>
-            <a:picLocks noChangeAspect="1"/>
-          </p:cNvPicPr>
-          <p:nvPr/>
-        </p:nvPicPr>
-        <p:blipFill>
-          <a:blip r:embed="rId5"/>
-          <a:stretch>
-            <a:fillRect/>
-          </a:stretch>
-        </p:blipFill>
-        <p:spPr>
-          <a:xfrm>
-            <a:off x="5150891" y="1403956"/>
-            <a:ext cx="3732564" cy="2109711"/>
-          </a:xfrm>
-          <a:prstGeom prst="rect">
-            <a:avLst/>
-          </a:prstGeom>
-        </p:spPr>
-      </p:pic>
-      <p:pic>
-        <p:nvPicPr>
-          <p:cNvPr id="12" name="그림 11">
-            <a:extLst>
-              <a:ext uri="{FF2B5EF4-FFF2-40B4-BE49-F238E27FC236}">
-                <a16:creationId xmlns:a16="http://schemas.microsoft.com/office/drawing/2014/main" id="{3CC8CC4B-679D-4BBB-9038-24549101F6BE}"/>
-              </a:ext>
-            </a:extLst>
-          </p:cNvPr>
-          <p:cNvPicPr>
-            <a:picLocks noChangeAspect="1"/>
-          </p:cNvPicPr>
-          <p:nvPr/>
-        </p:nvPicPr>
-        <p:blipFill>
-          <a:blip r:embed="rId6"/>
-          <a:stretch>
-            <a:fillRect/>
-          </a:stretch>
-        </p:blipFill>
-        <p:spPr>
-          <a:xfrm>
-            <a:off x="9045498" y="1403956"/>
-            <a:ext cx="3028094" cy="2118011"/>
-          </a:xfrm>
-          <a:prstGeom prst="rect">
-            <a:avLst/>
-          </a:prstGeom>
-        </p:spPr>
-      </p:pic>
-      <p:pic>
-        <p:nvPicPr>
-          <p:cNvPr id="25" name="그림 24">
-            <a:extLst>
-              <a:ext uri="{FF2B5EF4-FFF2-40B4-BE49-F238E27FC236}">
-                <a16:creationId xmlns:a16="http://schemas.microsoft.com/office/drawing/2014/main" id="{CEF64255-1ECD-401C-818F-E9E1C8539C23}"/>
-              </a:ext>
-            </a:extLst>
-          </p:cNvPr>
-          <p:cNvPicPr>
-            <a:picLocks noChangeAspect="1"/>
-          </p:cNvPicPr>
-          <p:nvPr/>
-        </p:nvPicPr>
-        <p:blipFill>
-          <a:blip r:embed="rId7"/>
-          <a:stretch>
-            <a:fillRect/>
-          </a:stretch>
-        </p:blipFill>
-        <p:spPr>
-          <a:xfrm>
-            <a:off x="9043831" y="3703363"/>
-            <a:ext cx="3134122" cy="2065490"/>
-          </a:xfrm>
-          <a:prstGeom prst="rect">
-            <a:avLst/>
-          </a:prstGeom>
-        </p:spPr>
-      </p:pic>
-    </p:spTree>
-    <p:extLst>
-      <p:ext uri="{BB962C8B-B14F-4D97-AF65-F5344CB8AC3E}">
-        <p14:creationId xmlns:p14="http://schemas.microsoft.com/office/powerpoint/2010/main" val="1904992449"/>
-      </p:ext>
-    </p:extLst>
-  </p:cSld>
-  <p:clrMapOvr>
-    <a:masterClrMapping/>
-  </p:clrMapOvr>
-</p:sld>
-</file>
-
-<file path=ppt/slides/slide27.xml><?xml version="1.0" encoding="utf-8"?>
-<p:sld xmlns:a="http://schemas.openxmlformats.org/drawingml/2006/main" xmlns:r="http://schemas.openxmlformats.org/officeDocument/2006/relationships" xmlns:p="http://schemas.openxmlformats.org/presentationml/2006/main">
-  <p:cSld>
-    <p:spTree>
-      <p:nvGrpSpPr>
-        <p:cNvPr id="1" name=""/>
-        <p:cNvGrpSpPr/>
-        <p:nvPr/>
-      </p:nvGrpSpPr>
-      <p:grpSpPr>
-        <a:xfrm>
-          <a:off x="0" y="0"/>
-          <a:ext cx="0" cy="0"/>
-          <a:chOff x="0" y="0"/>
-          <a:chExt cx="0" cy="0"/>
-        </a:xfrm>
-      </p:grpSpPr>
-      <p:cxnSp>
-        <p:nvCxnSpPr>
-          <p:cNvPr id="14" name="직선 연결선 13"/>
-          <p:cNvCxnSpPr/>
-          <p:nvPr/>
-        </p:nvCxnSpPr>
-        <p:spPr>
-          <a:xfrm>
-            <a:off x="10430892" y="144941"/>
-            <a:ext cx="360000" cy="0"/>
-          </a:xfrm>
-          <a:prstGeom prst="line">
-            <a:avLst/>
-          </a:prstGeom>
-          <a:ln w="44450" cap="rnd">
-            <a:solidFill>
-              <a:srgbClr val="D0CECE"/>
-            </a:solidFill>
-          </a:ln>
-          <a:effectLst>
-            <a:outerShdw blurRad="50800" dist="38100" dir="5400000" algn="t" rotWithShape="0">
-              <a:prstClr val="black">
-                <a:alpha val="40000"/>
-              </a:prstClr>
-            </a:outerShdw>
-          </a:effectLst>
-        </p:spPr>
-        <p:style>
-          <a:lnRef idx="1">
-            <a:schemeClr val="accent1"/>
-          </a:lnRef>
-          <a:fillRef idx="0">
-            <a:schemeClr val="accent1"/>
-          </a:fillRef>
-          <a:effectRef idx="0">
-            <a:schemeClr val="accent1"/>
-          </a:effectRef>
-          <a:fontRef idx="minor">
-            <a:schemeClr val="tx1"/>
-          </a:fontRef>
-        </p:style>
-      </p:cxnSp>
-      <p:cxnSp>
-        <p:nvCxnSpPr>
-          <p:cNvPr id="15" name="직선 연결선 14"/>
-          <p:cNvCxnSpPr/>
-          <p:nvPr/>
-        </p:nvCxnSpPr>
-        <p:spPr>
-          <a:xfrm>
-            <a:off x="10858459" y="144941"/>
-            <a:ext cx="360000" cy="0"/>
-          </a:xfrm>
-          <a:prstGeom prst="line">
-            <a:avLst/>
-          </a:prstGeom>
-          <a:ln w="44450" cap="rnd">
-            <a:solidFill>
-              <a:schemeClr val="bg2">
-                <a:lumMod val="90000"/>
-              </a:schemeClr>
-            </a:solidFill>
-          </a:ln>
-          <a:effectLst>
-            <a:outerShdw blurRad="50800" dist="38100" dir="5400000" algn="t" rotWithShape="0">
-              <a:prstClr val="black">
-                <a:alpha val="40000"/>
-              </a:prstClr>
-            </a:outerShdw>
-          </a:effectLst>
-        </p:spPr>
-        <p:style>
-          <a:lnRef idx="1">
-            <a:schemeClr val="accent1"/>
-          </a:lnRef>
-          <a:fillRef idx="0">
-            <a:schemeClr val="accent1"/>
-          </a:fillRef>
-          <a:effectRef idx="0">
-            <a:schemeClr val="accent1"/>
-          </a:effectRef>
-          <a:fontRef idx="minor">
-            <a:schemeClr val="tx1"/>
-          </a:fontRef>
-        </p:style>
-      </p:cxnSp>
-      <p:cxnSp>
-        <p:nvCxnSpPr>
-          <p:cNvPr id="16" name="직선 연결선 15"/>
-          <p:cNvCxnSpPr/>
-          <p:nvPr/>
-        </p:nvCxnSpPr>
-        <p:spPr>
-          <a:xfrm>
-            <a:off x="11286026" y="144941"/>
-            <a:ext cx="360000" cy="0"/>
-          </a:xfrm>
-          <a:prstGeom prst="line">
-            <a:avLst/>
-          </a:prstGeom>
-          <a:ln w="44450" cap="rnd">
-            <a:solidFill>
-              <a:srgbClr val="8DBABD"/>
-            </a:solidFill>
-          </a:ln>
-          <a:effectLst>
-            <a:outerShdw blurRad="50800" dist="38100" dir="5400000" algn="t" rotWithShape="0">
-              <a:prstClr val="black">
-                <a:alpha val="40000"/>
-              </a:prstClr>
-            </a:outerShdw>
-          </a:effectLst>
-        </p:spPr>
-        <p:style>
-          <a:lnRef idx="1">
-            <a:schemeClr val="accent1"/>
-          </a:lnRef>
-          <a:fillRef idx="0">
-            <a:schemeClr val="accent1"/>
-          </a:fillRef>
-          <a:effectRef idx="0">
-            <a:schemeClr val="accent1"/>
-          </a:effectRef>
-          <a:fontRef idx="minor">
-            <a:schemeClr val="tx1"/>
-          </a:fontRef>
-        </p:style>
-      </p:cxnSp>
-      <p:cxnSp>
-        <p:nvCxnSpPr>
-          <p:cNvPr id="17" name="직선 연결선 16"/>
-          <p:cNvCxnSpPr/>
-          <p:nvPr/>
-        </p:nvCxnSpPr>
-        <p:spPr>
-          <a:xfrm>
-            <a:off x="11713592" y="144941"/>
-            <a:ext cx="360000" cy="0"/>
-          </a:xfrm>
-          <a:prstGeom prst="line">
-            <a:avLst/>
-          </a:prstGeom>
-          <a:ln w="44450" cap="rnd">
-            <a:solidFill>
-              <a:schemeClr val="bg2">
-                <a:lumMod val="90000"/>
-              </a:schemeClr>
-            </a:solidFill>
-          </a:ln>
-          <a:effectLst>
-            <a:outerShdw blurRad="50800" dist="38100" dir="5400000" algn="t" rotWithShape="0">
-              <a:prstClr val="black">
-                <a:alpha val="40000"/>
-              </a:prstClr>
-            </a:outerShdw>
-          </a:effectLst>
-        </p:spPr>
-        <p:style>
-          <a:lnRef idx="1">
-            <a:schemeClr val="accent1"/>
-          </a:lnRef>
-          <a:fillRef idx="0">
-            <a:schemeClr val="accent1"/>
-          </a:fillRef>
-          <a:effectRef idx="0">
-            <a:schemeClr val="accent1"/>
-          </a:effectRef>
-          <a:fontRef idx="minor">
-            <a:schemeClr val="tx1"/>
-          </a:fontRef>
-        </p:style>
-      </p:cxnSp>
-      <p:cxnSp>
-        <p:nvCxnSpPr>
-          <p:cNvPr id="18" name="직선 연결선 17"/>
-          <p:cNvCxnSpPr/>
-          <p:nvPr/>
-        </p:nvCxnSpPr>
-        <p:spPr>
-          <a:xfrm>
-            <a:off x="1026522" y="989148"/>
-            <a:ext cx="2160000" cy="0"/>
-          </a:xfrm>
-          <a:prstGeom prst="line">
-            <a:avLst/>
-          </a:prstGeom>
-          <a:ln>
-            <a:solidFill>
-              <a:schemeClr val="bg1">
-                <a:lumMod val="50000"/>
-              </a:schemeClr>
-            </a:solidFill>
-          </a:ln>
-        </p:spPr>
-        <p:style>
-          <a:lnRef idx="1">
-            <a:schemeClr val="accent1"/>
-          </a:lnRef>
-          <a:fillRef idx="0">
-            <a:schemeClr val="accent1"/>
-          </a:fillRef>
-          <a:effectRef idx="0">
-            <a:schemeClr val="accent1"/>
-          </a:effectRef>
-          <a:fontRef idx="minor">
-            <a:schemeClr val="tx1"/>
-          </a:fontRef>
-        </p:style>
-      </p:cxnSp>
-      <p:sp>
-        <p:nvSpPr>
-          <p:cNvPr id="19" name="TextBox 18"/>
-          <p:cNvSpPr txBox="1"/>
-          <p:nvPr/>
-        </p:nvSpPr>
-        <p:spPr>
-          <a:xfrm>
-            <a:off x="973840" y="437391"/>
-            <a:ext cx="2265364" cy="584775"/>
-          </a:xfrm>
-          <a:prstGeom prst="rect">
-            <a:avLst/>
-          </a:prstGeom>
-          <a:noFill/>
-        </p:spPr>
-        <p:txBody>
-          <a:bodyPr wrap="none" rtlCol="0">
-            <a:spAutoFit/>
-          </a:bodyPr>
-          <a:lstStyle/>
-          <a:p>
-            <a:pPr algn="ctr"/>
-            <a:r>
-              <a:rPr lang="ko-KR" altLang="en-US" sz="3200" spc="-150">
-                <a:solidFill>
-                  <a:srgbClr val="00002F"/>
-                </a:solidFill>
-                <a:latin typeface="+mn-ea"/>
-              </a:rPr>
-              <a:t>연관성 분석</a:t>
-            </a:r>
-            <a:endParaRPr lang="ko-KR" altLang="en-US" sz="3200" spc="-150" dirty="0">
-              <a:solidFill>
-                <a:srgbClr val="00002F"/>
-              </a:solidFill>
-              <a:latin typeface="+mn-ea"/>
-            </a:endParaRPr>
-          </a:p>
-        </p:txBody>
-      </p:sp>
-      <p:sp>
-        <p:nvSpPr>
-          <p:cNvPr id="20" name="TextBox 19"/>
-          <p:cNvSpPr txBox="1"/>
-          <p:nvPr/>
-        </p:nvSpPr>
-        <p:spPr>
-          <a:xfrm>
-            <a:off x="495607" y="498947"/>
-            <a:ext cx="534121" cy="461665"/>
-          </a:xfrm>
-          <a:prstGeom prst="rect">
-            <a:avLst/>
-          </a:prstGeom>
-          <a:noFill/>
-        </p:spPr>
-        <p:txBody>
-          <a:bodyPr wrap="none" rtlCol="0">
-            <a:spAutoFit/>
-          </a:bodyPr>
-          <a:lstStyle/>
-          <a:p>
-            <a:pPr algn="ctr"/>
-            <a:r>
-              <a:rPr lang="en-US" altLang="ko-KR" sz="2400" spc="-150" dirty="0">
-                <a:solidFill>
-                  <a:srgbClr val="00002F"/>
-                </a:solidFill>
-                <a:latin typeface="+mn-ea"/>
-              </a:rPr>
-              <a:t>03.</a:t>
-            </a:r>
-            <a:endParaRPr lang="ko-KR" altLang="en-US" sz="2400" spc="-150" dirty="0">
-              <a:solidFill>
-                <a:srgbClr val="00002F"/>
-              </a:solidFill>
-              <a:latin typeface="+mn-ea"/>
-            </a:endParaRPr>
-          </a:p>
-        </p:txBody>
-      </p:sp>
-      <p:sp>
-        <p:nvSpPr>
-          <p:cNvPr id="13" name="TextBox 12">
-            <a:extLst>
-              <a:ext uri="{FF2B5EF4-FFF2-40B4-BE49-F238E27FC236}">
-                <a16:creationId xmlns:a16="http://schemas.microsoft.com/office/drawing/2014/main" id="{C28DED71-4508-433D-AACB-C2323092EA00}"/>
-              </a:ext>
-            </a:extLst>
-          </p:cNvPr>
-          <p:cNvSpPr txBox="1"/>
-          <p:nvPr/>
-        </p:nvSpPr>
-        <p:spPr>
-          <a:xfrm>
-            <a:off x="973840" y="1011813"/>
-            <a:ext cx="3762568" cy="369332"/>
-          </a:xfrm>
-          <a:prstGeom prst="rect">
-            <a:avLst/>
-          </a:prstGeom>
-          <a:noFill/>
-        </p:spPr>
-        <p:txBody>
-          <a:bodyPr wrap="none" rtlCol="0">
-            <a:spAutoFit/>
-          </a:bodyPr>
-          <a:lstStyle/>
-          <a:p>
-            <a:pPr algn="ctr"/>
-            <a:r>
-              <a:rPr lang="ko-KR" altLang="en-US" spc="-150" dirty="0" err="1">
-                <a:solidFill>
-                  <a:srgbClr val="00002F"/>
-                </a:solidFill>
-                <a:latin typeface="+mn-ea"/>
-              </a:rPr>
-              <a:t>대륙별</a:t>
-            </a:r>
-            <a:r>
-              <a:rPr lang="ko-KR" altLang="en-US" spc="-150" dirty="0">
-                <a:solidFill>
-                  <a:srgbClr val="00002F"/>
-                </a:solidFill>
-                <a:latin typeface="+mn-ea"/>
-              </a:rPr>
-              <a:t> 상위 </a:t>
-            </a:r>
-            <a:r>
-              <a:rPr lang="en-US" altLang="ko-KR" spc="-150" dirty="0">
-                <a:solidFill>
-                  <a:srgbClr val="00002F"/>
-                </a:solidFill>
-                <a:latin typeface="+mn-ea"/>
-              </a:rPr>
-              <a:t>5</a:t>
-            </a:r>
-            <a:r>
-              <a:rPr lang="ko-KR" altLang="en-US" spc="-150" dirty="0">
-                <a:solidFill>
-                  <a:srgbClr val="00002F"/>
-                </a:solidFill>
-                <a:latin typeface="+mn-ea"/>
-              </a:rPr>
-              <a:t>개 집단 분석</a:t>
-            </a:r>
-            <a:r>
-              <a:rPr lang="en-US" altLang="ko-KR" spc="-150" dirty="0">
-                <a:solidFill>
-                  <a:srgbClr val="00002F"/>
-                </a:solidFill>
-                <a:latin typeface="+mn-ea"/>
-              </a:rPr>
               <a:t>(2016~2020)</a:t>
             </a:r>
             <a:endParaRPr lang="ko-KR" altLang="en-US" spc="-150" dirty="0">
@@ -12409,7 +11833,7 @@
 </p:sld>
 </file>
 
-<file path=ppt/slides/slide28.xml><?xml version="1.0" encoding="utf-8"?>
+<file path=ppt/slides/slide27.xml><?xml version="1.0" encoding="utf-8"?>
 <p:sld xmlns:a="http://schemas.openxmlformats.org/drawingml/2006/main" xmlns:r="http://schemas.openxmlformats.org/officeDocument/2006/relationships" xmlns:p="http://schemas.openxmlformats.org/presentationml/2006/main">
   <p:cSld>
     <p:spTree>
@@ -13000,6 +12424,476 @@
 </p:sld>
 </file>
 
+<file path=ppt/slides/slide28.xml><?xml version="1.0" encoding="utf-8"?>
+<p:sld xmlns:a="http://schemas.openxmlformats.org/drawingml/2006/main" xmlns:r="http://schemas.openxmlformats.org/officeDocument/2006/relationships" xmlns:p="http://schemas.openxmlformats.org/presentationml/2006/main">
+  <p:cSld>
+    <p:spTree>
+      <p:nvGrpSpPr>
+        <p:cNvPr id="1" name=""/>
+        <p:cNvGrpSpPr/>
+        <p:nvPr/>
+      </p:nvGrpSpPr>
+      <p:grpSpPr>
+        <a:xfrm>
+          <a:off x="0" y="0"/>
+          <a:ext cx="0" cy="0"/>
+          <a:chOff x="0" y="0"/>
+          <a:chExt cx="0" cy="0"/>
+        </a:xfrm>
+      </p:grpSpPr>
+      <p:cxnSp>
+        <p:nvCxnSpPr>
+          <p:cNvPr id="14" name="직선 연결선 13"/>
+          <p:cNvCxnSpPr/>
+          <p:nvPr/>
+        </p:nvCxnSpPr>
+        <p:spPr>
+          <a:xfrm>
+            <a:off x="10430892" y="144941"/>
+            <a:ext cx="360000" cy="0"/>
+          </a:xfrm>
+          <a:prstGeom prst="line">
+            <a:avLst/>
+          </a:prstGeom>
+          <a:ln w="44450" cap="rnd">
+            <a:solidFill>
+              <a:srgbClr val="D0CECE"/>
+            </a:solidFill>
+          </a:ln>
+          <a:effectLst>
+            <a:outerShdw blurRad="50800" dist="38100" dir="5400000" algn="t" rotWithShape="0">
+              <a:prstClr val="black">
+                <a:alpha val="40000"/>
+              </a:prstClr>
+            </a:outerShdw>
+          </a:effectLst>
+        </p:spPr>
+        <p:style>
+          <a:lnRef idx="1">
+            <a:schemeClr val="accent1"/>
+          </a:lnRef>
+          <a:fillRef idx="0">
+            <a:schemeClr val="accent1"/>
+          </a:fillRef>
+          <a:effectRef idx="0">
+            <a:schemeClr val="accent1"/>
+          </a:effectRef>
+          <a:fontRef idx="minor">
+            <a:schemeClr val="tx1"/>
+          </a:fontRef>
+        </p:style>
+      </p:cxnSp>
+      <p:cxnSp>
+        <p:nvCxnSpPr>
+          <p:cNvPr id="15" name="직선 연결선 14"/>
+          <p:cNvCxnSpPr/>
+          <p:nvPr/>
+        </p:nvCxnSpPr>
+        <p:spPr>
+          <a:xfrm>
+            <a:off x="10858459" y="144941"/>
+            <a:ext cx="360000" cy="0"/>
+          </a:xfrm>
+          <a:prstGeom prst="line">
+            <a:avLst/>
+          </a:prstGeom>
+          <a:ln w="44450" cap="rnd">
+            <a:solidFill>
+              <a:schemeClr val="bg2">
+                <a:lumMod val="90000"/>
+              </a:schemeClr>
+            </a:solidFill>
+          </a:ln>
+          <a:effectLst>
+            <a:outerShdw blurRad="50800" dist="38100" dir="5400000" algn="t" rotWithShape="0">
+              <a:prstClr val="black">
+                <a:alpha val="40000"/>
+              </a:prstClr>
+            </a:outerShdw>
+          </a:effectLst>
+        </p:spPr>
+        <p:style>
+          <a:lnRef idx="1">
+            <a:schemeClr val="accent1"/>
+          </a:lnRef>
+          <a:fillRef idx="0">
+            <a:schemeClr val="accent1"/>
+          </a:fillRef>
+          <a:effectRef idx="0">
+            <a:schemeClr val="accent1"/>
+          </a:effectRef>
+          <a:fontRef idx="minor">
+            <a:schemeClr val="tx1"/>
+          </a:fontRef>
+        </p:style>
+      </p:cxnSp>
+      <p:cxnSp>
+        <p:nvCxnSpPr>
+          <p:cNvPr id="16" name="직선 연결선 15"/>
+          <p:cNvCxnSpPr/>
+          <p:nvPr/>
+        </p:nvCxnSpPr>
+        <p:spPr>
+          <a:xfrm>
+            <a:off x="11286026" y="144941"/>
+            <a:ext cx="360000" cy="0"/>
+          </a:xfrm>
+          <a:prstGeom prst="line">
+            <a:avLst/>
+          </a:prstGeom>
+          <a:ln w="44450" cap="rnd">
+            <a:solidFill>
+              <a:srgbClr val="8DBABD"/>
+            </a:solidFill>
+          </a:ln>
+          <a:effectLst>
+            <a:outerShdw blurRad="50800" dist="38100" dir="5400000" algn="t" rotWithShape="0">
+              <a:prstClr val="black">
+                <a:alpha val="40000"/>
+              </a:prstClr>
+            </a:outerShdw>
+          </a:effectLst>
+        </p:spPr>
+        <p:style>
+          <a:lnRef idx="1">
+            <a:schemeClr val="accent1"/>
+          </a:lnRef>
+          <a:fillRef idx="0">
+            <a:schemeClr val="accent1"/>
+          </a:fillRef>
+          <a:effectRef idx="0">
+            <a:schemeClr val="accent1"/>
+          </a:effectRef>
+          <a:fontRef idx="minor">
+            <a:schemeClr val="tx1"/>
+          </a:fontRef>
+        </p:style>
+      </p:cxnSp>
+      <p:cxnSp>
+        <p:nvCxnSpPr>
+          <p:cNvPr id="17" name="직선 연결선 16"/>
+          <p:cNvCxnSpPr/>
+          <p:nvPr/>
+        </p:nvCxnSpPr>
+        <p:spPr>
+          <a:xfrm>
+            <a:off x="11713592" y="144941"/>
+            <a:ext cx="360000" cy="0"/>
+          </a:xfrm>
+          <a:prstGeom prst="line">
+            <a:avLst/>
+          </a:prstGeom>
+          <a:ln w="44450" cap="rnd">
+            <a:solidFill>
+              <a:schemeClr val="bg2">
+                <a:lumMod val="90000"/>
+              </a:schemeClr>
+            </a:solidFill>
+          </a:ln>
+          <a:effectLst>
+            <a:outerShdw blurRad="50800" dist="38100" dir="5400000" algn="t" rotWithShape="0">
+              <a:prstClr val="black">
+                <a:alpha val="40000"/>
+              </a:prstClr>
+            </a:outerShdw>
+          </a:effectLst>
+        </p:spPr>
+        <p:style>
+          <a:lnRef idx="1">
+            <a:schemeClr val="accent1"/>
+          </a:lnRef>
+          <a:fillRef idx="0">
+            <a:schemeClr val="accent1"/>
+          </a:fillRef>
+          <a:effectRef idx="0">
+            <a:schemeClr val="accent1"/>
+          </a:effectRef>
+          <a:fontRef idx="minor">
+            <a:schemeClr val="tx1"/>
+          </a:fontRef>
+        </p:style>
+      </p:cxnSp>
+      <p:cxnSp>
+        <p:nvCxnSpPr>
+          <p:cNvPr id="18" name="직선 연결선 17"/>
+          <p:cNvCxnSpPr/>
+          <p:nvPr/>
+        </p:nvCxnSpPr>
+        <p:spPr>
+          <a:xfrm>
+            <a:off x="1026522" y="989148"/>
+            <a:ext cx="2160000" cy="0"/>
+          </a:xfrm>
+          <a:prstGeom prst="line">
+            <a:avLst/>
+          </a:prstGeom>
+          <a:ln>
+            <a:solidFill>
+              <a:schemeClr val="bg1">
+                <a:lumMod val="50000"/>
+              </a:schemeClr>
+            </a:solidFill>
+          </a:ln>
+        </p:spPr>
+        <p:style>
+          <a:lnRef idx="1">
+            <a:schemeClr val="accent1"/>
+          </a:lnRef>
+          <a:fillRef idx="0">
+            <a:schemeClr val="accent1"/>
+          </a:fillRef>
+          <a:effectRef idx="0">
+            <a:schemeClr val="accent1"/>
+          </a:effectRef>
+          <a:fontRef idx="minor">
+            <a:schemeClr val="tx1"/>
+          </a:fontRef>
+        </p:style>
+      </p:cxnSp>
+      <p:sp>
+        <p:nvSpPr>
+          <p:cNvPr id="19" name="TextBox 18"/>
+          <p:cNvSpPr txBox="1"/>
+          <p:nvPr/>
+        </p:nvSpPr>
+        <p:spPr>
+          <a:xfrm>
+            <a:off x="973840" y="437391"/>
+            <a:ext cx="2265364" cy="584775"/>
+          </a:xfrm>
+          <a:prstGeom prst="rect">
+            <a:avLst/>
+          </a:prstGeom>
+          <a:noFill/>
+        </p:spPr>
+        <p:txBody>
+          <a:bodyPr wrap="none" rtlCol="0">
+            <a:spAutoFit/>
+          </a:bodyPr>
+          <a:lstStyle/>
+          <a:p>
+            <a:pPr algn="ctr"/>
+            <a:r>
+              <a:rPr lang="ko-KR" altLang="en-US" sz="3200" spc="-150">
+                <a:solidFill>
+                  <a:srgbClr val="00002F"/>
+                </a:solidFill>
+                <a:latin typeface="+mn-ea"/>
+              </a:rPr>
+              <a:t>연관성 분석</a:t>
+            </a:r>
+            <a:endParaRPr lang="ko-KR" altLang="en-US" sz="3200" spc="-150" dirty="0">
+              <a:solidFill>
+                <a:srgbClr val="00002F"/>
+              </a:solidFill>
+              <a:latin typeface="+mn-ea"/>
+            </a:endParaRPr>
+          </a:p>
+        </p:txBody>
+      </p:sp>
+      <p:sp>
+        <p:nvSpPr>
+          <p:cNvPr id="20" name="TextBox 19"/>
+          <p:cNvSpPr txBox="1"/>
+          <p:nvPr/>
+        </p:nvSpPr>
+        <p:spPr>
+          <a:xfrm>
+            <a:off x="495607" y="498947"/>
+            <a:ext cx="534121" cy="461665"/>
+          </a:xfrm>
+          <a:prstGeom prst="rect">
+            <a:avLst/>
+          </a:prstGeom>
+          <a:noFill/>
+        </p:spPr>
+        <p:txBody>
+          <a:bodyPr wrap="none" rtlCol="0">
+            <a:spAutoFit/>
+          </a:bodyPr>
+          <a:lstStyle/>
+          <a:p>
+            <a:pPr algn="ctr"/>
+            <a:r>
+              <a:rPr lang="en-US" altLang="ko-KR" sz="2400" spc="-150" dirty="0">
+                <a:solidFill>
+                  <a:srgbClr val="00002F"/>
+                </a:solidFill>
+                <a:latin typeface="+mn-ea"/>
+              </a:rPr>
+              <a:t>03.</a:t>
+            </a:r>
+            <a:endParaRPr lang="ko-KR" altLang="en-US" sz="2400" spc="-150" dirty="0">
+              <a:solidFill>
+                <a:srgbClr val="00002F"/>
+              </a:solidFill>
+              <a:latin typeface="+mn-ea"/>
+            </a:endParaRPr>
+          </a:p>
+        </p:txBody>
+      </p:sp>
+      <p:sp>
+        <p:nvSpPr>
+          <p:cNvPr id="21" name="TextBox 20"/>
+          <p:cNvSpPr txBox="1"/>
+          <p:nvPr/>
+        </p:nvSpPr>
+        <p:spPr>
+          <a:xfrm>
+            <a:off x="973840" y="1017685"/>
+            <a:ext cx="3757888" cy="369332"/>
+          </a:xfrm>
+          <a:prstGeom prst="rect">
+            <a:avLst/>
+          </a:prstGeom>
+          <a:noFill/>
+        </p:spPr>
+        <p:txBody>
+          <a:bodyPr wrap="none" rtlCol="0">
+            <a:spAutoFit/>
+          </a:bodyPr>
+          <a:lstStyle/>
+          <a:p>
+            <a:pPr algn="ctr"/>
+            <a:r>
+              <a:rPr lang="en-US" altLang="ko-KR" spc="-150" dirty="0">
+                <a:solidFill>
+                  <a:srgbClr val="00002F"/>
+                </a:solidFill>
+                <a:latin typeface="+mn-ea"/>
+              </a:rPr>
+              <a:t>Explosives </a:t>
+            </a:r>
+            <a:r>
+              <a:rPr lang="ko-KR" altLang="en-US" spc="-150" dirty="0">
+                <a:solidFill>
+                  <a:srgbClr val="00002F"/>
+                </a:solidFill>
+                <a:latin typeface="+mn-ea"/>
+              </a:rPr>
+              <a:t>집중 분석</a:t>
+            </a:r>
+            <a:r>
+              <a:rPr lang="en-US" altLang="ko-KR" spc="-150" dirty="0">
+                <a:solidFill>
+                  <a:srgbClr val="00002F"/>
+                </a:solidFill>
+                <a:latin typeface="+mn-ea"/>
+              </a:rPr>
+              <a:t>(2001~2005 / Africa)</a:t>
+            </a:r>
+            <a:endParaRPr lang="ko-KR" altLang="en-US" spc="-150" dirty="0">
+              <a:solidFill>
+                <a:srgbClr val="00002F"/>
+              </a:solidFill>
+              <a:latin typeface="+mn-ea"/>
+            </a:endParaRPr>
+          </a:p>
+        </p:txBody>
+      </p:sp>
+      <p:pic>
+        <p:nvPicPr>
+          <p:cNvPr id="2" name="그림 1">
+            <a:extLst>
+              <a:ext uri="{FF2B5EF4-FFF2-40B4-BE49-F238E27FC236}">
+                <a16:creationId xmlns:a16="http://schemas.microsoft.com/office/drawing/2014/main" id="{1C514853-3692-4C6E-93DC-1344C30FB4F1}"/>
+              </a:ext>
+            </a:extLst>
+          </p:cNvPr>
+          <p:cNvPicPr>
+            <a:picLocks noChangeAspect="1"/>
+          </p:cNvPicPr>
+          <p:nvPr/>
+        </p:nvPicPr>
+        <p:blipFill>
+          <a:blip r:embed="rId2"/>
+          <a:stretch>
+            <a:fillRect/>
+          </a:stretch>
+        </p:blipFill>
+        <p:spPr>
+          <a:xfrm>
+            <a:off x="1026522" y="1733434"/>
+            <a:ext cx="5262787" cy="4870566"/>
+          </a:xfrm>
+          <a:prstGeom prst="rect">
+            <a:avLst/>
+          </a:prstGeom>
+        </p:spPr>
+      </p:pic>
+      <p:pic>
+        <p:nvPicPr>
+          <p:cNvPr id="3" name="그림 2">
+            <a:extLst>
+              <a:ext uri="{FF2B5EF4-FFF2-40B4-BE49-F238E27FC236}">
+                <a16:creationId xmlns:a16="http://schemas.microsoft.com/office/drawing/2014/main" id="{3F13E66A-77FF-4091-875A-C11DF44644C8}"/>
+              </a:ext>
+            </a:extLst>
+          </p:cNvPr>
+          <p:cNvPicPr>
+            <a:picLocks noChangeAspect="1"/>
+          </p:cNvPicPr>
+          <p:nvPr/>
+        </p:nvPicPr>
+        <p:blipFill>
+          <a:blip r:embed="rId3"/>
+          <a:stretch>
+            <a:fillRect/>
+          </a:stretch>
+        </p:blipFill>
+        <p:spPr>
+          <a:xfrm>
+            <a:off x="6670657" y="2026641"/>
+            <a:ext cx="4868566" cy="1402359"/>
+          </a:xfrm>
+          <a:prstGeom prst="rect">
+            <a:avLst/>
+          </a:prstGeom>
+        </p:spPr>
+      </p:pic>
+      <p:pic>
+        <p:nvPicPr>
+          <p:cNvPr id="4" name="그림 3">
+            <a:extLst>
+              <a:ext uri="{FF2B5EF4-FFF2-40B4-BE49-F238E27FC236}">
+                <a16:creationId xmlns:a16="http://schemas.microsoft.com/office/drawing/2014/main" id="{0652ECAB-C5D5-44D9-97B6-6BBF9C43D3F8}"/>
+              </a:ext>
+            </a:extLst>
+          </p:cNvPr>
+          <p:cNvPicPr>
+            <a:picLocks noChangeAspect="1"/>
+          </p:cNvPicPr>
+          <p:nvPr/>
+        </p:nvPicPr>
+        <p:blipFill>
+          <a:blip r:embed="rId4"/>
+          <a:stretch>
+            <a:fillRect/>
+          </a:stretch>
+        </p:blipFill>
+        <p:spPr>
+          <a:xfrm>
+            <a:off x="6704464" y="4116843"/>
+            <a:ext cx="4902373" cy="1371649"/>
+          </a:xfrm>
+          <a:prstGeom prst="rect">
+            <a:avLst/>
+          </a:prstGeom>
+        </p:spPr>
+      </p:pic>
+    </p:spTree>
+    <p:extLst>
+      <p:ext uri="{BB962C8B-B14F-4D97-AF65-F5344CB8AC3E}">
+        <p14:creationId xmlns:p14="http://schemas.microsoft.com/office/powerpoint/2010/main" val="609179157"/>
+      </p:ext>
+    </p:extLst>
+  </p:cSld>
+  <p:clrMapOvr>
+    <a:masterClrMapping/>
+  </p:clrMapOvr>
+</p:sld>
+</file>
+
 <file path=ppt/slides/slide29.xml><?xml version="1.0" encoding="utf-8"?>
 <p:sld xmlns:a="http://schemas.openxmlformats.org/drawingml/2006/main" xmlns:r="http://schemas.openxmlformats.org/officeDocument/2006/relationships" xmlns:p="http://schemas.openxmlformats.org/presentationml/2006/main">
   <p:cSld>
@@ -13316,8 +13210,8 @@
         </p:nvSpPr>
         <p:spPr>
           <a:xfrm>
-            <a:off x="973840" y="1017685"/>
-            <a:ext cx="3757888" cy="369332"/>
+            <a:off x="973840" y="989148"/>
+            <a:ext cx="3947043" cy="369332"/>
           </a:xfrm>
           <a:prstGeom prst="rect">
             <a:avLst/>
@@ -13356,7 +13250,25 @@
                 </a:solidFill>
                 <a:latin typeface="+mn-ea"/>
               </a:rPr>
-              <a:t>(2001~2005 / Africa)</a:t>
+              <a:t>(2001~2005 / </a:t>
+            </a:r>
+            <a:r>
+              <a:rPr lang="ko-KR" altLang="en-US" spc="-150" dirty="0">
+                <a:solidFill>
+                  <a:srgbClr val="00002F"/>
+                </a:solidFill>
+                <a:latin typeface="+mn-ea"/>
+              </a:rPr>
+              <a:t>나머지</a:t>
+            </a:r>
+            <a:r>
+              <a:rPr lang="en-US" altLang="ko-KR" spc="-150" dirty="0">
+                <a:solidFill>
+                  <a:srgbClr val="00002F"/>
+                </a:solidFill>
+                <a:latin typeface="+mn-ea"/>
+              </a:rPr>
+              <a:t>)</a:t>
             </a:r>
             <a:endParaRPr lang="ko-KR" altLang="en-US" spc="-150" dirty="0">
               <a:solidFill>
@@ -13364,6 +13276,150 @@
               </a:solidFill>
               <a:latin typeface="+mn-ea"/>
             </a:endParaRPr>
+          </a:p>
+        </p:txBody>
+      </p:sp>
+      <p:sp>
+        <p:nvSpPr>
+          <p:cNvPr id="37" name="TextBox 36">
+            <a:extLst>
+              <a:ext uri="{FF2B5EF4-FFF2-40B4-BE49-F238E27FC236}">
+                <a16:creationId xmlns:a16="http://schemas.microsoft.com/office/drawing/2014/main" id="{0EC21840-4560-4987-9FAA-BA24A99609D7}"/>
+              </a:ext>
+            </a:extLst>
+          </p:cNvPr>
+          <p:cNvSpPr txBox="1"/>
+          <p:nvPr/>
+        </p:nvSpPr>
+        <p:spPr>
+          <a:xfrm>
+            <a:off x="382684" y="2296066"/>
+            <a:ext cx="912366" cy="369332"/>
+          </a:xfrm>
+          <a:prstGeom prst="rect">
+            <a:avLst/>
+          </a:prstGeom>
+          <a:noFill/>
+        </p:spPr>
+        <p:txBody>
+          <a:bodyPr wrap="none" rtlCol="0">
+            <a:spAutoFit/>
+          </a:bodyPr>
+          <a:lstStyle/>
+          <a:p>
+            <a:r>
+              <a:rPr lang="en-US" altLang="ko-KR" dirty="0"/>
+              <a:t>degree</a:t>
+            </a:r>
+            <a:endParaRPr lang="ko-KR" altLang="en-US" dirty="0"/>
+          </a:p>
+        </p:txBody>
+      </p:sp>
+      <p:sp>
+        <p:nvSpPr>
+          <p:cNvPr id="38" name="TextBox 37">
+            <a:extLst>
+              <a:ext uri="{FF2B5EF4-FFF2-40B4-BE49-F238E27FC236}">
+                <a16:creationId xmlns:a16="http://schemas.microsoft.com/office/drawing/2014/main" id="{DE5F5B37-3F4D-4C42-9356-B7B2D3DBAA76}"/>
+              </a:ext>
+            </a:extLst>
+          </p:cNvPr>
+          <p:cNvSpPr txBox="1"/>
+          <p:nvPr/>
+        </p:nvSpPr>
+        <p:spPr>
+          <a:xfrm>
+            <a:off x="284869" y="4522799"/>
+            <a:ext cx="1107996" cy="369332"/>
+          </a:xfrm>
+          <a:prstGeom prst="rect">
+            <a:avLst/>
+          </a:prstGeom>
+          <a:noFill/>
+        </p:spPr>
+        <p:txBody>
+          <a:bodyPr wrap="none" rtlCol="0">
+            <a:spAutoFit/>
+          </a:bodyPr>
+          <a:lstStyle/>
+          <a:p>
+            <a:r>
+              <a:rPr lang="ko-KR" altLang="en-US"/>
+              <a:t>고유벡터</a:t>
+            </a:r>
+            <a:endParaRPr lang="ko-KR" altLang="en-US" dirty="0"/>
+          </a:p>
+        </p:txBody>
+      </p:sp>
+      <p:sp>
+        <p:nvSpPr>
+          <p:cNvPr id="40" name="TextBox 39">
+            <a:extLst>
+              <a:ext uri="{FF2B5EF4-FFF2-40B4-BE49-F238E27FC236}">
+                <a16:creationId xmlns:a16="http://schemas.microsoft.com/office/drawing/2014/main" id="{870E21CC-A373-4991-A633-2B871628F500}"/>
+              </a:ext>
+            </a:extLst>
+          </p:cNvPr>
+          <p:cNvSpPr txBox="1"/>
+          <p:nvPr/>
+        </p:nvSpPr>
+        <p:spPr>
+          <a:xfrm>
+            <a:off x="2632524" y="5840315"/>
+            <a:ext cx="580608" cy="369332"/>
+          </a:xfrm>
+          <a:prstGeom prst="rect">
+            <a:avLst/>
+          </a:prstGeom>
+          <a:noFill/>
+        </p:spPr>
+        <p:txBody>
+          <a:bodyPr wrap="none" rtlCol="0">
+            <a:spAutoFit/>
+          </a:bodyPr>
+          <a:lstStyle/>
+          <a:p>
+            <a:r>
+              <a:rPr lang="en-US" altLang="ko-KR" dirty="0" err="1"/>
+              <a:t>asia</a:t>
+            </a:r>
+            <a:endParaRPr lang="ko-KR" altLang="en-US" dirty="0"/>
+          </a:p>
+        </p:txBody>
+      </p:sp>
+      <p:sp>
+        <p:nvSpPr>
+          <p:cNvPr id="43" name="TextBox 42">
+            <a:extLst>
+              <a:ext uri="{FF2B5EF4-FFF2-40B4-BE49-F238E27FC236}">
+                <a16:creationId xmlns:a16="http://schemas.microsoft.com/office/drawing/2014/main" id="{7205AC27-8ED3-4E94-961F-EEFD6990F4B6}"/>
+              </a:ext>
+            </a:extLst>
+          </p:cNvPr>
+          <p:cNvSpPr txBox="1"/>
+          <p:nvPr/>
+        </p:nvSpPr>
+        <p:spPr>
+          <a:xfrm>
+            <a:off x="8443377" y="5840315"/>
+            <a:ext cx="918778" cy="369332"/>
+          </a:xfrm>
+          <a:prstGeom prst="rect">
+            <a:avLst/>
+          </a:prstGeom>
+          <a:noFill/>
+        </p:spPr>
+        <p:txBody>
+          <a:bodyPr wrap="none" rtlCol="0">
+            <a:spAutoFit/>
+          </a:bodyPr>
+          <a:lstStyle/>
+          <a:p>
+            <a:r>
+              <a:rPr lang="en-US" altLang="ko-KR" dirty="0" err="1"/>
+              <a:t>europe</a:t>
+            </a:r>
+            <a:endParaRPr lang="ko-KR" altLang="en-US" dirty="0"/>
           </a:p>
         </p:txBody>
       </p:sp>
@@ -13372,7 +13428,7 @@
           <p:cNvPr id="2" name="그림 1">
             <a:extLst>
               <a:ext uri="{FF2B5EF4-FFF2-40B4-BE49-F238E27FC236}">
-                <a16:creationId xmlns:a16="http://schemas.microsoft.com/office/drawing/2014/main" id="{1C514853-3692-4C6E-93DC-1344C30FB4F1}"/>
+                <a16:creationId xmlns:a16="http://schemas.microsoft.com/office/drawing/2014/main" id="{F84AAE56-72B8-4D85-96B6-1D912B25A462}"/>
               </a:ext>
             </a:extLst>
           </p:cNvPr>
@@ -13389,8 +13445,8 @@
         </p:blipFill>
         <p:spPr>
           <a:xfrm>
-            <a:off x="1026522" y="1733434"/>
-            <a:ext cx="5262787" cy="4870566"/>
+            <a:off x="1551703" y="4217956"/>
+            <a:ext cx="4253288" cy="979018"/>
           </a:xfrm>
           <a:prstGeom prst="rect">
             <a:avLst/>
@@ -13402,7 +13458,7 @@
           <p:cNvPr id="3" name="그림 2">
             <a:extLst>
               <a:ext uri="{FF2B5EF4-FFF2-40B4-BE49-F238E27FC236}">
-                <a16:creationId xmlns:a16="http://schemas.microsoft.com/office/drawing/2014/main" id="{3F13E66A-77FF-4091-875A-C11DF44644C8}"/>
+                <a16:creationId xmlns:a16="http://schemas.microsoft.com/office/drawing/2014/main" id="{854E48B4-DE72-4213-B8E7-EC6B5BD5254E}"/>
               </a:ext>
             </a:extLst>
           </p:cNvPr>
@@ -13419,8 +13475,8 @@
         </p:blipFill>
         <p:spPr>
           <a:xfrm>
-            <a:off x="6670657" y="2026641"/>
-            <a:ext cx="4868566" cy="1402359"/>
+            <a:off x="1551703" y="2118262"/>
+            <a:ext cx="4515251" cy="1060211"/>
           </a:xfrm>
           <a:prstGeom prst="rect">
             <a:avLst/>
@@ -13432,7 +13488,7 @@
           <p:cNvPr id="4" name="그림 3">
             <a:extLst>
               <a:ext uri="{FF2B5EF4-FFF2-40B4-BE49-F238E27FC236}">
-                <a16:creationId xmlns:a16="http://schemas.microsoft.com/office/drawing/2014/main" id="{0652ECAB-C5D5-44D9-97B6-6BBF9C43D3F8}"/>
+                <a16:creationId xmlns:a16="http://schemas.microsoft.com/office/drawing/2014/main" id="{A7E876B6-83EC-4EB9-94FB-8DFDF79B56D0}"/>
               </a:ext>
             </a:extLst>
           </p:cNvPr>
@@ -13449,8 +13505,38 @@
         </p:blipFill>
         <p:spPr>
           <a:xfrm>
-            <a:off x="6704464" y="4116843"/>
-            <a:ext cx="4902373" cy="1371649"/>
+            <a:off x="6678412" y="2117465"/>
+            <a:ext cx="4607614" cy="1095865"/>
+          </a:xfrm>
+          <a:prstGeom prst="rect">
+            <a:avLst/>
+          </a:prstGeom>
+        </p:spPr>
+      </p:pic>
+      <p:pic>
+        <p:nvPicPr>
+          <p:cNvPr id="5" name="그림 4">
+            <a:extLst>
+              <a:ext uri="{FF2B5EF4-FFF2-40B4-BE49-F238E27FC236}">
+                <a16:creationId xmlns:a16="http://schemas.microsoft.com/office/drawing/2014/main" id="{3FB7591F-7898-4F82-9A25-EDFB6D5A2B6D}"/>
+              </a:ext>
+            </a:extLst>
+          </p:cNvPr>
+          <p:cNvPicPr>
+            <a:picLocks noChangeAspect="1"/>
+          </p:cNvPicPr>
+          <p:nvPr/>
+        </p:nvPicPr>
+        <p:blipFill>
+          <a:blip r:embed="rId5"/>
+          <a:stretch>
+            <a:fillRect/>
+          </a:stretch>
+        </p:blipFill>
+        <p:spPr>
+          <a:xfrm>
+            <a:off x="6386270" y="4090531"/>
+            <a:ext cx="5327322" cy="1208259"/>
           </a:xfrm>
           <a:prstGeom prst="rect">
             <a:avLst/>
@@ -13460,7 +13546,7 @@
     </p:spTree>
     <p:extLst>
       <p:ext uri="{BB962C8B-B14F-4D97-AF65-F5344CB8AC3E}">
-        <p14:creationId xmlns:p14="http://schemas.microsoft.com/office/powerpoint/2010/main" val="609179157"/>
+        <p14:creationId xmlns:p14="http://schemas.microsoft.com/office/powerpoint/2010/main" val="200925311"/>
       </p:ext>
     </p:extLst>
   </p:cSld>
@@ -13912,8 +13998,8 @@
         </p:nvSpPr>
         <p:spPr>
           <a:xfrm>
-            <a:off x="973840" y="989148"/>
-            <a:ext cx="3947043" cy="369332"/>
+            <a:off x="948440" y="989148"/>
+            <a:ext cx="3115084" cy="369332"/>
           </a:xfrm>
           <a:prstGeom prst="rect">
             <a:avLst/>
@@ -13952,25 +14038,7 @@
                 </a:solidFill>
                 <a:latin typeface="+mn-ea"/>
               </a:rPr>
-              <a:t>(2001~2005 / </a:t>
-            </a:r>
-            <a:r>
-              <a:rPr lang="ko-KR" altLang="en-US" spc="-150" dirty="0">
-                <a:solidFill>
-                  <a:srgbClr val="00002F"/>
-                </a:solidFill>
-                <a:latin typeface="+mn-ea"/>
-              </a:rPr>
-              <a:t>나머지</a:t>
-            </a:r>
-            <a:r>
-              <a:rPr lang="en-US" altLang="ko-KR" spc="-150" dirty="0">
-                <a:solidFill>
-                  <a:srgbClr val="00002F"/>
-                </a:solidFill>
-                <a:latin typeface="+mn-ea"/>
-              </a:rPr>
-              <a:t>)</a:t>
+              <a:t>(2006~2010)</a:t>
             </a:r>
             <a:endParaRPr lang="ko-KR" altLang="en-US" spc="-150" dirty="0">
               <a:solidFill>
@@ -13983,10 +14051,10 @@
       </p:sp>
       <p:sp>
         <p:nvSpPr>
-          <p:cNvPr id="37" name="TextBox 36">
+          <p:cNvPr id="26" name="TextBox 25">
             <a:extLst>
               <a:ext uri="{FF2B5EF4-FFF2-40B4-BE49-F238E27FC236}">
-                <a16:creationId xmlns:a16="http://schemas.microsoft.com/office/drawing/2014/main" id="{0EC21840-4560-4987-9FAA-BA24A99609D7}"/>
+                <a16:creationId xmlns:a16="http://schemas.microsoft.com/office/drawing/2014/main" id="{1961F787-7380-47DC-9F57-28C3C96F020B}"/>
               </a:ext>
             </a:extLst>
           </p:cNvPr>
@@ -13995,7 +14063,7 @@
         </p:nvSpPr>
         <p:spPr>
           <a:xfrm>
-            <a:off x="382684" y="2296066"/>
+            <a:off x="198823" y="2209986"/>
             <a:ext cx="912366" cy="369332"/>
           </a:xfrm>
           <a:prstGeom prst="rect">
@@ -14019,10 +14087,10 @@
       </p:sp>
       <p:sp>
         <p:nvSpPr>
-          <p:cNvPr id="38" name="TextBox 37">
+          <p:cNvPr id="27" name="TextBox 26">
             <a:extLst>
               <a:ext uri="{FF2B5EF4-FFF2-40B4-BE49-F238E27FC236}">
-                <a16:creationId xmlns:a16="http://schemas.microsoft.com/office/drawing/2014/main" id="{DE5F5B37-3F4D-4C42-9356-B7B2D3DBAA76}"/>
+                <a16:creationId xmlns:a16="http://schemas.microsoft.com/office/drawing/2014/main" id="{E66EAEAC-308D-41E5-A01F-F9D6D06F1952}"/>
               </a:ext>
             </a:extLst>
           </p:cNvPr>
@@ -14031,7 +14099,7 @@
         </p:nvSpPr>
         <p:spPr>
           <a:xfrm>
-            <a:off x="284869" y="4522799"/>
+            <a:off x="198823" y="4458124"/>
             <a:ext cx="1107996" cy="369332"/>
           </a:xfrm>
           <a:prstGeom prst="rect">
@@ -14055,10 +14123,10 @@
       </p:sp>
       <p:sp>
         <p:nvSpPr>
-          <p:cNvPr id="40" name="TextBox 39">
+          <p:cNvPr id="28" name="TextBox 27">
             <a:extLst>
               <a:ext uri="{FF2B5EF4-FFF2-40B4-BE49-F238E27FC236}">
-                <a16:creationId xmlns:a16="http://schemas.microsoft.com/office/drawing/2014/main" id="{870E21CC-A373-4991-A633-2B871628F500}"/>
+                <a16:creationId xmlns:a16="http://schemas.microsoft.com/office/drawing/2014/main" id="{26488821-58E3-438A-B752-A6926E9A65DC}"/>
               </a:ext>
             </a:extLst>
           </p:cNvPr>
@@ -14067,7 +14135,7 @@
         </p:nvSpPr>
         <p:spPr>
           <a:xfrm>
-            <a:off x="2632524" y="5840315"/>
+            <a:off x="7035531" y="5525623"/>
             <a:ext cx="580608" cy="369332"/>
           </a:xfrm>
           <a:prstGeom prst="rect">
@@ -14091,10 +14159,10 @@
       </p:sp>
       <p:sp>
         <p:nvSpPr>
-          <p:cNvPr id="43" name="TextBox 42">
+          <p:cNvPr id="29" name="TextBox 28">
             <a:extLst>
               <a:ext uri="{FF2B5EF4-FFF2-40B4-BE49-F238E27FC236}">
-                <a16:creationId xmlns:a16="http://schemas.microsoft.com/office/drawing/2014/main" id="{7205AC27-8ED3-4E94-961F-EEFD6990F4B6}"/>
+                <a16:creationId xmlns:a16="http://schemas.microsoft.com/office/drawing/2014/main" id="{6D0EEBDB-297C-4B96-BA02-6AAFEE4CBA17}"/>
               </a:ext>
             </a:extLst>
           </p:cNvPr>
@@ -14103,7 +14171,7 @@
         </p:nvSpPr>
         <p:spPr>
           <a:xfrm>
-            <a:off x="8443377" y="5840315"/>
+            <a:off x="10367248" y="5551023"/>
             <a:ext cx="918778" cy="369332"/>
           </a:xfrm>
           <a:prstGeom prst="rect">
@@ -14120,6 +14188,42 @@
             <a:r>
               <a:rPr lang="en-US" altLang="ko-KR" dirty="0" err="1"/>
               <a:t>europe</a:t>
+            </a:r>
+            <a:endParaRPr lang="ko-KR" altLang="en-US" dirty="0"/>
+          </a:p>
+        </p:txBody>
+      </p:sp>
+      <p:sp>
+        <p:nvSpPr>
+          <p:cNvPr id="30" name="TextBox 29">
+            <a:extLst>
+              <a:ext uri="{FF2B5EF4-FFF2-40B4-BE49-F238E27FC236}">
+                <a16:creationId xmlns:a16="http://schemas.microsoft.com/office/drawing/2014/main" id="{13555459-78C2-4106-827B-542B847BA90B}"/>
+              </a:ext>
+            </a:extLst>
+          </p:cNvPr>
+          <p:cNvSpPr txBox="1"/>
+          <p:nvPr/>
+        </p:nvSpPr>
+        <p:spPr>
+          <a:xfrm>
+            <a:off x="2525472" y="5729578"/>
+            <a:ext cx="745717" cy="369332"/>
+          </a:xfrm>
+          <a:prstGeom prst="rect">
+            <a:avLst/>
+          </a:prstGeom>
+          <a:noFill/>
+        </p:spPr>
+        <p:txBody>
+          <a:bodyPr wrap="none" rtlCol="0">
+            <a:spAutoFit/>
+          </a:bodyPr>
+          <a:lstStyle/>
+          <a:p>
+            <a:r>
+              <a:rPr lang="en-US" altLang="ko-KR" dirty="0" err="1"/>
+              <a:t>africa</a:t>
             </a:r>
             <a:endParaRPr lang="ko-KR" altLang="en-US" dirty="0"/>
           </a:p>
@@ -14130,7 +14234,7 @@
           <p:cNvPr id="2" name="그림 1">
             <a:extLst>
               <a:ext uri="{FF2B5EF4-FFF2-40B4-BE49-F238E27FC236}">
-                <a16:creationId xmlns:a16="http://schemas.microsoft.com/office/drawing/2014/main" id="{F84AAE56-72B8-4D85-96B6-1D912B25A462}"/>
+                <a16:creationId xmlns:a16="http://schemas.microsoft.com/office/drawing/2014/main" id="{F331C8E4-AE6F-4489-8A70-3FAD9B7808DD}"/>
               </a:ext>
             </a:extLst>
           </p:cNvPr>
@@ -14147,8 +14251,8 @@
         </p:blipFill>
         <p:spPr>
           <a:xfrm>
-            <a:off x="1551703" y="4217956"/>
-            <a:ext cx="4253288" cy="979018"/>
+            <a:off x="1225276" y="4228394"/>
+            <a:ext cx="3561068" cy="828791"/>
           </a:xfrm>
           <a:prstGeom prst="rect">
             <a:avLst/>
@@ -14160,7 +14264,7 @@
           <p:cNvPr id="3" name="그림 2">
             <a:extLst>
               <a:ext uri="{FF2B5EF4-FFF2-40B4-BE49-F238E27FC236}">
-                <a16:creationId xmlns:a16="http://schemas.microsoft.com/office/drawing/2014/main" id="{854E48B4-DE72-4213-B8E7-EC6B5BD5254E}"/>
+                <a16:creationId xmlns:a16="http://schemas.microsoft.com/office/drawing/2014/main" id="{2C2D6CC3-0B7F-4869-9BE3-27817CDD5813}"/>
               </a:ext>
             </a:extLst>
           </p:cNvPr>
@@ -14177,8 +14281,8 @@
         </p:blipFill>
         <p:spPr>
           <a:xfrm>
-            <a:off x="1551703" y="2118262"/>
-            <a:ext cx="4515251" cy="1060211"/>
+            <a:off x="1140046" y="2012014"/>
+            <a:ext cx="3561068" cy="868315"/>
           </a:xfrm>
           <a:prstGeom prst="rect">
             <a:avLst/>
@@ -14190,7 +14294,7 @@
           <p:cNvPr id="4" name="그림 3">
             <a:extLst>
               <a:ext uri="{FF2B5EF4-FFF2-40B4-BE49-F238E27FC236}">
-                <a16:creationId xmlns:a16="http://schemas.microsoft.com/office/drawing/2014/main" id="{A7E876B6-83EC-4EB9-94FB-8DFDF79B56D0}"/>
+                <a16:creationId xmlns:a16="http://schemas.microsoft.com/office/drawing/2014/main" id="{FFB8D932-F5B9-4097-97EE-C5522F65C8DF}"/>
               </a:ext>
             </a:extLst>
           </p:cNvPr>
@@ -14207,8 +14311,8 @@
         </p:blipFill>
         <p:spPr>
           <a:xfrm>
-            <a:off x="6678412" y="2117465"/>
-            <a:ext cx="4607614" cy="1095865"/>
+            <a:off x="4914822" y="2036062"/>
+            <a:ext cx="3286372" cy="772742"/>
           </a:xfrm>
           <a:prstGeom prst="rect">
             <a:avLst/>
@@ -14220,7 +14324,7 @@
           <p:cNvPr id="5" name="그림 4">
             <a:extLst>
               <a:ext uri="{FF2B5EF4-FFF2-40B4-BE49-F238E27FC236}">
-                <a16:creationId xmlns:a16="http://schemas.microsoft.com/office/drawing/2014/main" id="{3FB7591F-7898-4F82-9A25-EDFB6D5A2B6D}"/>
+                <a16:creationId xmlns:a16="http://schemas.microsoft.com/office/drawing/2014/main" id="{6ED13769-5EE6-4324-AF63-A1E52BF79A7F}"/>
               </a:ext>
             </a:extLst>
           </p:cNvPr>
@@ -14237,8 +14341,68 @@
         </p:blipFill>
         <p:spPr>
           <a:xfrm>
-            <a:off x="6386270" y="4090531"/>
-            <a:ext cx="5327322" cy="1208259"/>
+            <a:off x="4981700" y="4325946"/>
+            <a:ext cx="3286372" cy="731239"/>
+          </a:xfrm>
+          <a:prstGeom prst="rect">
+            <a:avLst/>
+          </a:prstGeom>
+        </p:spPr>
+      </p:pic>
+      <p:pic>
+        <p:nvPicPr>
+          <p:cNvPr id="6" name="그림 5">
+            <a:extLst>
+              <a:ext uri="{FF2B5EF4-FFF2-40B4-BE49-F238E27FC236}">
+                <a16:creationId xmlns:a16="http://schemas.microsoft.com/office/drawing/2014/main" id="{97294152-2FBA-42F3-8715-1843FD2619BB}"/>
+              </a:ext>
+            </a:extLst>
+          </p:cNvPr>
+          <p:cNvPicPr>
+            <a:picLocks noChangeAspect="1"/>
+          </p:cNvPicPr>
+          <p:nvPr/>
+        </p:nvPicPr>
+        <p:blipFill>
+          <a:blip r:embed="rId6"/>
+          <a:stretch>
+            <a:fillRect/>
+          </a:stretch>
+        </p:blipFill>
+        <p:spPr>
+          <a:xfrm>
+            <a:off x="8528568" y="4325946"/>
+            <a:ext cx="3545024" cy="820858"/>
+          </a:xfrm>
+          <a:prstGeom prst="rect">
+            <a:avLst/>
+          </a:prstGeom>
+        </p:spPr>
+      </p:pic>
+      <p:pic>
+        <p:nvPicPr>
+          <p:cNvPr id="7" name="그림 6">
+            <a:extLst>
+              <a:ext uri="{FF2B5EF4-FFF2-40B4-BE49-F238E27FC236}">
+                <a16:creationId xmlns:a16="http://schemas.microsoft.com/office/drawing/2014/main" id="{E4F74A4D-B561-4C25-A191-11A72A7BE874}"/>
+              </a:ext>
+            </a:extLst>
+          </p:cNvPr>
+          <p:cNvPicPr>
+            <a:picLocks noChangeAspect="1"/>
+          </p:cNvPicPr>
+          <p:nvPr/>
+        </p:nvPicPr>
+        <p:blipFill>
+          <a:blip r:embed="rId7"/>
+          <a:stretch>
+            <a:fillRect/>
+          </a:stretch>
+        </p:blipFill>
+        <p:spPr>
+          <a:xfrm>
+            <a:off x="8449382" y="2036062"/>
+            <a:ext cx="3543795" cy="857370"/>
           </a:xfrm>
           <a:prstGeom prst="rect">
             <a:avLst/>
@@ -14248,7 +14412,7 @@
     </p:spTree>
     <p:extLst>
       <p:ext uri="{BB962C8B-B14F-4D97-AF65-F5344CB8AC3E}">
-        <p14:creationId xmlns:p14="http://schemas.microsoft.com/office/powerpoint/2010/main" val="200925311"/>
+        <p14:creationId xmlns:p14="http://schemas.microsoft.com/office/powerpoint/2010/main" val="748936393"/>
       </p:ext>
     </p:extLst>
   </p:cSld>
@@ -14574,8 +14738,8 @@
         </p:nvSpPr>
         <p:spPr>
           <a:xfrm>
-            <a:off x="948440" y="989148"/>
-            <a:ext cx="3115084" cy="369332"/>
+            <a:off x="948439" y="989148"/>
+            <a:ext cx="3115085" cy="369332"/>
           </a:xfrm>
           <a:prstGeom prst="rect">
             <a:avLst/>
@@ -14614,7 +14778,7 @@
                 </a:solidFill>
                 <a:latin typeface="+mn-ea"/>
               </a:rPr>
-              <a:t>(2006~2010)</a:t>
+              <a:t>(2011~2015)</a:t>
             </a:r>
             <a:endParaRPr lang="ko-KR" altLang="en-US" spc="-150" dirty="0">
               <a:solidFill>
@@ -14675,7 +14839,7 @@
         </p:nvSpPr>
         <p:spPr>
           <a:xfrm>
-            <a:off x="198823" y="4458124"/>
+            <a:off x="101008" y="4458123"/>
             <a:ext cx="1107996" cy="369332"/>
           </a:xfrm>
           <a:prstGeom prst="rect">
@@ -14690,10 +14854,9 @@
           <a:lstStyle/>
           <a:p>
             <a:r>
-              <a:rPr lang="ko-KR" altLang="en-US"/>
+              <a:rPr lang="ko-KR" altLang="en-US" dirty="0"/>
               <a:t>고유벡터</a:t>
             </a:r>
-            <a:endParaRPr lang="ko-KR" altLang="en-US" dirty="0"/>
           </a:p>
         </p:txBody>
       </p:sp>
@@ -14711,7 +14874,7 @@
         </p:nvSpPr>
         <p:spPr>
           <a:xfrm>
-            <a:off x="7035531" y="5525623"/>
+            <a:off x="5890363" y="5732631"/>
             <a:ext cx="580608" cy="369332"/>
           </a:xfrm>
           <a:prstGeom prst="rect">
@@ -14747,7 +14910,7 @@
         </p:nvSpPr>
         <p:spPr>
           <a:xfrm>
-            <a:off x="10367248" y="5551023"/>
+            <a:off x="9662578" y="5729578"/>
             <a:ext cx="918778" cy="369332"/>
           </a:xfrm>
           <a:prstGeom prst="rect">
@@ -14810,7 +14973,7 @@
           <p:cNvPr id="2" name="그림 1">
             <a:extLst>
               <a:ext uri="{FF2B5EF4-FFF2-40B4-BE49-F238E27FC236}">
-                <a16:creationId xmlns:a16="http://schemas.microsoft.com/office/drawing/2014/main" id="{F331C8E4-AE6F-4489-8A70-3FAD9B7808DD}"/>
+                <a16:creationId xmlns:a16="http://schemas.microsoft.com/office/drawing/2014/main" id="{2DA9B494-0B65-4ADA-BD50-35790E484E89}"/>
               </a:ext>
             </a:extLst>
           </p:cNvPr>
@@ -14827,8 +14990,8 @@
         </p:blipFill>
         <p:spPr>
           <a:xfrm>
-            <a:off x="1225276" y="4228394"/>
-            <a:ext cx="3561068" cy="828791"/>
+            <a:off x="1306819" y="1975493"/>
+            <a:ext cx="3496163" cy="838317"/>
           </a:xfrm>
           <a:prstGeom prst="rect">
             <a:avLst/>
@@ -14840,7 +15003,7 @@
           <p:cNvPr id="3" name="그림 2">
             <a:extLst>
               <a:ext uri="{FF2B5EF4-FFF2-40B4-BE49-F238E27FC236}">
-                <a16:creationId xmlns:a16="http://schemas.microsoft.com/office/drawing/2014/main" id="{2C2D6CC3-0B7F-4869-9BE3-27817CDD5813}"/>
+                <a16:creationId xmlns:a16="http://schemas.microsoft.com/office/drawing/2014/main" id="{65E0DC4B-AA51-423B-B4A4-A78148278C2D}"/>
               </a:ext>
             </a:extLst>
           </p:cNvPr>
@@ -14857,8 +15020,8 @@
         </p:blipFill>
         <p:spPr>
           <a:xfrm>
-            <a:off x="1140046" y="2012014"/>
-            <a:ext cx="3561068" cy="868315"/>
+            <a:off x="1209004" y="4228394"/>
+            <a:ext cx="3593978" cy="801734"/>
           </a:xfrm>
           <a:prstGeom prst="rect">
             <a:avLst/>
@@ -14870,7 +15033,7 @@
           <p:cNvPr id="4" name="그림 3">
             <a:extLst>
               <a:ext uri="{FF2B5EF4-FFF2-40B4-BE49-F238E27FC236}">
-                <a16:creationId xmlns:a16="http://schemas.microsoft.com/office/drawing/2014/main" id="{FFB8D932-F5B9-4097-97EE-C5522F65C8DF}"/>
+                <a16:creationId xmlns:a16="http://schemas.microsoft.com/office/drawing/2014/main" id="{EC28B78B-6BCB-47CD-9B84-430F9CF0EB78}"/>
               </a:ext>
             </a:extLst>
           </p:cNvPr>
@@ -14887,8 +15050,8 @@
         </p:blipFill>
         <p:spPr>
           <a:xfrm>
-            <a:off x="4914822" y="2036062"/>
-            <a:ext cx="3286372" cy="772742"/>
+            <a:off x="4932632" y="4228394"/>
+            <a:ext cx="3474179" cy="801734"/>
           </a:xfrm>
           <a:prstGeom prst="rect">
             <a:avLst/>
@@ -14900,7 +15063,7 @@
           <p:cNvPr id="5" name="그림 4">
             <a:extLst>
               <a:ext uri="{FF2B5EF4-FFF2-40B4-BE49-F238E27FC236}">
-                <a16:creationId xmlns:a16="http://schemas.microsoft.com/office/drawing/2014/main" id="{6ED13769-5EE6-4324-AF63-A1E52BF79A7F}"/>
+                <a16:creationId xmlns:a16="http://schemas.microsoft.com/office/drawing/2014/main" id="{A03CEA4B-74A6-4152-BE20-2D0421494447}"/>
               </a:ext>
             </a:extLst>
           </p:cNvPr>
@@ -14917,8 +15080,8 @@
         </p:blipFill>
         <p:spPr>
           <a:xfrm>
-            <a:off x="4981700" y="4325946"/>
-            <a:ext cx="3286372" cy="731239"/>
+            <a:off x="4998612" y="2013598"/>
+            <a:ext cx="3467584" cy="800212"/>
           </a:xfrm>
           <a:prstGeom prst="rect">
             <a:avLst/>
@@ -14930,7 +15093,7 @@
           <p:cNvPr id="6" name="그림 5">
             <a:extLst>
               <a:ext uri="{FF2B5EF4-FFF2-40B4-BE49-F238E27FC236}">
-                <a16:creationId xmlns:a16="http://schemas.microsoft.com/office/drawing/2014/main" id="{97294152-2FBA-42F3-8715-1843FD2619BB}"/>
+                <a16:creationId xmlns:a16="http://schemas.microsoft.com/office/drawing/2014/main" id="{6DDA6D7F-1049-4F56-AA99-6DE037130FF8}"/>
               </a:ext>
             </a:extLst>
           </p:cNvPr>
@@ -14947,8 +15110,8 @@
         </p:blipFill>
         <p:spPr>
           <a:xfrm>
-            <a:off x="8528568" y="4325946"/>
-            <a:ext cx="3545024" cy="820858"/>
+            <a:off x="8752995" y="1994545"/>
+            <a:ext cx="3439005" cy="838317"/>
           </a:xfrm>
           <a:prstGeom prst="rect">
             <a:avLst/>
@@ -14960,7 +15123,7 @@
           <p:cNvPr id="7" name="그림 6">
             <a:extLst>
               <a:ext uri="{FF2B5EF4-FFF2-40B4-BE49-F238E27FC236}">
-                <a16:creationId xmlns:a16="http://schemas.microsoft.com/office/drawing/2014/main" id="{E4F74A4D-B561-4C25-A191-11A72A7BE874}"/>
+                <a16:creationId xmlns:a16="http://schemas.microsoft.com/office/drawing/2014/main" id="{6D4537BB-35CE-4762-8E49-441C3AB22CEB}"/>
               </a:ext>
             </a:extLst>
           </p:cNvPr>
@@ -14977,8 +15140,8 @@
         </p:blipFill>
         <p:spPr>
           <a:xfrm>
-            <a:off x="8449382" y="2036062"/>
-            <a:ext cx="3543795" cy="857370"/>
+            <a:off x="8656179" y="4245726"/>
+            <a:ext cx="3439005" cy="755337"/>
           </a:xfrm>
           <a:prstGeom prst="rect">
             <a:avLst/>
@@ -14988,7 +15151,7 @@
     </p:spTree>
     <p:extLst>
       <p:ext uri="{BB962C8B-B14F-4D97-AF65-F5344CB8AC3E}">
-        <p14:creationId xmlns:p14="http://schemas.microsoft.com/office/powerpoint/2010/main" val="748936393"/>
+        <p14:creationId xmlns:p14="http://schemas.microsoft.com/office/powerpoint/2010/main" val="4153398307"/>
       </p:ext>
     </p:extLst>
   </p:cSld>
@@ -15314,8 +15477,8 @@
         </p:nvSpPr>
         <p:spPr>
           <a:xfrm>
-            <a:off x="948439" y="989148"/>
-            <a:ext cx="3115085" cy="369332"/>
+            <a:off x="945240" y="967054"/>
+            <a:ext cx="3115084" cy="369332"/>
           </a:xfrm>
           <a:prstGeom prst="rect">
             <a:avLst/>
@@ -15354,7 +15517,7 @@
                 </a:solidFill>
                 <a:latin typeface="+mn-ea"/>
               </a:rPr>
-              <a:t>(2011~2015)</a:t>
+              <a:t>(2016~2020)</a:t>
             </a:r>
             <a:endParaRPr lang="ko-KR" altLang="en-US" spc="-150" dirty="0">
               <a:solidFill>
@@ -15367,10 +15530,10 @@
       </p:sp>
       <p:sp>
         <p:nvSpPr>
-          <p:cNvPr id="26" name="TextBox 25">
+          <p:cNvPr id="10" name="TextBox 9">
             <a:extLst>
               <a:ext uri="{FF2B5EF4-FFF2-40B4-BE49-F238E27FC236}">
-                <a16:creationId xmlns:a16="http://schemas.microsoft.com/office/drawing/2014/main" id="{1961F787-7380-47DC-9F57-28C3C96F020B}"/>
+                <a16:creationId xmlns:a16="http://schemas.microsoft.com/office/drawing/2014/main" id="{5BA2FAEB-B451-425F-82AF-1287B9510184}"/>
               </a:ext>
             </a:extLst>
           </p:cNvPr>
@@ -15379,7 +15542,7 @@
         </p:nvSpPr>
         <p:spPr>
           <a:xfrm>
-            <a:off x="198823" y="2209986"/>
+            <a:off x="114156" y="2249261"/>
             <a:ext cx="912366" cy="369332"/>
           </a:xfrm>
           <a:prstGeom prst="rect">
@@ -15403,10 +15566,10 @@
       </p:sp>
       <p:sp>
         <p:nvSpPr>
-          <p:cNvPr id="27" name="TextBox 26">
+          <p:cNvPr id="11" name="TextBox 10">
             <a:extLst>
               <a:ext uri="{FF2B5EF4-FFF2-40B4-BE49-F238E27FC236}">
-                <a16:creationId xmlns:a16="http://schemas.microsoft.com/office/drawing/2014/main" id="{E66EAEAC-308D-41E5-A01F-F9D6D06F1952}"/>
+                <a16:creationId xmlns:a16="http://schemas.microsoft.com/office/drawing/2014/main" id="{A1D31EDF-1DD3-4400-88F7-160E623A63FB}"/>
               </a:ext>
             </a:extLst>
           </p:cNvPr>
@@ -15415,7 +15578,7 @@
         </p:nvSpPr>
         <p:spPr>
           <a:xfrm>
-            <a:off x="101008" y="4458123"/>
+            <a:off x="114156" y="4497399"/>
             <a:ext cx="1107996" cy="369332"/>
           </a:xfrm>
           <a:prstGeom prst="rect">
@@ -15430,18 +15593,19 @@
           <a:lstStyle/>
           <a:p>
             <a:r>
-              <a:rPr lang="ko-KR" altLang="en-US" dirty="0"/>
+              <a:rPr lang="ko-KR" altLang="en-US"/>
               <a:t>고유벡터</a:t>
             </a:r>
+            <a:endParaRPr lang="ko-KR" altLang="en-US" dirty="0"/>
           </a:p>
         </p:txBody>
       </p:sp>
       <p:sp>
         <p:nvSpPr>
-          <p:cNvPr id="28" name="TextBox 27">
+          <p:cNvPr id="12" name="TextBox 11">
             <a:extLst>
               <a:ext uri="{FF2B5EF4-FFF2-40B4-BE49-F238E27FC236}">
-                <a16:creationId xmlns:a16="http://schemas.microsoft.com/office/drawing/2014/main" id="{26488821-58E3-438A-B752-A6926E9A65DC}"/>
+                <a16:creationId xmlns:a16="http://schemas.microsoft.com/office/drawing/2014/main" id="{2A857D9D-1C74-4D3C-B971-5D6DEC426F85}"/>
               </a:ext>
             </a:extLst>
           </p:cNvPr>
@@ -15450,8 +15614,8 @@
         </p:nvSpPr>
         <p:spPr>
           <a:xfrm>
-            <a:off x="5890363" y="5732631"/>
-            <a:ext cx="580608" cy="369332"/>
+            <a:off x="6679591" y="5981972"/>
+            <a:ext cx="998991" cy="369332"/>
           </a:xfrm>
           <a:prstGeom prst="rect">
             <a:avLst/>
@@ -15466,7 +15630,7 @@
           <a:p>
             <a:r>
               <a:rPr lang="en-US" altLang="ko-KR" dirty="0" err="1"/>
-              <a:t>asia</a:t>
+              <a:t>america</a:t>
             </a:r>
             <a:endParaRPr lang="ko-KR" altLang="en-US" dirty="0"/>
           </a:p>
@@ -15474,10 +15638,10 @@
       </p:sp>
       <p:sp>
         <p:nvSpPr>
-          <p:cNvPr id="29" name="TextBox 28">
+          <p:cNvPr id="13" name="TextBox 12">
             <a:extLst>
               <a:ext uri="{FF2B5EF4-FFF2-40B4-BE49-F238E27FC236}">
-                <a16:creationId xmlns:a16="http://schemas.microsoft.com/office/drawing/2014/main" id="{6D0EEBDB-297C-4B96-BA02-6AAFEE4CBA17}"/>
+                <a16:creationId xmlns:a16="http://schemas.microsoft.com/office/drawing/2014/main" id="{03B22C7C-D199-4DA4-B9D0-FBADD654408A}"/>
               </a:ext>
             </a:extLst>
           </p:cNvPr>
@@ -15486,8 +15650,8 @@
         </p:nvSpPr>
         <p:spPr>
           <a:xfrm>
-            <a:off x="9662578" y="5729578"/>
-            <a:ext cx="918778" cy="369332"/>
+            <a:off x="10263075" y="5978011"/>
+            <a:ext cx="580608" cy="369332"/>
           </a:xfrm>
           <a:prstGeom prst="rect">
             <a:avLst/>
@@ -15502,7 +15666,7 @@
           <a:p>
             <a:r>
               <a:rPr lang="en-US" altLang="ko-KR" dirty="0" err="1"/>
-              <a:t>europe</a:t>
+              <a:t>asia</a:t>
             </a:r>
             <a:endParaRPr lang="ko-KR" altLang="en-US" dirty="0"/>
           </a:p>
@@ -15510,10 +15674,10 @@
       </p:sp>
       <p:sp>
         <p:nvSpPr>
-          <p:cNvPr id="30" name="TextBox 29">
+          <p:cNvPr id="22" name="TextBox 21">
             <a:extLst>
               <a:ext uri="{FF2B5EF4-FFF2-40B4-BE49-F238E27FC236}">
-                <a16:creationId xmlns:a16="http://schemas.microsoft.com/office/drawing/2014/main" id="{13555459-78C2-4106-827B-542B847BA90B}"/>
+                <a16:creationId xmlns:a16="http://schemas.microsoft.com/office/drawing/2014/main" id="{52E5A36B-84EC-46CE-B62A-76B295AC648C}"/>
               </a:ext>
             </a:extLst>
           </p:cNvPr>
@@ -15522,7 +15686,7 @@
         </p:nvSpPr>
         <p:spPr>
           <a:xfrm>
-            <a:off x="2525472" y="5729578"/>
+            <a:off x="2510998" y="5981972"/>
             <a:ext cx="745717" cy="369332"/>
           </a:xfrm>
           <a:prstGeom prst="rect">
@@ -15549,7 +15713,7 @@
           <p:cNvPr id="2" name="그림 1">
             <a:extLst>
               <a:ext uri="{FF2B5EF4-FFF2-40B4-BE49-F238E27FC236}">
-                <a16:creationId xmlns:a16="http://schemas.microsoft.com/office/drawing/2014/main" id="{2DA9B494-0B65-4ADA-BD50-35790E484E89}"/>
+                <a16:creationId xmlns:a16="http://schemas.microsoft.com/office/drawing/2014/main" id="{0196CE3C-6BE3-4722-8E50-A37A6D7F6172}"/>
               </a:ext>
             </a:extLst>
           </p:cNvPr>
@@ -15566,8 +15730,8 @@
         </p:blipFill>
         <p:spPr>
           <a:xfrm>
-            <a:off x="1306819" y="1975493"/>
-            <a:ext cx="3496163" cy="838317"/>
+            <a:off x="1222153" y="4330335"/>
+            <a:ext cx="3351956" cy="876666"/>
           </a:xfrm>
           <a:prstGeom prst="rect">
             <a:avLst/>
@@ -15579,7 +15743,7 @@
           <p:cNvPr id="3" name="그림 2">
             <a:extLst>
               <a:ext uri="{FF2B5EF4-FFF2-40B4-BE49-F238E27FC236}">
-                <a16:creationId xmlns:a16="http://schemas.microsoft.com/office/drawing/2014/main" id="{65E0DC4B-AA51-423B-B4A4-A78148278C2D}"/>
+                <a16:creationId xmlns:a16="http://schemas.microsoft.com/office/drawing/2014/main" id="{F54E99E8-6FA6-4D54-9C78-28D66022AF10}"/>
               </a:ext>
             </a:extLst>
           </p:cNvPr>
@@ -15596,8 +15760,8 @@
         </p:blipFill>
         <p:spPr>
           <a:xfrm>
-            <a:off x="1209004" y="4228394"/>
-            <a:ext cx="3593978" cy="801734"/>
+            <a:off x="1134469" y="2118431"/>
+            <a:ext cx="3351956" cy="960340"/>
           </a:xfrm>
           <a:prstGeom prst="rect">
             <a:avLst/>
@@ -15609,7 +15773,7 @@
           <p:cNvPr id="4" name="그림 3">
             <a:extLst>
               <a:ext uri="{FF2B5EF4-FFF2-40B4-BE49-F238E27FC236}">
-                <a16:creationId xmlns:a16="http://schemas.microsoft.com/office/drawing/2014/main" id="{EC28B78B-6BCB-47CD-9B84-430F9CF0EB78}"/>
+                <a16:creationId xmlns:a16="http://schemas.microsoft.com/office/drawing/2014/main" id="{3E969783-C084-461A-8F4D-C704B46D24FB}"/>
               </a:ext>
             </a:extLst>
           </p:cNvPr>
@@ -15626,8 +15790,8 @@
         </p:blipFill>
         <p:spPr>
           <a:xfrm>
-            <a:off x="4932632" y="4228394"/>
-            <a:ext cx="3474179" cy="801734"/>
+            <a:off x="4828761" y="2261900"/>
+            <a:ext cx="3467584" cy="819264"/>
           </a:xfrm>
           <a:prstGeom prst="rect">
             <a:avLst/>
@@ -15639,7 +15803,7 @@
           <p:cNvPr id="5" name="그림 4">
             <a:extLst>
               <a:ext uri="{FF2B5EF4-FFF2-40B4-BE49-F238E27FC236}">
-                <a16:creationId xmlns:a16="http://schemas.microsoft.com/office/drawing/2014/main" id="{A03CEA4B-74A6-4152-BE20-2D0421494447}"/>
+                <a16:creationId xmlns:a16="http://schemas.microsoft.com/office/drawing/2014/main" id="{24AC1C7C-68C4-4082-9AA5-B6696080E45D}"/>
               </a:ext>
             </a:extLst>
           </p:cNvPr>
@@ -15656,8 +15820,8 @@
         </p:blipFill>
         <p:spPr>
           <a:xfrm>
-            <a:off x="4998612" y="2013598"/>
-            <a:ext cx="3467584" cy="800212"/>
+            <a:off x="4836318" y="4330335"/>
+            <a:ext cx="3467585" cy="798166"/>
           </a:xfrm>
           <a:prstGeom prst="rect">
             <a:avLst/>
@@ -15669,7 +15833,7 @@
           <p:cNvPr id="6" name="그림 5">
             <a:extLst>
               <a:ext uri="{FF2B5EF4-FFF2-40B4-BE49-F238E27FC236}">
-                <a16:creationId xmlns:a16="http://schemas.microsoft.com/office/drawing/2014/main" id="{6DDA6D7F-1049-4F56-AA99-6DE037130FF8}"/>
+                <a16:creationId xmlns:a16="http://schemas.microsoft.com/office/drawing/2014/main" id="{940C525D-5AC4-4F79-9FD6-925CF4207599}"/>
               </a:ext>
             </a:extLst>
           </p:cNvPr>
@@ -15686,8 +15850,8 @@
         </p:blipFill>
         <p:spPr>
           <a:xfrm>
-            <a:off x="8752995" y="1994545"/>
-            <a:ext cx="3439005" cy="838317"/>
+            <a:off x="8566112" y="4295834"/>
+            <a:ext cx="3564441" cy="945668"/>
           </a:xfrm>
           <a:prstGeom prst="rect">
             <a:avLst/>
@@ -15699,7 +15863,7 @@
           <p:cNvPr id="7" name="그림 6">
             <a:extLst>
               <a:ext uri="{FF2B5EF4-FFF2-40B4-BE49-F238E27FC236}">
-                <a16:creationId xmlns:a16="http://schemas.microsoft.com/office/drawing/2014/main" id="{6D4537BB-35CE-4762-8E49-441C3AB22CEB}"/>
+                <a16:creationId xmlns:a16="http://schemas.microsoft.com/office/drawing/2014/main" id="{26352A1E-02C3-4360-9D0F-5E6C81C4B8B7}"/>
               </a:ext>
             </a:extLst>
           </p:cNvPr>
@@ -15716,8 +15880,8 @@
         </p:blipFill>
         <p:spPr>
           <a:xfrm>
-            <a:off x="8656179" y="4245726"/>
-            <a:ext cx="3439005" cy="755337"/>
+            <a:off x="8509151" y="2272678"/>
+            <a:ext cx="3564441" cy="842681"/>
           </a:xfrm>
           <a:prstGeom prst="rect">
             <a:avLst/>
@@ -15727,7 +15891,7 @@
     </p:spTree>
     <p:extLst>
       <p:ext uri="{BB962C8B-B14F-4D97-AF65-F5344CB8AC3E}">
-        <p14:creationId xmlns:p14="http://schemas.microsoft.com/office/powerpoint/2010/main" val="4153398307"/>
+        <p14:creationId xmlns:p14="http://schemas.microsoft.com/office/powerpoint/2010/main" val="377873672"/>
       </p:ext>
     </p:extLst>
   </p:cSld>
@@ -15754,225 +15918,16 @@
           <a:chExt cx="0" cy="0"/>
         </a:xfrm>
       </p:grpSpPr>
-      <p:cxnSp>
-        <p:nvCxnSpPr>
-          <p:cNvPr id="14" name="직선 연결선 13"/>
-          <p:cNvCxnSpPr/>
-          <p:nvPr/>
-        </p:nvCxnSpPr>
-        <p:spPr>
-          <a:xfrm>
-            <a:off x="10430892" y="144941"/>
-            <a:ext cx="360000" cy="0"/>
-          </a:xfrm>
-          <a:prstGeom prst="line">
-            <a:avLst/>
-          </a:prstGeom>
-          <a:ln w="44450" cap="rnd">
-            <a:solidFill>
-              <a:srgbClr val="D0CECE"/>
-            </a:solidFill>
-          </a:ln>
-          <a:effectLst>
-            <a:outerShdw blurRad="50800" dist="38100" dir="5400000" algn="t" rotWithShape="0">
-              <a:prstClr val="black">
-                <a:alpha val="40000"/>
-              </a:prstClr>
-            </a:outerShdw>
-          </a:effectLst>
-        </p:spPr>
-        <p:style>
-          <a:lnRef idx="1">
-            <a:schemeClr val="accent1"/>
-          </a:lnRef>
-          <a:fillRef idx="0">
-            <a:schemeClr val="accent1"/>
-          </a:fillRef>
-          <a:effectRef idx="0">
-            <a:schemeClr val="accent1"/>
-          </a:effectRef>
-          <a:fontRef idx="minor">
-            <a:schemeClr val="tx1"/>
-          </a:fontRef>
-        </p:style>
-      </p:cxnSp>
-      <p:cxnSp>
-        <p:nvCxnSpPr>
-          <p:cNvPr id="15" name="직선 연결선 14"/>
-          <p:cNvCxnSpPr/>
-          <p:nvPr/>
-        </p:nvCxnSpPr>
-        <p:spPr>
-          <a:xfrm>
-            <a:off x="10858459" y="144941"/>
-            <a:ext cx="360000" cy="0"/>
-          </a:xfrm>
-          <a:prstGeom prst="line">
-            <a:avLst/>
-          </a:prstGeom>
-          <a:ln w="44450" cap="rnd">
-            <a:solidFill>
-              <a:schemeClr val="bg2">
-                <a:lumMod val="90000"/>
-              </a:schemeClr>
-            </a:solidFill>
-          </a:ln>
-          <a:effectLst>
-            <a:outerShdw blurRad="50800" dist="38100" dir="5400000" algn="t" rotWithShape="0">
-              <a:prstClr val="black">
-                <a:alpha val="40000"/>
-              </a:prstClr>
-            </a:outerShdw>
-          </a:effectLst>
-        </p:spPr>
-        <p:style>
-          <a:lnRef idx="1">
-            <a:schemeClr val="accent1"/>
-          </a:lnRef>
-          <a:fillRef idx="0">
-            <a:schemeClr val="accent1"/>
-          </a:fillRef>
-          <a:effectRef idx="0">
-            <a:schemeClr val="accent1"/>
-          </a:effectRef>
-          <a:fontRef idx="minor">
-            <a:schemeClr val="tx1"/>
-          </a:fontRef>
-        </p:style>
-      </p:cxnSp>
-      <p:cxnSp>
-        <p:nvCxnSpPr>
-          <p:cNvPr id="16" name="직선 연결선 15"/>
-          <p:cNvCxnSpPr/>
-          <p:nvPr/>
-        </p:nvCxnSpPr>
-        <p:spPr>
-          <a:xfrm>
-            <a:off x="11286026" y="144941"/>
-            <a:ext cx="360000" cy="0"/>
-          </a:xfrm>
-          <a:prstGeom prst="line">
-            <a:avLst/>
-          </a:prstGeom>
-          <a:ln w="44450" cap="rnd">
-            <a:solidFill>
-              <a:srgbClr val="8DBABD"/>
-            </a:solidFill>
-          </a:ln>
-          <a:effectLst>
-            <a:outerShdw blurRad="50800" dist="38100" dir="5400000" algn="t" rotWithShape="0">
-              <a:prstClr val="black">
-                <a:alpha val="40000"/>
-              </a:prstClr>
-            </a:outerShdw>
-          </a:effectLst>
-        </p:spPr>
-        <p:style>
-          <a:lnRef idx="1">
-            <a:schemeClr val="accent1"/>
-          </a:lnRef>
-          <a:fillRef idx="0">
-            <a:schemeClr val="accent1"/>
-          </a:fillRef>
-          <a:effectRef idx="0">
-            <a:schemeClr val="accent1"/>
-          </a:effectRef>
-          <a:fontRef idx="minor">
-            <a:schemeClr val="tx1"/>
-          </a:fontRef>
-        </p:style>
-      </p:cxnSp>
-      <p:cxnSp>
-        <p:nvCxnSpPr>
-          <p:cNvPr id="17" name="직선 연결선 16"/>
-          <p:cNvCxnSpPr/>
-          <p:nvPr/>
-        </p:nvCxnSpPr>
-        <p:spPr>
-          <a:xfrm>
-            <a:off x="11713592" y="144941"/>
-            <a:ext cx="360000" cy="0"/>
-          </a:xfrm>
-          <a:prstGeom prst="line">
-            <a:avLst/>
-          </a:prstGeom>
-          <a:ln w="44450" cap="rnd">
-            <a:solidFill>
-              <a:schemeClr val="bg2">
-                <a:lumMod val="90000"/>
-              </a:schemeClr>
-            </a:solidFill>
-          </a:ln>
-          <a:effectLst>
-            <a:outerShdw blurRad="50800" dist="38100" dir="5400000" algn="t" rotWithShape="0">
-              <a:prstClr val="black">
-                <a:alpha val="40000"/>
-              </a:prstClr>
-            </a:outerShdw>
-          </a:effectLst>
-        </p:spPr>
-        <p:style>
-          <a:lnRef idx="1">
-            <a:schemeClr val="accent1"/>
-          </a:lnRef>
-          <a:fillRef idx="0">
-            <a:schemeClr val="accent1"/>
-          </a:fillRef>
-          <a:effectRef idx="0">
-            <a:schemeClr val="accent1"/>
-          </a:effectRef>
-          <a:fontRef idx="minor">
-            <a:schemeClr val="tx1"/>
-          </a:fontRef>
-        </p:style>
-      </p:cxnSp>
-      <p:cxnSp>
-        <p:nvCxnSpPr>
-          <p:cNvPr id="18" name="직선 연결선 17"/>
-          <p:cNvCxnSpPr/>
-          <p:nvPr/>
-        </p:nvCxnSpPr>
-        <p:spPr>
-          <a:xfrm>
-            <a:off x="1026522" y="989148"/>
-            <a:ext cx="2160000" cy="0"/>
-          </a:xfrm>
-          <a:prstGeom prst="line">
-            <a:avLst/>
-          </a:prstGeom>
-          <a:ln>
-            <a:solidFill>
-              <a:schemeClr val="bg1">
-                <a:lumMod val="50000"/>
-              </a:schemeClr>
-            </a:solidFill>
-          </a:ln>
-        </p:spPr>
-        <p:style>
-          <a:lnRef idx="1">
-            <a:schemeClr val="accent1"/>
-          </a:lnRef>
-          <a:fillRef idx="0">
-            <a:schemeClr val="accent1"/>
-          </a:fillRef>
-          <a:effectRef idx="0">
-            <a:schemeClr val="accent1"/>
-          </a:effectRef>
-          <a:fontRef idx="minor">
-            <a:schemeClr val="tx1"/>
-          </a:fontRef>
-        </p:style>
-      </p:cxnSp>
       <p:sp>
         <p:nvSpPr>
-          <p:cNvPr id="19" name="TextBox 18"/>
+          <p:cNvPr id="2" name="TextBox 1"/>
           <p:cNvSpPr txBox="1"/>
           <p:nvPr/>
         </p:nvSpPr>
         <p:spPr>
           <a:xfrm>
-            <a:off x="973840" y="437391"/>
-            <a:ext cx="2265364" cy="584775"/>
+            <a:off x="4000500" y="2472873"/>
+            <a:ext cx="729687" cy="769441"/>
           </a:xfrm>
           <a:prstGeom prst="rect">
             <a:avLst/>
@@ -15985,17 +15940,16 @@
           </a:bodyPr>
           <a:lstStyle/>
           <a:p>
-            <a:pPr algn="ctr"/>
-            <a:r>
-              <a:rPr lang="ko-KR" altLang="en-US" sz="3200" spc="-150">
+            <a:r>
+              <a:rPr lang="en-US" altLang="ko-KR" sz="4400" spc="-300" dirty="0">
                 <a:solidFill>
                   <a:srgbClr val="00002F"/>
                 </a:solidFill>
                 <a:latin typeface="+mn-ea"/>
               </a:rPr>
-              <a:t>연관성 분석</a:t>
-            </a:r>
-            <a:endParaRPr lang="ko-KR" altLang="en-US" sz="3200" spc="-150" dirty="0">
+              <a:t>04</a:t>
+            </a:r>
+            <a:endParaRPr lang="ko-KR" altLang="en-US" sz="4400" spc="-300" dirty="0">
               <a:solidFill>
                 <a:srgbClr val="00002F"/>
               </a:solidFill>
@@ -16006,468 +15960,61 @@
       </p:sp>
       <p:sp>
         <p:nvSpPr>
-          <p:cNvPr id="20" name="TextBox 19"/>
-          <p:cNvSpPr txBox="1"/>
+          <p:cNvPr id="3" name="직사각형 2"/>
+          <p:cNvSpPr/>
           <p:nvPr/>
         </p:nvSpPr>
         <p:spPr>
           <a:xfrm>
-            <a:off x="495607" y="498947"/>
-            <a:ext cx="534121" cy="461665"/>
-          </a:xfrm>
-          <a:prstGeom prst="rect">
-            <a:avLst/>
-          </a:prstGeom>
-          <a:noFill/>
-        </p:spPr>
+            <a:off x="4000499" y="3169741"/>
+            <a:ext cx="4200071" cy="473345"/>
+          </a:xfrm>
+          <a:prstGeom prst="rect">
+            <a:avLst/>
+          </a:prstGeom>
+          <a:solidFill>
+            <a:srgbClr val="8DBABD"/>
+          </a:solidFill>
+          <a:ln>
+            <a:solidFill>
+              <a:srgbClr val="8DBABD"/>
+            </a:solidFill>
+          </a:ln>
+        </p:spPr>
+        <p:style>
+          <a:lnRef idx="2">
+            <a:schemeClr val="accent1">
+              <a:shade val="50000"/>
+            </a:schemeClr>
+          </a:lnRef>
+          <a:fillRef idx="1">
+            <a:schemeClr val="accent1"/>
+          </a:fillRef>
+          <a:effectRef idx="0">
+            <a:schemeClr val="accent1"/>
+          </a:effectRef>
+          <a:fontRef idx="minor">
+            <a:schemeClr val="lt1"/>
+          </a:fontRef>
+        </p:style>
         <p:txBody>
-          <a:bodyPr wrap="none" rtlCol="0">
-            <a:spAutoFit/>
-          </a:bodyPr>
+          <a:bodyPr rtlCol="0" anchor="ctr"/>
           <a:lstStyle/>
           <a:p>
             <a:pPr algn="ctr"/>
             <a:r>
-              <a:rPr lang="en-US" altLang="ko-KR" sz="2400" spc="-150" dirty="0">
-                <a:solidFill>
-                  <a:srgbClr val="00002F"/>
-                </a:solidFill>
-                <a:latin typeface="+mn-ea"/>
-              </a:rPr>
-              <a:t>03.</a:t>
-            </a:r>
-            <a:endParaRPr lang="ko-KR" altLang="en-US" sz="2400" spc="-150" dirty="0">
-              <a:solidFill>
-                <a:srgbClr val="00002F"/>
-              </a:solidFill>
-              <a:latin typeface="+mn-ea"/>
-            </a:endParaRPr>
+              <a:rPr lang="ko-KR" altLang="en-US" dirty="0">
+                <a:latin typeface="+mn-ea"/>
+              </a:rPr>
+              <a:t>결론</a:t>
+            </a:r>
           </a:p>
         </p:txBody>
       </p:sp>
-      <p:sp>
-        <p:nvSpPr>
-          <p:cNvPr id="21" name="TextBox 20"/>
-          <p:cNvSpPr txBox="1"/>
-          <p:nvPr/>
-        </p:nvSpPr>
-        <p:spPr>
-          <a:xfrm>
-            <a:off x="970888" y="967054"/>
-            <a:ext cx="3063788" cy="369332"/>
-          </a:xfrm>
-          <a:prstGeom prst="rect">
-            <a:avLst/>
-          </a:prstGeom>
-          <a:noFill/>
-        </p:spPr>
-        <p:txBody>
-          <a:bodyPr wrap="none" rtlCol="0">
-            <a:spAutoFit/>
-          </a:bodyPr>
-          <a:lstStyle/>
-          <a:p>
-            <a:pPr algn="ctr"/>
-            <a:r>
-              <a:rPr lang="en-US" altLang="ko-KR" spc="-150" dirty="0">
-                <a:solidFill>
-                  <a:srgbClr val="00002F"/>
-                </a:solidFill>
-                <a:latin typeface="+mn-ea"/>
-              </a:rPr>
-              <a:t>Explosives </a:t>
-            </a:r>
-            <a:r>
-              <a:rPr lang="ko-KR" altLang="en-US" spc="-150" dirty="0">
-                <a:solidFill>
-                  <a:srgbClr val="00002F"/>
-                </a:solidFill>
-                <a:latin typeface="+mn-ea"/>
-              </a:rPr>
-              <a:t>집중 분석</a:t>
-            </a:r>
-            <a:r>
-              <a:rPr lang="en-US" altLang="ko-KR" spc="-150" dirty="0">
-                <a:solidFill>
-                  <a:srgbClr val="00002F"/>
-                </a:solidFill>
-                <a:latin typeface="+mn-ea"/>
-              </a:rPr>
-              <a:t>(2016~2020</a:t>
-            </a:r>
-            <a:endParaRPr lang="ko-KR" altLang="en-US" spc="-150" dirty="0">
-              <a:solidFill>
-                <a:srgbClr val="00002F"/>
-              </a:solidFill>
-              <a:latin typeface="+mn-ea"/>
-            </a:endParaRPr>
-          </a:p>
-        </p:txBody>
-      </p:sp>
-      <p:sp>
-        <p:nvSpPr>
-          <p:cNvPr id="10" name="TextBox 9">
-            <a:extLst>
-              <a:ext uri="{FF2B5EF4-FFF2-40B4-BE49-F238E27FC236}">
-                <a16:creationId xmlns:a16="http://schemas.microsoft.com/office/drawing/2014/main" id="{5BA2FAEB-B451-425F-82AF-1287B9510184}"/>
-              </a:ext>
-            </a:extLst>
-          </p:cNvPr>
-          <p:cNvSpPr txBox="1"/>
-          <p:nvPr/>
-        </p:nvSpPr>
-        <p:spPr>
-          <a:xfrm>
-            <a:off x="114156" y="2249261"/>
-            <a:ext cx="912366" cy="369332"/>
-          </a:xfrm>
-          <a:prstGeom prst="rect">
-            <a:avLst/>
-          </a:prstGeom>
-          <a:noFill/>
-        </p:spPr>
-        <p:txBody>
-          <a:bodyPr wrap="none" rtlCol="0">
-            <a:spAutoFit/>
-          </a:bodyPr>
-          <a:lstStyle/>
-          <a:p>
-            <a:r>
-              <a:rPr lang="en-US" altLang="ko-KR" dirty="0"/>
-              <a:t>degree</a:t>
-            </a:r>
-            <a:endParaRPr lang="ko-KR" altLang="en-US" dirty="0"/>
-          </a:p>
-        </p:txBody>
-      </p:sp>
-      <p:sp>
-        <p:nvSpPr>
-          <p:cNvPr id="11" name="TextBox 10">
-            <a:extLst>
-              <a:ext uri="{FF2B5EF4-FFF2-40B4-BE49-F238E27FC236}">
-                <a16:creationId xmlns:a16="http://schemas.microsoft.com/office/drawing/2014/main" id="{A1D31EDF-1DD3-4400-88F7-160E623A63FB}"/>
-              </a:ext>
-            </a:extLst>
-          </p:cNvPr>
-          <p:cNvSpPr txBox="1"/>
-          <p:nvPr/>
-        </p:nvSpPr>
-        <p:spPr>
-          <a:xfrm>
-            <a:off x="114156" y="4497399"/>
-            <a:ext cx="1107996" cy="369332"/>
-          </a:xfrm>
-          <a:prstGeom prst="rect">
-            <a:avLst/>
-          </a:prstGeom>
-          <a:noFill/>
-        </p:spPr>
-        <p:txBody>
-          <a:bodyPr wrap="none" rtlCol="0">
-            <a:spAutoFit/>
-          </a:bodyPr>
-          <a:lstStyle/>
-          <a:p>
-            <a:r>
-              <a:rPr lang="ko-KR" altLang="en-US"/>
-              <a:t>고유벡터</a:t>
-            </a:r>
-            <a:endParaRPr lang="ko-KR" altLang="en-US" dirty="0"/>
-          </a:p>
-        </p:txBody>
-      </p:sp>
-      <p:sp>
-        <p:nvSpPr>
-          <p:cNvPr id="12" name="TextBox 11">
-            <a:extLst>
-              <a:ext uri="{FF2B5EF4-FFF2-40B4-BE49-F238E27FC236}">
-                <a16:creationId xmlns:a16="http://schemas.microsoft.com/office/drawing/2014/main" id="{2A857D9D-1C74-4D3C-B971-5D6DEC426F85}"/>
-              </a:ext>
-            </a:extLst>
-          </p:cNvPr>
-          <p:cNvSpPr txBox="1"/>
-          <p:nvPr/>
-        </p:nvSpPr>
-        <p:spPr>
-          <a:xfrm>
-            <a:off x="6679591" y="5981972"/>
-            <a:ext cx="998991" cy="369332"/>
-          </a:xfrm>
-          <a:prstGeom prst="rect">
-            <a:avLst/>
-          </a:prstGeom>
-          <a:noFill/>
-        </p:spPr>
-        <p:txBody>
-          <a:bodyPr wrap="none" rtlCol="0">
-            <a:spAutoFit/>
-          </a:bodyPr>
-          <a:lstStyle/>
-          <a:p>
-            <a:r>
-              <a:rPr lang="en-US" altLang="ko-KR" dirty="0" err="1"/>
-              <a:t>america</a:t>
-            </a:r>
-            <a:endParaRPr lang="ko-KR" altLang="en-US" dirty="0"/>
-          </a:p>
-        </p:txBody>
-      </p:sp>
-      <p:sp>
-        <p:nvSpPr>
-          <p:cNvPr id="13" name="TextBox 12">
-            <a:extLst>
-              <a:ext uri="{FF2B5EF4-FFF2-40B4-BE49-F238E27FC236}">
-                <a16:creationId xmlns:a16="http://schemas.microsoft.com/office/drawing/2014/main" id="{03B22C7C-D199-4DA4-B9D0-FBADD654408A}"/>
-              </a:ext>
-            </a:extLst>
-          </p:cNvPr>
-          <p:cNvSpPr txBox="1"/>
-          <p:nvPr/>
-        </p:nvSpPr>
-        <p:spPr>
-          <a:xfrm>
-            <a:off x="10263075" y="5978011"/>
-            <a:ext cx="580608" cy="369332"/>
-          </a:xfrm>
-          <a:prstGeom prst="rect">
-            <a:avLst/>
-          </a:prstGeom>
-          <a:noFill/>
-        </p:spPr>
-        <p:txBody>
-          <a:bodyPr wrap="none" rtlCol="0">
-            <a:spAutoFit/>
-          </a:bodyPr>
-          <a:lstStyle/>
-          <a:p>
-            <a:r>
-              <a:rPr lang="en-US" altLang="ko-KR" dirty="0" err="1"/>
-              <a:t>asia</a:t>
-            </a:r>
-            <a:endParaRPr lang="ko-KR" altLang="en-US" dirty="0"/>
-          </a:p>
-        </p:txBody>
-      </p:sp>
-      <p:sp>
-        <p:nvSpPr>
-          <p:cNvPr id="22" name="TextBox 21">
-            <a:extLst>
-              <a:ext uri="{FF2B5EF4-FFF2-40B4-BE49-F238E27FC236}">
-                <a16:creationId xmlns:a16="http://schemas.microsoft.com/office/drawing/2014/main" id="{52E5A36B-84EC-46CE-B62A-76B295AC648C}"/>
-              </a:ext>
-            </a:extLst>
-          </p:cNvPr>
-          <p:cNvSpPr txBox="1"/>
-          <p:nvPr/>
-        </p:nvSpPr>
-        <p:spPr>
-          <a:xfrm>
-            <a:off x="2510998" y="5981972"/>
-            <a:ext cx="745717" cy="369332"/>
-          </a:xfrm>
-          <a:prstGeom prst="rect">
-            <a:avLst/>
-          </a:prstGeom>
-          <a:noFill/>
-        </p:spPr>
-        <p:txBody>
-          <a:bodyPr wrap="none" rtlCol="0">
-            <a:spAutoFit/>
-          </a:bodyPr>
-          <a:lstStyle/>
-          <a:p>
-            <a:r>
-              <a:rPr lang="en-US" altLang="ko-KR" dirty="0" err="1"/>
-              <a:t>africa</a:t>
-            </a:r>
-            <a:endParaRPr lang="ko-KR" altLang="en-US" dirty="0"/>
-          </a:p>
-        </p:txBody>
-      </p:sp>
-      <p:pic>
-        <p:nvPicPr>
-          <p:cNvPr id="2" name="그림 1">
-            <a:extLst>
-              <a:ext uri="{FF2B5EF4-FFF2-40B4-BE49-F238E27FC236}">
-                <a16:creationId xmlns:a16="http://schemas.microsoft.com/office/drawing/2014/main" id="{0196CE3C-6BE3-4722-8E50-A37A6D7F6172}"/>
-              </a:ext>
-            </a:extLst>
-          </p:cNvPr>
-          <p:cNvPicPr>
-            <a:picLocks noChangeAspect="1"/>
-          </p:cNvPicPr>
-          <p:nvPr/>
-        </p:nvPicPr>
-        <p:blipFill>
-          <a:blip r:embed="rId2"/>
-          <a:stretch>
-            <a:fillRect/>
-          </a:stretch>
-        </p:blipFill>
-        <p:spPr>
-          <a:xfrm>
-            <a:off x="1222153" y="4330335"/>
-            <a:ext cx="3351956" cy="876666"/>
-          </a:xfrm>
-          <a:prstGeom prst="rect">
-            <a:avLst/>
-          </a:prstGeom>
-        </p:spPr>
-      </p:pic>
-      <p:pic>
-        <p:nvPicPr>
-          <p:cNvPr id="3" name="그림 2">
-            <a:extLst>
-              <a:ext uri="{FF2B5EF4-FFF2-40B4-BE49-F238E27FC236}">
-                <a16:creationId xmlns:a16="http://schemas.microsoft.com/office/drawing/2014/main" id="{F54E99E8-6FA6-4D54-9C78-28D66022AF10}"/>
-              </a:ext>
-            </a:extLst>
-          </p:cNvPr>
-          <p:cNvPicPr>
-            <a:picLocks noChangeAspect="1"/>
-          </p:cNvPicPr>
-          <p:nvPr/>
-        </p:nvPicPr>
-        <p:blipFill>
-          <a:blip r:embed="rId3"/>
-          <a:stretch>
-            <a:fillRect/>
-          </a:stretch>
-        </p:blipFill>
-        <p:spPr>
-          <a:xfrm>
-            <a:off x="1134469" y="2118431"/>
-            <a:ext cx="3351956" cy="960340"/>
-          </a:xfrm>
-          <a:prstGeom prst="rect">
-            <a:avLst/>
-          </a:prstGeom>
-        </p:spPr>
-      </p:pic>
-      <p:pic>
-        <p:nvPicPr>
-          <p:cNvPr id="4" name="그림 3">
-            <a:extLst>
-              <a:ext uri="{FF2B5EF4-FFF2-40B4-BE49-F238E27FC236}">
-                <a16:creationId xmlns:a16="http://schemas.microsoft.com/office/drawing/2014/main" id="{3E969783-C084-461A-8F4D-C704B46D24FB}"/>
-              </a:ext>
-            </a:extLst>
-          </p:cNvPr>
-          <p:cNvPicPr>
-            <a:picLocks noChangeAspect="1"/>
-          </p:cNvPicPr>
-          <p:nvPr/>
-        </p:nvPicPr>
-        <p:blipFill>
-          <a:blip r:embed="rId4"/>
-          <a:stretch>
-            <a:fillRect/>
-          </a:stretch>
-        </p:blipFill>
-        <p:spPr>
-          <a:xfrm>
-            <a:off x="4828761" y="2261900"/>
-            <a:ext cx="3467584" cy="819264"/>
-          </a:xfrm>
-          <a:prstGeom prst="rect">
-            <a:avLst/>
-          </a:prstGeom>
-        </p:spPr>
-      </p:pic>
-      <p:pic>
-        <p:nvPicPr>
-          <p:cNvPr id="5" name="그림 4">
-            <a:extLst>
-              <a:ext uri="{FF2B5EF4-FFF2-40B4-BE49-F238E27FC236}">
-                <a16:creationId xmlns:a16="http://schemas.microsoft.com/office/drawing/2014/main" id="{24AC1C7C-68C4-4082-9AA5-B6696080E45D}"/>
-              </a:ext>
-            </a:extLst>
-          </p:cNvPr>
-          <p:cNvPicPr>
-            <a:picLocks noChangeAspect="1"/>
-          </p:cNvPicPr>
-          <p:nvPr/>
-        </p:nvPicPr>
-        <p:blipFill>
-          <a:blip r:embed="rId5"/>
-          <a:stretch>
-            <a:fillRect/>
-          </a:stretch>
-        </p:blipFill>
-        <p:spPr>
-          <a:xfrm>
-            <a:off x="4836318" y="4330335"/>
-            <a:ext cx="3467585" cy="798166"/>
-          </a:xfrm>
-          <a:prstGeom prst="rect">
-            <a:avLst/>
-          </a:prstGeom>
-        </p:spPr>
-      </p:pic>
-      <p:pic>
-        <p:nvPicPr>
-          <p:cNvPr id="6" name="그림 5">
-            <a:extLst>
-              <a:ext uri="{FF2B5EF4-FFF2-40B4-BE49-F238E27FC236}">
-                <a16:creationId xmlns:a16="http://schemas.microsoft.com/office/drawing/2014/main" id="{940C525D-5AC4-4F79-9FD6-925CF4207599}"/>
-              </a:ext>
-            </a:extLst>
-          </p:cNvPr>
-          <p:cNvPicPr>
-            <a:picLocks noChangeAspect="1"/>
-          </p:cNvPicPr>
-          <p:nvPr/>
-        </p:nvPicPr>
-        <p:blipFill>
-          <a:blip r:embed="rId6"/>
-          <a:stretch>
-            <a:fillRect/>
-          </a:stretch>
-        </p:blipFill>
-        <p:spPr>
-          <a:xfrm>
-            <a:off x="8566112" y="4295834"/>
-            <a:ext cx="3564441" cy="945668"/>
-          </a:xfrm>
-          <a:prstGeom prst="rect">
-            <a:avLst/>
-          </a:prstGeom>
-        </p:spPr>
-      </p:pic>
-      <p:pic>
-        <p:nvPicPr>
-          <p:cNvPr id="7" name="그림 6">
-            <a:extLst>
-              <a:ext uri="{FF2B5EF4-FFF2-40B4-BE49-F238E27FC236}">
-                <a16:creationId xmlns:a16="http://schemas.microsoft.com/office/drawing/2014/main" id="{26352A1E-02C3-4360-9D0F-5E6C81C4B8B7}"/>
-              </a:ext>
-            </a:extLst>
-          </p:cNvPr>
-          <p:cNvPicPr>
-            <a:picLocks noChangeAspect="1"/>
-          </p:cNvPicPr>
-          <p:nvPr/>
-        </p:nvPicPr>
-        <p:blipFill>
-          <a:blip r:embed="rId7"/>
-          <a:stretch>
-            <a:fillRect/>
-          </a:stretch>
-        </p:blipFill>
-        <p:spPr>
-          <a:xfrm>
-            <a:off x="8509151" y="2272678"/>
-            <a:ext cx="3564441" cy="842681"/>
-          </a:xfrm>
-          <a:prstGeom prst="rect">
-            <a:avLst/>
-          </a:prstGeom>
-        </p:spPr>
-      </p:pic>
     </p:spTree>
     <p:extLst>
       <p:ext uri="{BB962C8B-B14F-4D97-AF65-F5344CB8AC3E}">
-        <p14:creationId xmlns:p14="http://schemas.microsoft.com/office/powerpoint/2010/main" val="377873672"/>
+        <p14:creationId xmlns:p14="http://schemas.microsoft.com/office/powerpoint/2010/main" val="749505489"/>
       </p:ext>
     </p:extLst>
   </p:cSld>
@@ -16494,16 +16041,225 @@
           <a:chExt cx="0" cy="0"/>
         </a:xfrm>
       </p:grpSpPr>
+      <p:cxnSp>
+        <p:nvCxnSpPr>
+          <p:cNvPr id="14" name="직선 연결선 13"/>
+          <p:cNvCxnSpPr/>
+          <p:nvPr/>
+        </p:nvCxnSpPr>
+        <p:spPr>
+          <a:xfrm>
+            <a:off x="10430892" y="144941"/>
+            <a:ext cx="360000" cy="0"/>
+          </a:xfrm>
+          <a:prstGeom prst="line">
+            <a:avLst/>
+          </a:prstGeom>
+          <a:ln w="44450" cap="rnd">
+            <a:solidFill>
+              <a:srgbClr val="D0CECE"/>
+            </a:solidFill>
+          </a:ln>
+          <a:effectLst>
+            <a:outerShdw blurRad="50800" dist="38100" dir="5400000" algn="t" rotWithShape="0">
+              <a:prstClr val="black">
+                <a:alpha val="40000"/>
+              </a:prstClr>
+            </a:outerShdw>
+          </a:effectLst>
+        </p:spPr>
+        <p:style>
+          <a:lnRef idx="1">
+            <a:schemeClr val="accent1"/>
+          </a:lnRef>
+          <a:fillRef idx="0">
+            <a:schemeClr val="accent1"/>
+          </a:fillRef>
+          <a:effectRef idx="0">
+            <a:schemeClr val="accent1"/>
+          </a:effectRef>
+          <a:fontRef idx="minor">
+            <a:schemeClr val="tx1"/>
+          </a:fontRef>
+        </p:style>
+      </p:cxnSp>
+      <p:cxnSp>
+        <p:nvCxnSpPr>
+          <p:cNvPr id="15" name="직선 연결선 14"/>
+          <p:cNvCxnSpPr/>
+          <p:nvPr/>
+        </p:nvCxnSpPr>
+        <p:spPr>
+          <a:xfrm>
+            <a:off x="10858459" y="144941"/>
+            <a:ext cx="360000" cy="0"/>
+          </a:xfrm>
+          <a:prstGeom prst="line">
+            <a:avLst/>
+          </a:prstGeom>
+          <a:ln w="44450" cap="rnd">
+            <a:solidFill>
+              <a:schemeClr val="bg2">
+                <a:lumMod val="90000"/>
+              </a:schemeClr>
+            </a:solidFill>
+          </a:ln>
+          <a:effectLst>
+            <a:outerShdw blurRad="50800" dist="38100" dir="5400000" algn="t" rotWithShape="0">
+              <a:prstClr val="black">
+                <a:alpha val="40000"/>
+              </a:prstClr>
+            </a:outerShdw>
+          </a:effectLst>
+        </p:spPr>
+        <p:style>
+          <a:lnRef idx="1">
+            <a:schemeClr val="accent1"/>
+          </a:lnRef>
+          <a:fillRef idx="0">
+            <a:schemeClr val="accent1"/>
+          </a:fillRef>
+          <a:effectRef idx="0">
+            <a:schemeClr val="accent1"/>
+          </a:effectRef>
+          <a:fontRef idx="minor">
+            <a:schemeClr val="tx1"/>
+          </a:fontRef>
+        </p:style>
+      </p:cxnSp>
+      <p:cxnSp>
+        <p:nvCxnSpPr>
+          <p:cNvPr id="16" name="직선 연결선 15"/>
+          <p:cNvCxnSpPr/>
+          <p:nvPr/>
+        </p:nvCxnSpPr>
+        <p:spPr>
+          <a:xfrm>
+            <a:off x="11691014" y="144941"/>
+            <a:ext cx="360000" cy="0"/>
+          </a:xfrm>
+          <a:prstGeom prst="line">
+            <a:avLst/>
+          </a:prstGeom>
+          <a:ln w="44450" cap="rnd">
+            <a:solidFill>
+              <a:srgbClr val="8DBABD"/>
+            </a:solidFill>
+          </a:ln>
+          <a:effectLst>
+            <a:outerShdw blurRad="50800" dist="38100" dir="5400000" algn="t" rotWithShape="0">
+              <a:prstClr val="black">
+                <a:alpha val="40000"/>
+              </a:prstClr>
+            </a:outerShdw>
+          </a:effectLst>
+        </p:spPr>
+        <p:style>
+          <a:lnRef idx="1">
+            <a:schemeClr val="accent1"/>
+          </a:lnRef>
+          <a:fillRef idx="0">
+            <a:schemeClr val="accent1"/>
+          </a:fillRef>
+          <a:effectRef idx="0">
+            <a:schemeClr val="accent1"/>
+          </a:effectRef>
+          <a:fontRef idx="minor">
+            <a:schemeClr val="tx1"/>
+          </a:fontRef>
+        </p:style>
+      </p:cxnSp>
+      <p:cxnSp>
+        <p:nvCxnSpPr>
+          <p:cNvPr id="17" name="직선 연결선 16"/>
+          <p:cNvCxnSpPr/>
+          <p:nvPr/>
+        </p:nvCxnSpPr>
+        <p:spPr>
+          <a:xfrm>
+            <a:off x="11278970" y="144941"/>
+            <a:ext cx="360000" cy="0"/>
+          </a:xfrm>
+          <a:prstGeom prst="line">
+            <a:avLst/>
+          </a:prstGeom>
+          <a:ln w="44450" cap="rnd">
+            <a:solidFill>
+              <a:schemeClr val="bg2">
+                <a:lumMod val="90000"/>
+              </a:schemeClr>
+            </a:solidFill>
+          </a:ln>
+          <a:effectLst>
+            <a:outerShdw blurRad="50800" dist="38100" dir="5400000" algn="t" rotWithShape="0">
+              <a:prstClr val="black">
+                <a:alpha val="40000"/>
+              </a:prstClr>
+            </a:outerShdw>
+          </a:effectLst>
+        </p:spPr>
+        <p:style>
+          <a:lnRef idx="1">
+            <a:schemeClr val="accent1"/>
+          </a:lnRef>
+          <a:fillRef idx="0">
+            <a:schemeClr val="accent1"/>
+          </a:fillRef>
+          <a:effectRef idx="0">
+            <a:schemeClr val="accent1"/>
+          </a:effectRef>
+          <a:fontRef idx="minor">
+            <a:schemeClr val="tx1"/>
+          </a:fontRef>
+        </p:style>
+      </p:cxnSp>
+      <p:cxnSp>
+        <p:nvCxnSpPr>
+          <p:cNvPr id="18" name="직선 연결선 17"/>
+          <p:cNvCxnSpPr/>
+          <p:nvPr/>
+        </p:nvCxnSpPr>
+        <p:spPr>
+          <a:xfrm>
+            <a:off x="1026522" y="989148"/>
+            <a:ext cx="2160000" cy="0"/>
+          </a:xfrm>
+          <a:prstGeom prst="line">
+            <a:avLst/>
+          </a:prstGeom>
+          <a:ln>
+            <a:solidFill>
+              <a:schemeClr val="bg1">
+                <a:lumMod val="50000"/>
+              </a:schemeClr>
+            </a:solidFill>
+          </a:ln>
+        </p:spPr>
+        <p:style>
+          <a:lnRef idx="1">
+            <a:schemeClr val="accent1"/>
+          </a:lnRef>
+          <a:fillRef idx="0">
+            <a:schemeClr val="accent1"/>
+          </a:fillRef>
+          <a:effectRef idx="0">
+            <a:schemeClr val="accent1"/>
+          </a:effectRef>
+          <a:fontRef idx="minor">
+            <a:schemeClr val="tx1"/>
+          </a:fontRef>
+        </p:style>
+      </p:cxnSp>
       <p:sp>
         <p:nvSpPr>
-          <p:cNvPr id="2" name="TextBox 1"/>
+          <p:cNvPr id="19" name="TextBox 18"/>
           <p:cNvSpPr txBox="1"/>
           <p:nvPr/>
         </p:nvSpPr>
         <p:spPr>
           <a:xfrm>
-            <a:off x="4000500" y="2472873"/>
-            <a:ext cx="729687" cy="769441"/>
+            <a:off x="1026522" y="404373"/>
+            <a:ext cx="966931" cy="584775"/>
           </a:xfrm>
           <a:prstGeom prst="rect">
             <a:avLst/>
@@ -16516,16 +16272,52 @@
           </a:bodyPr>
           <a:lstStyle/>
           <a:p>
-            <a:r>
-              <a:rPr lang="en-US" altLang="ko-KR" sz="4400" spc="-300" dirty="0">
+            <a:pPr algn="ctr"/>
+            <a:r>
+              <a:rPr lang="ko-KR" altLang="en-US" sz="3200" spc="-150" dirty="0">
                 <a:solidFill>
                   <a:srgbClr val="00002F"/>
                 </a:solidFill>
                 <a:latin typeface="+mn-ea"/>
               </a:rPr>
-              <a:t>04</a:t>
-            </a:r>
-            <a:endParaRPr lang="ko-KR" altLang="en-US" sz="4400" spc="-300" dirty="0">
+              <a:t>결론</a:t>
+            </a:r>
+          </a:p>
+        </p:txBody>
+      </p:sp>
+      <p:sp>
+        <p:nvSpPr>
+          <p:cNvPr id="20" name="TextBox 19"/>
+          <p:cNvSpPr txBox="1"/>
+          <p:nvPr/>
+        </p:nvSpPr>
+        <p:spPr>
+          <a:xfrm>
+            <a:off x="495607" y="498947"/>
+            <a:ext cx="534121" cy="461665"/>
+          </a:xfrm>
+          <a:prstGeom prst="rect">
+            <a:avLst/>
+          </a:prstGeom>
+          <a:noFill/>
+        </p:spPr>
+        <p:txBody>
+          <a:bodyPr wrap="none" rtlCol="0">
+            <a:spAutoFit/>
+          </a:bodyPr>
+          <a:lstStyle/>
+          <a:p>
+            <a:pPr algn="ctr"/>
+            <a:r>
+              <a:rPr lang="en-US" altLang="ko-KR" sz="2400" spc="-150" dirty="0">
+                <a:solidFill>
+                  <a:srgbClr val="00002F"/>
+                </a:solidFill>
+                <a:latin typeface="+mn-ea"/>
+              </a:rPr>
+              <a:t>04.</a:t>
+            </a:r>
+            <a:endParaRPr lang="ko-KR" altLang="en-US" sz="2400" spc="-150" dirty="0">
               <a:solidFill>
                 <a:srgbClr val="00002F"/>
               </a:solidFill>
@@ -16536,24 +16328,138 @@
       </p:sp>
       <p:sp>
         <p:nvSpPr>
-          <p:cNvPr id="3" name="직사각형 2"/>
+          <p:cNvPr id="22" name="TextBox 21">
+            <a:extLst>
+              <a:ext uri="{FF2B5EF4-FFF2-40B4-BE49-F238E27FC236}">
+                <a16:creationId xmlns:a16="http://schemas.microsoft.com/office/drawing/2014/main" id="{82597664-9239-43D3-B392-D889E808C108}"/>
+              </a:ext>
+            </a:extLst>
+          </p:cNvPr>
+          <p:cNvSpPr txBox="1"/>
+          <p:nvPr/>
+        </p:nvSpPr>
+        <p:spPr>
+          <a:xfrm>
+            <a:off x="1004080" y="989148"/>
+            <a:ext cx="989373" cy="369332"/>
+          </a:xfrm>
+          <a:prstGeom prst="rect">
+            <a:avLst/>
+          </a:prstGeom>
+          <a:noFill/>
+        </p:spPr>
+        <p:txBody>
+          <a:bodyPr wrap="none" rtlCol="0">
+            <a:spAutoFit/>
+          </a:bodyPr>
+          <a:lstStyle/>
+          <a:p>
+            <a:pPr algn="ctr"/>
+            <a:r>
+              <a:rPr lang="en-US" altLang="ko-KR" spc="-150" dirty="0">
+                <a:solidFill>
+                  <a:srgbClr val="00002F"/>
+                </a:solidFill>
+                <a:latin typeface="+mn-ea"/>
+              </a:rPr>
+              <a:t>1</a:t>
+            </a:r>
+            <a:r>
+              <a:rPr lang="ko-KR" altLang="en-US" spc="-150" dirty="0">
+                <a:solidFill>
+                  <a:srgbClr val="00002F"/>
+                </a:solidFill>
+                <a:latin typeface="+mn-ea"/>
+              </a:rPr>
+              <a:t>번 목표</a:t>
+            </a:r>
+          </a:p>
+        </p:txBody>
+      </p:sp>
+      <p:sp>
+        <p:nvSpPr>
+          <p:cNvPr id="6" name="TextBox 5">
+            <a:extLst>
+              <a:ext uri="{FF2B5EF4-FFF2-40B4-BE49-F238E27FC236}">
+                <a16:creationId xmlns:a16="http://schemas.microsoft.com/office/drawing/2014/main" id="{38A28170-F7E1-4475-B51A-E447D293010F}"/>
+              </a:ext>
+            </a:extLst>
+          </p:cNvPr>
+          <p:cNvSpPr txBox="1"/>
+          <p:nvPr/>
+        </p:nvSpPr>
+        <p:spPr>
+          <a:xfrm>
+            <a:off x="1813478" y="4530764"/>
+            <a:ext cx="9600705" cy="861774"/>
+          </a:xfrm>
+          <a:prstGeom prst="rect">
+            <a:avLst/>
+          </a:prstGeom>
+          <a:noFill/>
+        </p:spPr>
+        <p:txBody>
+          <a:bodyPr wrap="none" rtlCol="0">
+            <a:spAutoFit/>
+          </a:bodyPr>
+          <a:lstStyle/>
+          <a:p>
+            <a:r>
+              <a:rPr lang="ko-KR" altLang="en-US" sz="2500" dirty="0"/>
+              <a:t>시간이 지날 수록 </a:t>
+            </a:r>
+            <a:r>
+              <a:rPr lang="en-US" altLang="ko-KR" sz="2500" dirty="0"/>
+              <a:t>Explosives </a:t>
+            </a:r>
+            <a:r>
+              <a:rPr lang="ko-KR" altLang="en-US" sz="2500" dirty="0"/>
+              <a:t>공격을 이용하여 </a:t>
+            </a:r>
+            <a:endParaRPr lang="en-US" altLang="ko-KR" sz="2500" dirty="0"/>
+          </a:p>
+          <a:p>
+            <a:r>
+              <a:rPr lang="ko-KR" altLang="en-US" sz="2500" dirty="0"/>
+              <a:t>군사</a:t>
+            </a:r>
+            <a:r>
+              <a:rPr lang="en-US" altLang="ko-KR" sz="2500" dirty="0"/>
+              <a:t>, </a:t>
+            </a:r>
+            <a:r>
+              <a:rPr lang="ko-KR" altLang="en-US" sz="2500" dirty="0"/>
+              <a:t>혹은 경찰 시설에 대한 피해를 입히는 테러의 양상이 나타남</a:t>
+            </a:r>
+          </a:p>
+        </p:txBody>
+      </p:sp>
+      <p:sp>
+        <p:nvSpPr>
+          <p:cNvPr id="7" name="화살표: 오른쪽 6">
+            <a:extLst>
+              <a:ext uri="{FF2B5EF4-FFF2-40B4-BE49-F238E27FC236}">
+                <a16:creationId xmlns:a16="http://schemas.microsoft.com/office/drawing/2014/main" id="{33953C27-6959-4741-947F-B47C34CC6364}"/>
+              </a:ext>
+            </a:extLst>
+          </p:cNvPr>
           <p:cNvSpPr/>
           <p:nvPr/>
         </p:nvSpPr>
         <p:spPr>
           <a:xfrm>
-            <a:off x="4000499" y="3169741"/>
-            <a:ext cx="4200071" cy="473345"/>
-          </a:xfrm>
-          <a:prstGeom prst="rect">
+            <a:off x="624645" y="4719335"/>
+            <a:ext cx="978408" cy="484632"/>
+          </a:xfrm>
+          <a:prstGeom prst="rightArrow">
             <a:avLst/>
           </a:prstGeom>
           <a:solidFill>
-            <a:srgbClr val="8DBABD"/>
+            <a:srgbClr val="FF0000"/>
           </a:solidFill>
           <a:ln>
             <a:solidFill>
-              <a:srgbClr val="8DBABD"/>
+              <a:schemeClr val="bg1"/>
             </a:solidFill>
           </a:ln>
         </p:spPr>
@@ -16578,19 +16484,44 @@
           <a:lstStyle/>
           <a:p>
             <a:pPr algn="ctr"/>
-            <a:r>
-              <a:rPr lang="ko-KR" altLang="en-US" dirty="0">
-                <a:latin typeface="+mn-ea"/>
-              </a:rPr>
-              <a:t>결론</a:t>
-            </a:r>
+            <a:endParaRPr lang="ko-KR" altLang="en-US"/>
           </a:p>
         </p:txBody>
       </p:sp>
+      <p:pic>
+        <p:nvPicPr>
+          <p:cNvPr id="3" name="그림 2">
+            <a:extLst>
+              <a:ext uri="{FF2B5EF4-FFF2-40B4-BE49-F238E27FC236}">
+                <a16:creationId xmlns:a16="http://schemas.microsoft.com/office/drawing/2014/main" id="{5FE1AC2E-AC0D-4346-19BD-121E3540C362}"/>
+              </a:ext>
+            </a:extLst>
+          </p:cNvPr>
+          <p:cNvPicPr>
+            <a:picLocks noChangeAspect="1"/>
+          </p:cNvPicPr>
+          <p:nvPr/>
+        </p:nvPicPr>
+        <p:blipFill>
+          <a:blip r:embed="rId2"/>
+          <a:stretch>
+            <a:fillRect/>
+          </a:stretch>
+        </p:blipFill>
+        <p:spPr>
+          <a:xfrm>
+            <a:off x="244506" y="1885652"/>
+            <a:ext cx="11702988" cy="1543348"/>
+          </a:xfrm>
+          <a:prstGeom prst="rect">
+            <a:avLst/>
+          </a:prstGeom>
+        </p:spPr>
+      </p:pic>
     </p:spTree>
     <p:extLst>
       <p:ext uri="{BB962C8B-B14F-4D97-AF65-F5344CB8AC3E}">
-        <p14:creationId xmlns:p14="http://schemas.microsoft.com/office/powerpoint/2010/main" val="749505489"/>
+        <p14:creationId xmlns:p14="http://schemas.microsoft.com/office/powerpoint/2010/main" val="2780229360"/>
       </p:ext>
     </p:extLst>
   </p:cSld>
@@ -16917,7 +16848,7 @@
         <p:spPr>
           <a:xfrm>
             <a:off x="1004080" y="989148"/>
-            <a:ext cx="989373" cy="369332"/>
+            <a:ext cx="989374" cy="369332"/>
           </a:xfrm>
           <a:prstGeom prst="rect">
             <a:avLst/>
@@ -16938,7 +16869,7 @@
                 </a:solidFill>
                 <a:latin typeface="+mn-ea"/>
               </a:rPr>
-              <a:t>1</a:t>
+              <a:t>2</a:t>
             </a:r>
             <a:r>
               <a:rPr lang="ko-KR" altLang="en-US" spc="-150" dirty="0">
@@ -16954,10 +16885,10 @@
       </p:sp>
       <p:sp>
         <p:nvSpPr>
-          <p:cNvPr id="6" name="TextBox 5">
+          <p:cNvPr id="3" name="TextBox 2">
             <a:extLst>
               <a:ext uri="{FF2B5EF4-FFF2-40B4-BE49-F238E27FC236}">
-                <a16:creationId xmlns:a16="http://schemas.microsoft.com/office/drawing/2014/main" id="{38A28170-F7E1-4475-B51A-E447D293010F}"/>
+                <a16:creationId xmlns:a16="http://schemas.microsoft.com/office/drawing/2014/main" id="{CB7FB9FC-705F-47D3-B729-B9121F1D4EB4}"/>
               </a:ext>
             </a:extLst>
           </p:cNvPr>
@@ -16966,8 +16897,8 @@
         </p:nvSpPr>
         <p:spPr>
           <a:xfrm>
-            <a:off x="1813478" y="4530764"/>
-            <a:ext cx="9600705" cy="861774"/>
+            <a:off x="8182928" y="2797528"/>
+            <a:ext cx="3750174" cy="1477328"/>
           </a:xfrm>
           <a:prstGeom prst="rect">
             <a:avLst/>
@@ -16975,47 +16906,69 @@
           <a:noFill/>
         </p:spPr>
         <p:txBody>
-          <a:bodyPr wrap="none" rtlCol="0">
+          <a:bodyPr wrap="square" rtlCol="0">
             <a:spAutoFit/>
           </a:bodyPr>
           <a:lstStyle/>
           <a:p>
             <a:r>
-              <a:rPr lang="ko-KR" altLang="en-US" sz="2500" dirty="0"/>
-              <a:t>시간이 지날 수록 </a:t>
-            </a:r>
-            <a:r>
-              <a:rPr lang="en-US" altLang="ko-KR" sz="2500" dirty="0"/>
-              <a:t>Explosives </a:t>
-            </a:r>
-            <a:r>
-              <a:rPr lang="ko-KR" altLang="en-US" sz="2500" dirty="0"/>
-              <a:t>공격을 이용하여 </a:t>
-            </a:r>
-            <a:endParaRPr lang="en-US" altLang="ko-KR" sz="2500" dirty="0"/>
-          </a:p>
-          <a:p>
-            <a:r>
-              <a:rPr lang="ko-KR" altLang="en-US" sz="2500" dirty="0"/>
-              <a:t>군사</a:t>
-            </a:r>
-            <a:r>
-              <a:rPr lang="en-US" altLang="ko-KR" sz="2500" dirty="0"/>
-              <a:t>, </a:t>
-            </a:r>
-            <a:r>
-              <a:rPr lang="ko-KR" altLang="en-US" sz="2500" dirty="0"/>
-              <a:t>혹은 경찰 시설에 대한 피해를 입히는 테러의 양상이 나타남</a:t>
-            </a:r>
+              <a:rPr lang="ko-KR" altLang="en-US" dirty="0"/>
+              <a:t>아프리카 </a:t>
+            </a:r>
+            <a:r>
+              <a:rPr lang="en-US" altLang="ko-KR" dirty="0"/>
+              <a:t>: </a:t>
+            </a:r>
+            <a:r>
+              <a:rPr lang="ko-KR" altLang="en-US" dirty="0"/>
+              <a:t>민간에 대한 테러 양상</a:t>
+            </a:r>
+            <a:endParaRPr lang="en-US" altLang="ko-KR" dirty="0"/>
+          </a:p>
+          <a:p>
+            <a:endParaRPr lang="en-US" altLang="ko-KR" dirty="0"/>
+          </a:p>
+          <a:p>
+            <a:r>
+              <a:rPr lang="ko-KR" altLang="en-US" dirty="0"/>
+              <a:t>아시아 </a:t>
+            </a:r>
+            <a:r>
+              <a:rPr lang="en-US" altLang="ko-KR" dirty="0"/>
+              <a:t>: </a:t>
+            </a:r>
+            <a:r>
+              <a:rPr lang="ko-KR" altLang="en-US" dirty="0"/>
+              <a:t>정부에 대한 테러 양상</a:t>
+            </a:r>
+            <a:endParaRPr lang="en-US" altLang="ko-KR" dirty="0"/>
+          </a:p>
+          <a:p>
+            <a:endParaRPr lang="en-US" altLang="ko-KR" dirty="0"/>
+          </a:p>
+          <a:p>
+            <a:r>
+              <a:rPr lang="ko-KR" altLang="en-US" dirty="0"/>
+              <a:t>유럽 </a:t>
+            </a:r>
+            <a:r>
+              <a:rPr lang="en-US" altLang="ko-KR" dirty="0"/>
+              <a:t>: </a:t>
+            </a:r>
+            <a:r>
+              <a:rPr lang="ko-KR" altLang="en-US" dirty="0"/>
+              <a:t>정부에 대한 테러 양상</a:t>
+            </a:r>
+            <a:endParaRPr lang="en-US" altLang="ko-KR" dirty="0"/>
           </a:p>
         </p:txBody>
       </p:sp>
       <p:sp>
         <p:nvSpPr>
-          <p:cNvPr id="7" name="화살표: 오른쪽 6">
+          <p:cNvPr id="12" name="화살표: 오른쪽 11">
             <a:extLst>
               <a:ext uri="{FF2B5EF4-FFF2-40B4-BE49-F238E27FC236}">
-                <a16:creationId xmlns:a16="http://schemas.microsoft.com/office/drawing/2014/main" id="{33953C27-6959-4741-947F-B47C34CC6364}"/>
+                <a16:creationId xmlns:a16="http://schemas.microsoft.com/office/drawing/2014/main" id="{C502905E-E6BC-4B84-A648-534E4CC0F693}"/>
               </a:ext>
             </a:extLst>
           </p:cNvPr>
@@ -17024,7 +16977,7 @@
         </p:nvSpPr>
         <p:spPr>
           <a:xfrm>
-            <a:off x="624645" y="4719335"/>
+            <a:off x="7139509" y="3293876"/>
             <a:ext cx="978408" cy="484632"/>
           </a:xfrm>
           <a:prstGeom prst="rightArrow">
@@ -17066,10 +17019,10 @@
       </p:sp>
       <p:pic>
         <p:nvPicPr>
-          <p:cNvPr id="3" name="그림 2">
+          <p:cNvPr id="5" name="그림 4">
             <a:extLst>
               <a:ext uri="{FF2B5EF4-FFF2-40B4-BE49-F238E27FC236}">
-                <a16:creationId xmlns:a16="http://schemas.microsoft.com/office/drawing/2014/main" id="{5FE1AC2E-AC0D-4346-19BD-121E3540C362}"/>
+                <a16:creationId xmlns:a16="http://schemas.microsoft.com/office/drawing/2014/main" id="{74DAB22C-921E-3E02-77E8-533A61D4B8AE}"/>
               </a:ext>
             </a:extLst>
           </p:cNvPr>
@@ -17086,18 +17039,212 @@
         </p:blipFill>
         <p:spPr>
           <a:xfrm>
-            <a:off x="244506" y="1885652"/>
-            <a:ext cx="11702988" cy="1543348"/>
+            <a:off x="1010810" y="1691589"/>
+            <a:ext cx="982643" cy="4762038"/>
           </a:xfrm>
           <a:prstGeom prst="rect">
             <a:avLst/>
           </a:prstGeom>
         </p:spPr>
       </p:pic>
+      <p:sp>
+        <p:nvSpPr>
+          <p:cNvPr id="6" name="TextBox 5">
+            <a:extLst>
+              <a:ext uri="{FF2B5EF4-FFF2-40B4-BE49-F238E27FC236}">
+                <a16:creationId xmlns:a16="http://schemas.microsoft.com/office/drawing/2014/main" id="{A89FDDE6-6152-2B12-77F7-848B4F3A25EC}"/>
+              </a:ext>
+            </a:extLst>
+          </p:cNvPr>
+          <p:cNvSpPr txBox="1"/>
+          <p:nvPr/>
+        </p:nvSpPr>
+        <p:spPr>
+          <a:xfrm>
+            <a:off x="3362246" y="6268961"/>
+            <a:ext cx="1518249" cy="369332"/>
+          </a:xfrm>
+          <a:prstGeom prst="rect">
+            <a:avLst/>
+          </a:prstGeom>
+          <a:noFill/>
+        </p:spPr>
+        <p:txBody>
+          <a:bodyPr wrap="square" rtlCol="0">
+            <a:spAutoFit/>
+          </a:bodyPr>
+          <a:lstStyle/>
+          <a:p>
+            <a:r>
+              <a:rPr lang="ko-KR" altLang="en-US" dirty="0"/>
+              <a:t>아시아</a:t>
+            </a:r>
+          </a:p>
+        </p:txBody>
+      </p:sp>
+      <p:pic>
+        <p:nvPicPr>
+          <p:cNvPr id="8" name="그림 7">
+            <a:extLst>
+              <a:ext uri="{FF2B5EF4-FFF2-40B4-BE49-F238E27FC236}">
+                <a16:creationId xmlns:a16="http://schemas.microsoft.com/office/drawing/2014/main" id="{194463EE-67D4-0A6B-E54E-1347F26F41DB}"/>
+              </a:ext>
+            </a:extLst>
+          </p:cNvPr>
+          <p:cNvPicPr>
+            <a:picLocks noChangeAspect="1"/>
+          </p:cNvPicPr>
+          <p:nvPr/>
+        </p:nvPicPr>
+        <p:blipFill>
+          <a:blip r:embed="rId3"/>
+          <a:stretch>
+            <a:fillRect/>
+          </a:stretch>
+        </p:blipFill>
+        <p:spPr>
+          <a:xfrm>
+            <a:off x="3398589" y="811694"/>
+            <a:ext cx="878278" cy="4198890"/>
+          </a:xfrm>
+          <a:prstGeom prst="rect">
+            <a:avLst/>
+          </a:prstGeom>
+        </p:spPr>
+      </p:pic>
+      <p:pic>
+        <p:nvPicPr>
+          <p:cNvPr id="10" name="그림 9">
+            <a:extLst>
+              <a:ext uri="{FF2B5EF4-FFF2-40B4-BE49-F238E27FC236}">
+                <a16:creationId xmlns:a16="http://schemas.microsoft.com/office/drawing/2014/main" id="{988EE2C8-3ABD-93F5-1BAB-F401D2043412}"/>
+              </a:ext>
+            </a:extLst>
+          </p:cNvPr>
+          <p:cNvPicPr>
+            <a:picLocks noChangeAspect="1"/>
+          </p:cNvPicPr>
+          <p:nvPr/>
+        </p:nvPicPr>
+        <p:blipFill>
+          <a:blip r:embed="rId4"/>
+          <a:stretch>
+            <a:fillRect/>
+          </a:stretch>
+        </p:blipFill>
+        <p:spPr>
+          <a:xfrm>
+            <a:off x="3398588" y="4932269"/>
+            <a:ext cx="878278" cy="1229589"/>
+          </a:xfrm>
+          <a:prstGeom prst="rect">
+            <a:avLst/>
+          </a:prstGeom>
+        </p:spPr>
+      </p:pic>
+      <p:sp>
+        <p:nvSpPr>
+          <p:cNvPr id="11" name="TextBox 10">
+            <a:extLst>
+              <a:ext uri="{FF2B5EF4-FFF2-40B4-BE49-F238E27FC236}">
+                <a16:creationId xmlns:a16="http://schemas.microsoft.com/office/drawing/2014/main" id="{63FC3325-42BE-F683-B9C9-D2385A7892AE}"/>
+              </a:ext>
+            </a:extLst>
+          </p:cNvPr>
+          <p:cNvSpPr txBox="1"/>
+          <p:nvPr/>
+        </p:nvSpPr>
+        <p:spPr>
+          <a:xfrm>
+            <a:off x="1004080" y="6224931"/>
+            <a:ext cx="1518249" cy="369332"/>
+          </a:xfrm>
+          <a:prstGeom prst="rect">
+            <a:avLst/>
+          </a:prstGeom>
+          <a:noFill/>
+        </p:spPr>
+        <p:txBody>
+          <a:bodyPr wrap="square" rtlCol="0">
+            <a:spAutoFit/>
+          </a:bodyPr>
+          <a:lstStyle/>
+          <a:p>
+            <a:r>
+              <a:rPr lang="ko-KR" altLang="en-US" dirty="0"/>
+              <a:t>아프리카</a:t>
+            </a:r>
+          </a:p>
+        </p:txBody>
+      </p:sp>
+      <p:pic>
+        <p:nvPicPr>
+          <p:cNvPr id="21" name="그림 20">
+            <a:extLst>
+              <a:ext uri="{FF2B5EF4-FFF2-40B4-BE49-F238E27FC236}">
+                <a16:creationId xmlns:a16="http://schemas.microsoft.com/office/drawing/2014/main" id="{C6D16511-8039-F770-F2D8-5CC3A0F05A5F}"/>
+              </a:ext>
+            </a:extLst>
+          </p:cNvPr>
+          <p:cNvPicPr>
+            <a:picLocks noChangeAspect="1"/>
+          </p:cNvPicPr>
+          <p:nvPr/>
+        </p:nvPicPr>
+        <p:blipFill rotWithShape="1">
+          <a:blip r:embed="rId5"/>
+          <a:srcRect r="5699"/>
+          <a:stretch/>
+        </p:blipFill>
+        <p:spPr>
+          <a:xfrm>
+            <a:off x="4856096" y="1131547"/>
+            <a:ext cx="1449198" cy="5137414"/>
+          </a:xfrm>
+          <a:prstGeom prst="rect">
+            <a:avLst/>
+          </a:prstGeom>
+        </p:spPr>
+      </p:pic>
+      <p:sp>
+        <p:nvSpPr>
+          <p:cNvPr id="23" name="TextBox 22">
+            <a:extLst>
+              <a:ext uri="{FF2B5EF4-FFF2-40B4-BE49-F238E27FC236}">
+                <a16:creationId xmlns:a16="http://schemas.microsoft.com/office/drawing/2014/main" id="{5C48D748-8DBB-A24D-E498-B390228CA1AC}"/>
+              </a:ext>
+            </a:extLst>
+          </p:cNvPr>
+          <p:cNvSpPr txBox="1"/>
+          <p:nvPr/>
+        </p:nvSpPr>
+        <p:spPr>
+          <a:xfrm>
+            <a:off x="5228427" y="6268961"/>
+            <a:ext cx="1518249" cy="369332"/>
+          </a:xfrm>
+          <a:prstGeom prst="rect">
+            <a:avLst/>
+          </a:prstGeom>
+          <a:noFill/>
+        </p:spPr>
+        <p:txBody>
+          <a:bodyPr wrap="square" rtlCol="0">
+            <a:spAutoFit/>
+          </a:bodyPr>
+          <a:lstStyle/>
+          <a:p>
+            <a:r>
+              <a:rPr lang="ko-KR" altLang="en-US" dirty="0"/>
+              <a:t>유럽</a:t>
+            </a:r>
+          </a:p>
+        </p:txBody>
+      </p:sp>
     </p:spTree>
     <p:extLst>
       <p:ext uri="{BB962C8B-B14F-4D97-AF65-F5344CB8AC3E}">
-        <p14:creationId xmlns:p14="http://schemas.microsoft.com/office/powerpoint/2010/main" val="2780229360"/>
+        <p14:creationId xmlns:p14="http://schemas.microsoft.com/office/powerpoint/2010/main" val="3429334843"/>
       </p:ext>
     </p:extLst>
   </p:cSld>
@@ -17445,7 +17592,7 @@
                 </a:solidFill>
                 <a:latin typeface="+mn-ea"/>
               </a:rPr>
-              <a:t>2</a:t>
+              <a:t>3</a:t>
             </a:r>
             <a:r>
               <a:rPr lang="ko-KR" altLang="en-US" spc="-150" dirty="0">
@@ -17459,12 +17606,42 @@
           </a:p>
         </p:txBody>
       </p:sp>
+      <p:pic>
+        <p:nvPicPr>
+          <p:cNvPr id="2" name="그림 1">
+            <a:extLst>
+              <a:ext uri="{FF2B5EF4-FFF2-40B4-BE49-F238E27FC236}">
+                <a16:creationId xmlns:a16="http://schemas.microsoft.com/office/drawing/2014/main" id="{AAB0805F-3E71-481B-82D7-06E2C0E1C782}"/>
+              </a:ext>
+            </a:extLst>
+          </p:cNvPr>
+          <p:cNvPicPr>
+            <a:picLocks noChangeAspect="1"/>
+          </p:cNvPicPr>
+          <p:nvPr/>
+        </p:nvPicPr>
+        <p:blipFill>
+          <a:blip r:embed="rId2"/>
+          <a:stretch>
+            <a:fillRect/>
+          </a:stretch>
+        </p:blipFill>
+        <p:spPr>
+          <a:xfrm>
+            <a:off x="194733" y="1702643"/>
+            <a:ext cx="11802533" cy="2014631"/>
+          </a:xfrm>
+          <a:prstGeom prst="rect">
+            <a:avLst/>
+          </a:prstGeom>
+        </p:spPr>
+      </p:pic>
       <p:sp>
         <p:nvSpPr>
-          <p:cNvPr id="3" name="TextBox 2">
+          <p:cNvPr id="11" name="TextBox 10">
             <a:extLst>
               <a:ext uri="{FF2B5EF4-FFF2-40B4-BE49-F238E27FC236}">
-                <a16:creationId xmlns:a16="http://schemas.microsoft.com/office/drawing/2014/main" id="{CB7FB9FC-705F-47D3-B729-B9121F1D4EB4}"/>
+                <a16:creationId xmlns:a16="http://schemas.microsoft.com/office/drawing/2014/main" id="{C76041AF-B647-43D3-B681-89362762B59A}"/>
               </a:ext>
             </a:extLst>
           </p:cNvPr>
@@ -17473,8 +17650,8 @@
         </p:nvSpPr>
         <p:spPr>
           <a:xfrm>
-            <a:off x="8182928" y="2797528"/>
-            <a:ext cx="3750174" cy="1477328"/>
+            <a:off x="1841053" y="4628638"/>
+            <a:ext cx="10637018" cy="1477328"/>
           </a:xfrm>
           <a:prstGeom prst="rect">
             <a:avLst/>
@@ -17497,7 +17674,15 @@
             </a:r>
             <a:r>
               <a:rPr lang="ko-KR" altLang="en-US" dirty="0"/>
-              <a:t>민간에 대한 테러 양상</a:t>
+              <a:t>과거 정부 시설 및 민간 시설이 비슷했지만 현재는 군</a:t>
+            </a:r>
+            <a:r>
+              <a:rPr lang="en-US" altLang="ko-KR" dirty="0"/>
+              <a:t>, </a:t>
+            </a:r>
+            <a:r>
+              <a:rPr lang="ko-KR" altLang="en-US" dirty="0"/>
+              <a:t>경찰과 관련된 테러 양상</a:t>
             </a:r>
             <a:endParaRPr lang="en-US" altLang="ko-KR" dirty="0"/>
           </a:p>
@@ -17515,7 +17700,7 @@
             </a:r>
             <a:r>
               <a:rPr lang="ko-KR" altLang="en-US" dirty="0"/>
-              <a:t>정부에 대한 테러 양상</a:t>
+              <a:t>아프리카와 동일</a:t>
             </a:r>
             <a:endParaRPr lang="en-US" altLang="ko-KR" dirty="0"/>
           </a:p>
@@ -17533,7 +17718,7 @@
             </a:r>
             <a:r>
               <a:rPr lang="ko-KR" altLang="en-US" dirty="0"/>
-              <a:t>정부에 대한 테러 양상</a:t>
+              <a:t>군 시설에 대한 테러 양상 지속적으로 나타남</a:t>
             </a:r>
             <a:endParaRPr lang="en-US" altLang="ko-KR" dirty="0"/>
           </a:p>
@@ -17544,7 +17729,7 @@
           <p:cNvPr id="12" name="화살표: 오른쪽 11">
             <a:extLst>
               <a:ext uri="{FF2B5EF4-FFF2-40B4-BE49-F238E27FC236}">
-                <a16:creationId xmlns:a16="http://schemas.microsoft.com/office/drawing/2014/main" id="{C502905E-E6BC-4B84-A648-534E4CC0F693}"/>
+                <a16:creationId xmlns:a16="http://schemas.microsoft.com/office/drawing/2014/main" id="{C754DC83-1031-4FA9-A677-B02E903AD93B}"/>
               </a:ext>
             </a:extLst>
           </p:cNvPr>
@@ -17553,7 +17738,7 @@
         </p:nvSpPr>
         <p:spPr>
           <a:xfrm>
-            <a:off x="7139509" y="3293876"/>
+            <a:off x="537318" y="5124986"/>
             <a:ext cx="978408" cy="484632"/>
           </a:xfrm>
           <a:prstGeom prst="rightArrow">
@@ -17593,234 +17778,10 @@
           </a:p>
         </p:txBody>
       </p:sp>
-      <p:pic>
-        <p:nvPicPr>
-          <p:cNvPr id="5" name="그림 4">
-            <a:extLst>
-              <a:ext uri="{FF2B5EF4-FFF2-40B4-BE49-F238E27FC236}">
-                <a16:creationId xmlns:a16="http://schemas.microsoft.com/office/drawing/2014/main" id="{74DAB22C-921E-3E02-77E8-533A61D4B8AE}"/>
-              </a:ext>
-            </a:extLst>
-          </p:cNvPr>
-          <p:cNvPicPr>
-            <a:picLocks noChangeAspect="1"/>
-          </p:cNvPicPr>
-          <p:nvPr/>
-        </p:nvPicPr>
-        <p:blipFill>
-          <a:blip r:embed="rId2"/>
-          <a:stretch>
-            <a:fillRect/>
-          </a:stretch>
-        </p:blipFill>
-        <p:spPr>
-          <a:xfrm>
-            <a:off x="1010810" y="1691589"/>
-            <a:ext cx="982643" cy="4762038"/>
-          </a:xfrm>
-          <a:prstGeom prst="rect">
-            <a:avLst/>
-          </a:prstGeom>
-        </p:spPr>
-      </p:pic>
-      <p:sp>
-        <p:nvSpPr>
-          <p:cNvPr id="6" name="TextBox 5">
-            <a:extLst>
-              <a:ext uri="{FF2B5EF4-FFF2-40B4-BE49-F238E27FC236}">
-                <a16:creationId xmlns:a16="http://schemas.microsoft.com/office/drawing/2014/main" id="{A89FDDE6-6152-2B12-77F7-848B4F3A25EC}"/>
-              </a:ext>
-            </a:extLst>
-          </p:cNvPr>
-          <p:cNvSpPr txBox="1"/>
-          <p:nvPr/>
-        </p:nvSpPr>
-        <p:spPr>
-          <a:xfrm>
-            <a:off x="3362246" y="6268961"/>
-            <a:ext cx="1518249" cy="369332"/>
-          </a:xfrm>
-          <a:prstGeom prst="rect">
-            <a:avLst/>
-          </a:prstGeom>
-          <a:noFill/>
-        </p:spPr>
-        <p:txBody>
-          <a:bodyPr wrap="square" rtlCol="0">
-            <a:spAutoFit/>
-          </a:bodyPr>
-          <a:lstStyle/>
-          <a:p>
-            <a:r>
-              <a:rPr lang="ko-KR" altLang="en-US" dirty="0"/>
-              <a:t>아시아</a:t>
-            </a:r>
-          </a:p>
-        </p:txBody>
-      </p:sp>
-      <p:pic>
-        <p:nvPicPr>
-          <p:cNvPr id="8" name="그림 7">
-            <a:extLst>
-              <a:ext uri="{FF2B5EF4-FFF2-40B4-BE49-F238E27FC236}">
-                <a16:creationId xmlns:a16="http://schemas.microsoft.com/office/drawing/2014/main" id="{194463EE-67D4-0A6B-E54E-1347F26F41DB}"/>
-              </a:ext>
-            </a:extLst>
-          </p:cNvPr>
-          <p:cNvPicPr>
-            <a:picLocks noChangeAspect="1"/>
-          </p:cNvPicPr>
-          <p:nvPr/>
-        </p:nvPicPr>
-        <p:blipFill>
-          <a:blip r:embed="rId3"/>
-          <a:stretch>
-            <a:fillRect/>
-          </a:stretch>
-        </p:blipFill>
-        <p:spPr>
-          <a:xfrm>
-            <a:off x="3398589" y="811694"/>
-            <a:ext cx="878278" cy="4198890"/>
-          </a:xfrm>
-          <a:prstGeom prst="rect">
-            <a:avLst/>
-          </a:prstGeom>
-        </p:spPr>
-      </p:pic>
-      <p:pic>
-        <p:nvPicPr>
-          <p:cNvPr id="10" name="그림 9">
-            <a:extLst>
-              <a:ext uri="{FF2B5EF4-FFF2-40B4-BE49-F238E27FC236}">
-                <a16:creationId xmlns:a16="http://schemas.microsoft.com/office/drawing/2014/main" id="{988EE2C8-3ABD-93F5-1BAB-F401D2043412}"/>
-              </a:ext>
-            </a:extLst>
-          </p:cNvPr>
-          <p:cNvPicPr>
-            <a:picLocks noChangeAspect="1"/>
-          </p:cNvPicPr>
-          <p:nvPr/>
-        </p:nvPicPr>
-        <p:blipFill>
-          <a:blip r:embed="rId4"/>
-          <a:stretch>
-            <a:fillRect/>
-          </a:stretch>
-        </p:blipFill>
-        <p:spPr>
-          <a:xfrm>
-            <a:off x="3398588" y="4932269"/>
-            <a:ext cx="878278" cy="1229589"/>
-          </a:xfrm>
-          <a:prstGeom prst="rect">
-            <a:avLst/>
-          </a:prstGeom>
-        </p:spPr>
-      </p:pic>
-      <p:sp>
-        <p:nvSpPr>
-          <p:cNvPr id="11" name="TextBox 10">
-            <a:extLst>
-              <a:ext uri="{FF2B5EF4-FFF2-40B4-BE49-F238E27FC236}">
-                <a16:creationId xmlns:a16="http://schemas.microsoft.com/office/drawing/2014/main" id="{63FC3325-42BE-F683-B9C9-D2385A7892AE}"/>
-              </a:ext>
-            </a:extLst>
-          </p:cNvPr>
-          <p:cNvSpPr txBox="1"/>
-          <p:nvPr/>
-        </p:nvSpPr>
-        <p:spPr>
-          <a:xfrm>
-            <a:off x="1004080" y="6224931"/>
-            <a:ext cx="1518249" cy="369332"/>
-          </a:xfrm>
-          <a:prstGeom prst="rect">
-            <a:avLst/>
-          </a:prstGeom>
-          <a:noFill/>
-        </p:spPr>
-        <p:txBody>
-          <a:bodyPr wrap="square" rtlCol="0">
-            <a:spAutoFit/>
-          </a:bodyPr>
-          <a:lstStyle/>
-          <a:p>
-            <a:r>
-              <a:rPr lang="ko-KR" altLang="en-US" dirty="0"/>
-              <a:t>아프리카</a:t>
-            </a:r>
-          </a:p>
-        </p:txBody>
-      </p:sp>
-      <p:pic>
-        <p:nvPicPr>
-          <p:cNvPr id="21" name="그림 20">
-            <a:extLst>
-              <a:ext uri="{FF2B5EF4-FFF2-40B4-BE49-F238E27FC236}">
-                <a16:creationId xmlns:a16="http://schemas.microsoft.com/office/drawing/2014/main" id="{C6D16511-8039-F770-F2D8-5CC3A0F05A5F}"/>
-              </a:ext>
-            </a:extLst>
-          </p:cNvPr>
-          <p:cNvPicPr>
-            <a:picLocks noChangeAspect="1"/>
-          </p:cNvPicPr>
-          <p:nvPr/>
-        </p:nvPicPr>
-        <p:blipFill rotWithShape="1">
-          <a:blip r:embed="rId5"/>
-          <a:srcRect r="5699"/>
-          <a:stretch/>
-        </p:blipFill>
-        <p:spPr>
-          <a:xfrm>
-            <a:off x="4856096" y="1131547"/>
-            <a:ext cx="1449198" cy="5137414"/>
-          </a:xfrm>
-          <a:prstGeom prst="rect">
-            <a:avLst/>
-          </a:prstGeom>
-        </p:spPr>
-      </p:pic>
-      <p:sp>
-        <p:nvSpPr>
-          <p:cNvPr id="23" name="TextBox 22">
-            <a:extLst>
-              <a:ext uri="{FF2B5EF4-FFF2-40B4-BE49-F238E27FC236}">
-                <a16:creationId xmlns:a16="http://schemas.microsoft.com/office/drawing/2014/main" id="{5C48D748-8DBB-A24D-E498-B390228CA1AC}"/>
-              </a:ext>
-            </a:extLst>
-          </p:cNvPr>
-          <p:cNvSpPr txBox="1"/>
-          <p:nvPr/>
-        </p:nvSpPr>
-        <p:spPr>
-          <a:xfrm>
-            <a:off x="5228427" y="6268961"/>
-            <a:ext cx="1518249" cy="369332"/>
-          </a:xfrm>
-          <a:prstGeom prst="rect">
-            <a:avLst/>
-          </a:prstGeom>
-          <a:noFill/>
-        </p:spPr>
-        <p:txBody>
-          <a:bodyPr wrap="square" rtlCol="0">
-            <a:spAutoFit/>
-          </a:bodyPr>
-          <a:lstStyle/>
-          <a:p>
-            <a:r>
-              <a:rPr lang="ko-KR" altLang="en-US" dirty="0"/>
-              <a:t>유럽</a:t>
-            </a:r>
-          </a:p>
-        </p:txBody>
-      </p:sp>
     </p:spTree>
     <p:extLst>
       <p:ext uri="{BB962C8B-B14F-4D97-AF65-F5344CB8AC3E}">
-        <p14:creationId xmlns:p14="http://schemas.microsoft.com/office/powerpoint/2010/main" val="3429334843"/>
+        <p14:creationId xmlns:p14="http://schemas.microsoft.com/office/powerpoint/2010/main" val="1786461696"/>
       </p:ext>
     </p:extLst>
   </p:cSld>
@@ -17847,543 +17808,6 @@
           <a:chExt cx="0" cy="0"/>
         </a:xfrm>
       </p:grpSpPr>
-      <p:cxnSp>
-        <p:nvCxnSpPr>
-          <p:cNvPr id="14" name="직선 연결선 13"/>
-          <p:cNvCxnSpPr/>
-          <p:nvPr/>
-        </p:nvCxnSpPr>
-        <p:spPr>
-          <a:xfrm>
-            <a:off x="10430892" y="144941"/>
-            <a:ext cx="360000" cy="0"/>
-          </a:xfrm>
-          <a:prstGeom prst="line">
-            <a:avLst/>
-          </a:prstGeom>
-          <a:ln w="44450" cap="rnd">
-            <a:solidFill>
-              <a:srgbClr val="D0CECE"/>
-            </a:solidFill>
-          </a:ln>
-          <a:effectLst>
-            <a:outerShdw blurRad="50800" dist="38100" dir="5400000" algn="t" rotWithShape="0">
-              <a:prstClr val="black">
-                <a:alpha val="40000"/>
-              </a:prstClr>
-            </a:outerShdw>
-          </a:effectLst>
-        </p:spPr>
-        <p:style>
-          <a:lnRef idx="1">
-            <a:schemeClr val="accent1"/>
-          </a:lnRef>
-          <a:fillRef idx="0">
-            <a:schemeClr val="accent1"/>
-          </a:fillRef>
-          <a:effectRef idx="0">
-            <a:schemeClr val="accent1"/>
-          </a:effectRef>
-          <a:fontRef idx="minor">
-            <a:schemeClr val="tx1"/>
-          </a:fontRef>
-        </p:style>
-      </p:cxnSp>
-      <p:cxnSp>
-        <p:nvCxnSpPr>
-          <p:cNvPr id="15" name="직선 연결선 14"/>
-          <p:cNvCxnSpPr/>
-          <p:nvPr/>
-        </p:nvCxnSpPr>
-        <p:spPr>
-          <a:xfrm>
-            <a:off x="10858459" y="144941"/>
-            <a:ext cx="360000" cy="0"/>
-          </a:xfrm>
-          <a:prstGeom prst="line">
-            <a:avLst/>
-          </a:prstGeom>
-          <a:ln w="44450" cap="rnd">
-            <a:solidFill>
-              <a:schemeClr val="bg2">
-                <a:lumMod val="90000"/>
-              </a:schemeClr>
-            </a:solidFill>
-          </a:ln>
-          <a:effectLst>
-            <a:outerShdw blurRad="50800" dist="38100" dir="5400000" algn="t" rotWithShape="0">
-              <a:prstClr val="black">
-                <a:alpha val="40000"/>
-              </a:prstClr>
-            </a:outerShdw>
-          </a:effectLst>
-        </p:spPr>
-        <p:style>
-          <a:lnRef idx="1">
-            <a:schemeClr val="accent1"/>
-          </a:lnRef>
-          <a:fillRef idx="0">
-            <a:schemeClr val="accent1"/>
-          </a:fillRef>
-          <a:effectRef idx="0">
-            <a:schemeClr val="accent1"/>
-          </a:effectRef>
-          <a:fontRef idx="minor">
-            <a:schemeClr val="tx1"/>
-          </a:fontRef>
-        </p:style>
-      </p:cxnSp>
-      <p:cxnSp>
-        <p:nvCxnSpPr>
-          <p:cNvPr id="16" name="직선 연결선 15"/>
-          <p:cNvCxnSpPr/>
-          <p:nvPr/>
-        </p:nvCxnSpPr>
-        <p:spPr>
-          <a:xfrm>
-            <a:off x="11691014" y="144941"/>
-            <a:ext cx="360000" cy="0"/>
-          </a:xfrm>
-          <a:prstGeom prst="line">
-            <a:avLst/>
-          </a:prstGeom>
-          <a:ln w="44450" cap="rnd">
-            <a:solidFill>
-              <a:srgbClr val="8DBABD"/>
-            </a:solidFill>
-          </a:ln>
-          <a:effectLst>
-            <a:outerShdw blurRad="50800" dist="38100" dir="5400000" algn="t" rotWithShape="0">
-              <a:prstClr val="black">
-                <a:alpha val="40000"/>
-              </a:prstClr>
-            </a:outerShdw>
-          </a:effectLst>
-        </p:spPr>
-        <p:style>
-          <a:lnRef idx="1">
-            <a:schemeClr val="accent1"/>
-          </a:lnRef>
-          <a:fillRef idx="0">
-            <a:schemeClr val="accent1"/>
-          </a:fillRef>
-          <a:effectRef idx="0">
-            <a:schemeClr val="accent1"/>
-          </a:effectRef>
-          <a:fontRef idx="minor">
-            <a:schemeClr val="tx1"/>
-          </a:fontRef>
-        </p:style>
-      </p:cxnSp>
-      <p:cxnSp>
-        <p:nvCxnSpPr>
-          <p:cNvPr id="17" name="직선 연결선 16"/>
-          <p:cNvCxnSpPr/>
-          <p:nvPr/>
-        </p:nvCxnSpPr>
-        <p:spPr>
-          <a:xfrm>
-            <a:off x="11278970" y="144941"/>
-            <a:ext cx="360000" cy="0"/>
-          </a:xfrm>
-          <a:prstGeom prst="line">
-            <a:avLst/>
-          </a:prstGeom>
-          <a:ln w="44450" cap="rnd">
-            <a:solidFill>
-              <a:schemeClr val="bg2">
-                <a:lumMod val="90000"/>
-              </a:schemeClr>
-            </a:solidFill>
-          </a:ln>
-          <a:effectLst>
-            <a:outerShdw blurRad="50800" dist="38100" dir="5400000" algn="t" rotWithShape="0">
-              <a:prstClr val="black">
-                <a:alpha val="40000"/>
-              </a:prstClr>
-            </a:outerShdw>
-          </a:effectLst>
-        </p:spPr>
-        <p:style>
-          <a:lnRef idx="1">
-            <a:schemeClr val="accent1"/>
-          </a:lnRef>
-          <a:fillRef idx="0">
-            <a:schemeClr val="accent1"/>
-          </a:fillRef>
-          <a:effectRef idx="0">
-            <a:schemeClr val="accent1"/>
-          </a:effectRef>
-          <a:fontRef idx="minor">
-            <a:schemeClr val="tx1"/>
-          </a:fontRef>
-        </p:style>
-      </p:cxnSp>
-      <p:cxnSp>
-        <p:nvCxnSpPr>
-          <p:cNvPr id="18" name="직선 연결선 17"/>
-          <p:cNvCxnSpPr/>
-          <p:nvPr/>
-        </p:nvCxnSpPr>
-        <p:spPr>
-          <a:xfrm>
-            <a:off x="1026522" y="989148"/>
-            <a:ext cx="2160000" cy="0"/>
-          </a:xfrm>
-          <a:prstGeom prst="line">
-            <a:avLst/>
-          </a:prstGeom>
-          <a:ln>
-            <a:solidFill>
-              <a:schemeClr val="bg1">
-                <a:lumMod val="50000"/>
-              </a:schemeClr>
-            </a:solidFill>
-          </a:ln>
-        </p:spPr>
-        <p:style>
-          <a:lnRef idx="1">
-            <a:schemeClr val="accent1"/>
-          </a:lnRef>
-          <a:fillRef idx="0">
-            <a:schemeClr val="accent1"/>
-          </a:fillRef>
-          <a:effectRef idx="0">
-            <a:schemeClr val="accent1"/>
-          </a:effectRef>
-          <a:fontRef idx="minor">
-            <a:schemeClr val="tx1"/>
-          </a:fontRef>
-        </p:style>
-      </p:cxnSp>
-      <p:sp>
-        <p:nvSpPr>
-          <p:cNvPr id="19" name="TextBox 18"/>
-          <p:cNvSpPr txBox="1"/>
-          <p:nvPr/>
-        </p:nvSpPr>
-        <p:spPr>
-          <a:xfrm>
-            <a:off x="1026522" y="404373"/>
-            <a:ext cx="966931" cy="584775"/>
-          </a:xfrm>
-          <a:prstGeom prst="rect">
-            <a:avLst/>
-          </a:prstGeom>
-          <a:noFill/>
-        </p:spPr>
-        <p:txBody>
-          <a:bodyPr wrap="none" rtlCol="0">
-            <a:spAutoFit/>
-          </a:bodyPr>
-          <a:lstStyle/>
-          <a:p>
-            <a:pPr algn="ctr"/>
-            <a:r>
-              <a:rPr lang="ko-KR" altLang="en-US" sz="3200" spc="-150" dirty="0">
-                <a:solidFill>
-                  <a:srgbClr val="00002F"/>
-                </a:solidFill>
-                <a:latin typeface="+mn-ea"/>
-              </a:rPr>
-              <a:t>결론</a:t>
-            </a:r>
-          </a:p>
-        </p:txBody>
-      </p:sp>
-      <p:sp>
-        <p:nvSpPr>
-          <p:cNvPr id="20" name="TextBox 19"/>
-          <p:cNvSpPr txBox="1"/>
-          <p:nvPr/>
-        </p:nvSpPr>
-        <p:spPr>
-          <a:xfrm>
-            <a:off x="495607" y="498947"/>
-            <a:ext cx="534121" cy="461665"/>
-          </a:xfrm>
-          <a:prstGeom prst="rect">
-            <a:avLst/>
-          </a:prstGeom>
-          <a:noFill/>
-        </p:spPr>
-        <p:txBody>
-          <a:bodyPr wrap="none" rtlCol="0">
-            <a:spAutoFit/>
-          </a:bodyPr>
-          <a:lstStyle/>
-          <a:p>
-            <a:pPr algn="ctr"/>
-            <a:r>
-              <a:rPr lang="en-US" altLang="ko-KR" sz="2400" spc="-150" dirty="0">
-                <a:solidFill>
-                  <a:srgbClr val="00002F"/>
-                </a:solidFill>
-                <a:latin typeface="+mn-ea"/>
-              </a:rPr>
-              <a:t>04.</a:t>
-            </a:r>
-            <a:endParaRPr lang="ko-KR" altLang="en-US" sz="2400" spc="-150" dirty="0">
-              <a:solidFill>
-                <a:srgbClr val="00002F"/>
-              </a:solidFill>
-              <a:latin typeface="+mn-ea"/>
-            </a:endParaRPr>
-          </a:p>
-        </p:txBody>
-      </p:sp>
-      <p:sp>
-        <p:nvSpPr>
-          <p:cNvPr id="22" name="TextBox 21">
-            <a:extLst>
-              <a:ext uri="{FF2B5EF4-FFF2-40B4-BE49-F238E27FC236}">
-                <a16:creationId xmlns:a16="http://schemas.microsoft.com/office/drawing/2014/main" id="{82597664-9239-43D3-B392-D889E808C108}"/>
-              </a:ext>
-            </a:extLst>
-          </p:cNvPr>
-          <p:cNvSpPr txBox="1"/>
-          <p:nvPr/>
-        </p:nvSpPr>
-        <p:spPr>
-          <a:xfrm>
-            <a:off x="1004080" y="989148"/>
-            <a:ext cx="989374" cy="369332"/>
-          </a:xfrm>
-          <a:prstGeom prst="rect">
-            <a:avLst/>
-          </a:prstGeom>
-          <a:noFill/>
-        </p:spPr>
-        <p:txBody>
-          <a:bodyPr wrap="none" rtlCol="0">
-            <a:spAutoFit/>
-          </a:bodyPr>
-          <a:lstStyle/>
-          <a:p>
-            <a:pPr algn="ctr"/>
-            <a:r>
-              <a:rPr lang="en-US" altLang="ko-KR" spc="-150" dirty="0">
-                <a:solidFill>
-                  <a:srgbClr val="00002F"/>
-                </a:solidFill>
-                <a:latin typeface="+mn-ea"/>
-              </a:rPr>
-              <a:t>3</a:t>
-            </a:r>
-            <a:r>
-              <a:rPr lang="ko-KR" altLang="en-US" spc="-150" dirty="0">
-                <a:solidFill>
-                  <a:srgbClr val="00002F"/>
-                </a:solidFill>
-                <a:latin typeface="+mn-ea"/>
-              </a:rPr>
-              <a:t>번 목표</a:t>
-            </a:r>
-          </a:p>
-        </p:txBody>
-      </p:sp>
-      <p:pic>
-        <p:nvPicPr>
-          <p:cNvPr id="2" name="그림 1">
-            <a:extLst>
-              <a:ext uri="{FF2B5EF4-FFF2-40B4-BE49-F238E27FC236}">
-                <a16:creationId xmlns:a16="http://schemas.microsoft.com/office/drawing/2014/main" id="{AAB0805F-3E71-481B-82D7-06E2C0E1C782}"/>
-              </a:ext>
-            </a:extLst>
-          </p:cNvPr>
-          <p:cNvPicPr>
-            <a:picLocks noChangeAspect="1"/>
-          </p:cNvPicPr>
-          <p:nvPr/>
-        </p:nvPicPr>
-        <p:blipFill>
-          <a:blip r:embed="rId2"/>
-          <a:stretch>
-            <a:fillRect/>
-          </a:stretch>
-        </p:blipFill>
-        <p:spPr>
-          <a:xfrm>
-            <a:off x="194733" y="1702643"/>
-            <a:ext cx="11802533" cy="2014631"/>
-          </a:xfrm>
-          <a:prstGeom prst="rect">
-            <a:avLst/>
-          </a:prstGeom>
-        </p:spPr>
-      </p:pic>
-      <p:sp>
-        <p:nvSpPr>
-          <p:cNvPr id="11" name="TextBox 10">
-            <a:extLst>
-              <a:ext uri="{FF2B5EF4-FFF2-40B4-BE49-F238E27FC236}">
-                <a16:creationId xmlns:a16="http://schemas.microsoft.com/office/drawing/2014/main" id="{C76041AF-B647-43D3-B681-89362762B59A}"/>
-              </a:ext>
-            </a:extLst>
-          </p:cNvPr>
-          <p:cNvSpPr txBox="1"/>
-          <p:nvPr/>
-        </p:nvSpPr>
-        <p:spPr>
-          <a:xfrm>
-            <a:off x="1841053" y="4628638"/>
-            <a:ext cx="10637018" cy="1477328"/>
-          </a:xfrm>
-          <a:prstGeom prst="rect">
-            <a:avLst/>
-          </a:prstGeom>
-          <a:noFill/>
-        </p:spPr>
-        <p:txBody>
-          <a:bodyPr wrap="square" rtlCol="0">
-            <a:spAutoFit/>
-          </a:bodyPr>
-          <a:lstStyle/>
-          <a:p>
-            <a:r>
-              <a:rPr lang="ko-KR" altLang="en-US" dirty="0"/>
-              <a:t>아프리카 </a:t>
-            </a:r>
-            <a:r>
-              <a:rPr lang="en-US" altLang="ko-KR" dirty="0"/>
-              <a:t>: </a:t>
-            </a:r>
-            <a:r>
-              <a:rPr lang="ko-KR" altLang="en-US" dirty="0"/>
-              <a:t>과거 정부 시설 및 민간 시설이 비슷했지만 현재는 군</a:t>
-            </a:r>
-            <a:r>
-              <a:rPr lang="en-US" altLang="ko-KR" dirty="0"/>
-              <a:t>, </a:t>
-            </a:r>
-            <a:r>
-              <a:rPr lang="ko-KR" altLang="en-US" dirty="0"/>
-              <a:t>경찰과 관련된 테러 양상</a:t>
-            </a:r>
-            <a:endParaRPr lang="en-US" altLang="ko-KR" dirty="0"/>
-          </a:p>
-          <a:p>
-            <a:endParaRPr lang="en-US" altLang="ko-KR" dirty="0"/>
-          </a:p>
-          <a:p>
-            <a:r>
-              <a:rPr lang="ko-KR" altLang="en-US" dirty="0"/>
-              <a:t>아시아 </a:t>
-            </a:r>
-            <a:r>
-              <a:rPr lang="en-US" altLang="ko-KR" dirty="0"/>
-              <a:t>: </a:t>
-            </a:r>
-            <a:r>
-              <a:rPr lang="ko-KR" altLang="en-US" dirty="0"/>
-              <a:t>아프리카와 동일</a:t>
-            </a:r>
-            <a:endParaRPr lang="en-US" altLang="ko-KR" dirty="0"/>
-          </a:p>
-          <a:p>
-            <a:endParaRPr lang="en-US" altLang="ko-KR" dirty="0"/>
-          </a:p>
-          <a:p>
-            <a:r>
-              <a:rPr lang="ko-KR" altLang="en-US" dirty="0"/>
-              <a:t>유럽 </a:t>
-            </a:r>
-            <a:r>
-              <a:rPr lang="en-US" altLang="ko-KR" dirty="0"/>
-              <a:t>: </a:t>
-            </a:r>
-            <a:r>
-              <a:rPr lang="ko-KR" altLang="en-US" dirty="0"/>
-              <a:t>군 시설에 대한 테러 양상 지속적으로 나타남</a:t>
-            </a:r>
-            <a:endParaRPr lang="en-US" altLang="ko-KR" dirty="0"/>
-          </a:p>
-        </p:txBody>
-      </p:sp>
-      <p:sp>
-        <p:nvSpPr>
-          <p:cNvPr id="12" name="화살표: 오른쪽 11">
-            <a:extLst>
-              <a:ext uri="{FF2B5EF4-FFF2-40B4-BE49-F238E27FC236}">
-                <a16:creationId xmlns:a16="http://schemas.microsoft.com/office/drawing/2014/main" id="{C754DC83-1031-4FA9-A677-B02E903AD93B}"/>
-              </a:ext>
-            </a:extLst>
-          </p:cNvPr>
-          <p:cNvSpPr/>
-          <p:nvPr/>
-        </p:nvSpPr>
-        <p:spPr>
-          <a:xfrm>
-            <a:off x="537318" y="5124986"/>
-            <a:ext cx="978408" cy="484632"/>
-          </a:xfrm>
-          <a:prstGeom prst="rightArrow">
-            <a:avLst/>
-          </a:prstGeom>
-          <a:solidFill>
-            <a:srgbClr val="FF0000"/>
-          </a:solidFill>
-          <a:ln>
-            <a:solidFill>
-              <a:schemeClr val="bg1"/>
-            </a:solidFill>
-          </a:ln>
-        </p:spPr>
-        <p:style>
-          <a:lnRef idx="2">
-            <a:schemeClr val="accent1">
-              <a:shade val="50000"/>
-            </a:schemeClr>
-          </a:lnRef>
-          <a:fillRef idx="1">
-            <a:schemeClr val="accent1"/>
-          </a:fillRef>
-          <a:effectRef idx="0">
-            <a:schemeClr val="accent1"/>
-          </a:effectRef>
-          <a:fontRef idx="minor">
-            <a:schemeClr val="lt1"/>
-          </a:fontRef>
-        </p:style>
-        <p:txBody>
-          <a:bodyPr rtlCol="0" anchor="ctr"/>
-          <a:lstStyle/>
-          <a:p>
-            <a:pPr algn="ctr"/>
-            <a:endParaRPr lang="ko-KR" altLang="en-US"/>
-          </a:p>
-        </p:txBody>
-      </p:sp>
-    </p:spTree>
-    <p:extLst>
-      <p:ext uri="{BB962C8B-B14F-4D97-AF65-F5344CB8AC3E}">
-        <p14:creationId xmlns:p14="http://schemas.microsoft.com/office/powerpoint/2010/main" val="1786461696"/>
-      </p:ext>
-    </p:extLst>
-  </p:cSld>
-  <p:clrMapOvr>
-    <a:masterClrMapping/>
-  </p:clrMapOvr>
-</p:sld>
-</file>
-
-<file path=ppt/slides/slide38.xml><?xml version="1.0" encoding="utf-8"?>
-<p:sld xmlns:a="http://schemas.openxmlformats.org/drawingml/2006/main" xmlns:r="http://schemas.openxmlformats.org/officeDocument/2006/relationships" xmlns:p="http://schemas.openxmlformats.org/presentationml/2006/main">
-  <p:cSld>
-    <p:spTree>
-      <p:nvGrpSpPr>
-        <p:cNvPr id="1" name=""/>
-        <p:cNvGrpSpPr/>
-        <p:nvPr/>
-      </p:nvGrpSpPr>
-      <p:grpSpPr>
-        <a:xfrm>
-          <a:off x="0" y="0"/>
-          <a:ext cx="0" cy="0"/>
-          <a:chOff x="0" y="0"/>
-          <a:chExt cx="0" cy="0"/>
-        </a:xfrm>
-      </p:grpSpPr>
       <p:sp>
         <p:nvSpPr>
           <p:cNvPr id="3" name="직사각형 2"/>
@@ -18450,7 +17874,7 @@
 </p:sld>
 </file>
 
-<file path=ppt/slides/slide39.xml><?xml version="1.0" encoding="utf-8"?>
+<file path=ppt/slides/slide38.xml><?xml version="1.0" encoding="utf-8"?>
 <p:sld xmlns:a="http://schemas.openxmlformats.org/drawingml/2006/main" xmlns:r="http://schemas.openxmlformats.org/officeDocument/2006/relationships" xmlns:p="http://schemas.openxmlformats.org/presentationml/2006/main">
   <p:cSld>
     <p:spTree>
